--- a/Oral Candidacy/Presentation/Figures/photon_candidate_vars_schematics.pptx
+++ b/Oral Candidacy/Presentation/Figures/photon_candidate_vars_schematics.pptx
@@ -9,6 +9,9 @@
     <p:sldId id="257" r:id="rId3"/>
     <p:sldId id="258" r:id="rId4"/>
     <p:sldId id="259" r:id="rId5"/>
+    <p:sldId id="262" r:id="rId6"/>
+    <p:sldId id="260" r:id="rId7"/>
+    <p:sldId id="261" r:id="rId8"/>
   </p:sldIdLst>
   <p:sldSz cx="12192000" cy="6858000"/>
   <p:notesSz cx="6858000" cy="9144000"/>
@@ -3336,10 +3339,10 @@
       </p:grpSpPr>
       <p:grpSp>
         <p:nvGrpSpPr>
-          <p:cNvPr id="23" name="Group 22">
+          <p:cNvPr id="32" name="Group 31">
             <a:extLst>
               <a:ext uri="{FF2B5EF4-FFF2-40B4-BE49-F238E27FC236}">
-                <a16:creationId xmlns:a16="http://schemas.microsoft.com/office/drawing/2014/main" id="{0AB91211-92AE-6ED2-0CE9-CC5A55F5B63D}"/>
+                <a16:creationId xmlns:a16="http://schemas.microsoft.com/office/drawing/2014/main" id="{9CC6A4DD-9828-F4F8-BC4F-19A6429306E1}"/>
               </a:ext>
             </a:extLst>
           </p:cNvPr>
@@ -3348,18 +3351,18 @@
         </p:nvGrpSpPr>
         <p:grpSpPr>
           <a:xfrm>
-            <a:off x="2789337" y="1624385"/>
-            <a:ext cx="4787120" cy="3305072"/>
-            <a:chOff x="2789337" y="1624385"/>
-            <a:chExt cx="4787120" cy="3305072"/>
+            <a:off x="2775209" y="1624385"/>
+            <a:ext cx="4789500" cy="3397405"/>
+            <a:chOff x="2775209" y="1624385"/>
+            <a:chExt cx="4789500" cy="3397405"/>
           </a:xfrm>
         </p:grpSpPr>
         <p:grpSp>
           <p:nvGrpSpPr>
-            <p:cNvPr id="20" name="Group 19">
+            <p:cNvPr id="23" name="Group 22">
               <a:extLst>
                 <a:ext uri="{FF2B5EF4-FFF2-40B4-BE49-F238E27FC236}">
-                  <a16:creationId xmlns:a16="http://schemas.microsoft.com/office/drawing/2014/main" id="{5F03642E-63D8-450B-EFC6-C7F9A786DAE4}"/>
+                  <a16:creationId xmlns:a16="http://schemas.microsoft.com/office/drawing/2014/main" id="{0AB91211-92AE-6ED2-0CE9-CC5A55F5B63D}"/>
                 </a:ext>
               </a:extLst>
             </p:cNvPr>
@@ -3368,18 +3371,18 @@
           </p:nvGrpSpPr>
           <p:grpSpPr>
             <a:xfrm>
-              <a:off x="3135086" y="1624385"/>
-              <a:ext cx="4441371" cy="3305072"/>
-              <a:chOff x="3135086" y="1624385"/>
-              <a:chExt cx="4441371" cy="3305072"/>
+              <a:off x="2775209" y="1624385"/>
+              <a:ext cx="4789500" cy="3397405"/>
+              <a:chOff x="2775209" y="1624385"/>
+              <a:chExt cx="4789500" cy="3397405"/>
             </a:xfrm>
           </p:grpSpPr>
           <p:grpSp>
             <p:nvGrpSpPr>
-              <p:cNvPr id="17" name="Group 16">
+              <p:cNvPr id="20" name="Group 19">
                 <a:extLst>
                   <a:ext uri="{FF2B5EF4-FFF2-40B4-BE49-F238E27FC236}">
-                    <a16:creationId xmlns:a16="http://schemas.microsoft.com/office/drawing/2014/main" id="{436E8F11-8072-D49B-B3C9-EBF7854DC5FE}"/>
+                    <a16:creationId xmlns:a16="http://schemas.microsoft.com/office/drawing/2014/main" id="{5F03642E-63D8-450B-EFC6-C7F9A786DAE4}"/>
                   </a:ext>
                 </a:extLst>
               </p:cNvPr>
@@ -3388,356 +3391,359 @@
             </p:nvGrpSpPr>
             <p:grpSpPr>
               <a:xfrm>
-                <a:off x="3135086" y="4560125"/>
-                <a:ext cx="4218763" cy="369332"/>
-                <a:chOff x="3135086" y="4560125"/>
-                <a:chExt cx="4218763" cy="369332"/>
+                <a:off x="3135086" y="1624385"/>
+                <a:ext cx="4429623" cy="3397405"/>
+                <a:chOff x="3135086" y="1624385"/>
+                <a:chExt cx="4429623" cy="3397405"/>
               </a:xfrm>
             </p:grpSpPr>
-            <mc:AlternateContent xmlns:mc="http://schemas.openxmlformats.org/markup-compatibility/2006">
-              <mc:Choice xmlns:a14="http://schemas.microsoft.com/office/drawing/2010/main" Requires="a14">
-                <p:sp>
-                  <p:nvSpPr>
-                    <p:cNvPr id="13" name="TextBox 12">
-                      <a:extLst>
-                        <a:ext uri="{FF2B5EF4-FFF2-40B4-BE49-F238E27FC236}">
-                          <a16:creationId xmlns:a16="http://schemas.microsoft.com/office/drawing/2014/main" id="{92C90F21-0D86-0DD6-4B6F-E7146254DD27}"/>
-                        </a:ext>
-                      </a:extLst>
-                    </p:cNvPr>
-                    <p:cNvSpPr txBox="1"/>
-                    <p:nvPr/>
-                  </p:nvSpPr>
-                  <p:spPr>
-                    <a:xfrm>
-                      <a:off x="3135086" y="4560125"/>
-                      <a:ext cx="724395" cy="369332"/>
-                    </a:xfrm>
-                    <a:prstGeom prst="rect">
-                      <a:avLst/>
-                    </a:prstGeom>
-                    <a:noFill/>
-                  </p:spPr>
-                  <p:txBody>
-                    <a:bodyPr wrap="square" rtlCol="0">
-                      <a:spAutoFit/>
-                    </a:bodyPr>
-                    <a:lstStyle/>
-                    <a:p>
-                      <a14:m>
-                        <m:oMathPara xmlns:m="http://schemas.openxmlformats.org/officeDocument/2006/math">
-                          <m:oMathParaPr>
-                            <m:jc m:val="centerGroup"/>
-                          </m:oMathParaPr>
-                          <m:oMath xmlns:m="http://schemas.openxmlformats.org/officeDocument/2006/math">
-                            <m:r>
-                              <m:rPr>
-                                <m:sty m:val="p"/>
-                              </m:rPr>
-                              <a:rPr lang="en-US" b="0" i="1" smtClean="0">
-                                <a:solidFill>
-                                  <a:srgbClr val="0C2240"/>
-                                </a:solidFill>
-                                <a:latin typeface="Cambria Math" panose="02040503050406030204" pitchFamily="18" charset="0"/>
-                              </a:rPr>
-                              <m:t>ϕ</m:t>
-                            </m:r>
-                          </m:oMath>
-                        </m:oMathPara>
-                      </a14:m>
-                      <a:endParaRPr lang="en-US" b="0" dirty="0">
-                        <a:solidFill>
-                          <a:srgbClr val="0C2240"/>
-                        </a:solidFill>
-                      </a:endParaRPr>
-                    </a:p>
-                  </p:txBody>
-                </p:sp>
-              </mc:Choice>
-              <mc:Fallback>
-                <p:sp>
-                  <p:nvSpPr>
-                    <p:cNvPr id="13" name="TextBox 12">
-                      <a:extLst>
-                        <a:ext uri="{FF2B5EF4-FFF2-40B4-BE49-F238E27FC236}">
-                          <a16:creationId xmlns:a16="http://schemas.microsoft.com/office/drawing/2014/main" id="{92C90F21-0D86-0DD6-4B6F-E7146254DD27}"/>
-                        </a:ext>
-                      </a:extLst>
-                    </p:cNvPr>
-                    <p:cNvSpPr txBox="1">
-                      <a:spLocks noRot="1" noChangeAspect="1" noMove="1" noResize="1" noEditPoints="1" noAdjustHandles="1" noChangeArrowheads="1" noChangeShapeType="1" noTextEdit="1"/>
-                    </p:cNvSpPr>
-                    <p:nvPr/>
-                  </p:nvSpPr>
-                  <p:spPr>
-                    <a:xfrm>
-                      <a:off x="3135086" y="4560125"/>
-                      <a:ext cx="724395" cy="369332"/>
-                    </a:xfrm>
-                    <a:prstGeom prst="rect">
-                      <a:avLst/>
-                    </a:prstGeom>
-                    <a:blipFill>
-                      <a:blip r:embed="rId2"/>
-                      <a:stretch>
-                        <a:fillRect b="-10000"/>
-                      </a:stretch>
-                    </a:blipFill>
-                  </p:spPr>
-                  <p:txBody>
-                    <a:bodyPr/>
-                    <a:lstStyle/>
-                    <a:p>
-                      <a:r>
-                        <a:rPr lang="en-US">
-                          <a:noFill/>
-                        </a:rPr>
-                        <a:t> </a:t>
-                      </a:r>
-                    </a:p>
-                  </p:txBody>
-                </p:sp>
-              </mc:Fallback>
-            </mc:AlternateContent>
-            <p:cxnSp>
-              <p:nvCxnSpPr>
-                <p:cNvPr id="15" name="Straight Arrow Connector 14">
+            <p:grpSp>
+              <p:nvGrpSpPr>
+                <p:cNvPr id="17" name="Group 16">
                   <a:extLst>
                     <a:ext uri="{FF2B5EF4-FFF2-40B4-BE49-F238E27FC236}">
-                      <a16:creationId xmlns:a16="http://schemas.microsoft.com/office/drawing/2014/main" id="{003DC7F0-5370-3391-1766-70CFE172F35C}"/>
+                      <a16:creationId xmlns:a16="http://schemas.microsoft.com/office/drawing/2014/main" id="{436E8F11-8072-D49B-B3C9-EBF7854DC5FE}"/>
                     </a:ext>
                   </a:extLst>
                 </p:cNvPr>
-                <p:cNvCxnSpPr>
-                  <a:cxnSpLocks/>
-                </p:cNvCxnSpPr>
+                <p:cNvGrpSpPr/>
                 <p:nvPr/>
-              </p:nvCxnSpPr>
-              <p:spPr>
-                <a:xfrm flipV="1">
-                  <a:off x="3720000" y="4765903"/>
-                  <a:ext cx="3633849" cy="6536"/>
+              </p:nvGrpSpPr>
+              <p:grpSpPr>
+                <a:xfrm>
+                  <a:off x="3135086" y="4560125"/>
+                  <a:ext cx="4171191" cy="461665"/>
+                  <a:chOff x="3135086" y="4560125"/>
+                  <a:chExt cx="4171191" cy="461665"/>
                 </a:xfrm>
-                <a:prstGeom prst="straightConnector1">
-                  <a:avLst/>
-                </a:prstGeom>
-                <a:ln w="25400">
-                  <a:solidFill>
-                    <a:srgbClr val="0C2140"/>
-                  </a:solidFill>
-                  <a:tailEnd type="triangle"/>
-                </a:ln>
-              </p:spPr>
-              <p:style>
-                <a:lnRef idx="1">
-                  <a:schemeClr val="accent1"/>
-                </a:lnRef>
-                <a:fillRef idx="0">
-                  <a:schemeClr val="accent1"/>
-                </a:fillRef>
-                <a:effectRef idx="0">
-                  <a:schemeClr val="accent1"/>
-                </a:effectRef>
-                <a:fontRef idx="minor">
-                  <a:schemeClr val="tx1"/>
-                </a:fontRef>
-              </p:style>
-            </p:cxnSp>
-          </p:grpSp>
-          <p:pic>
-            <p:nvPicPr>
-              <p:cNvPr id="19" name="Picture 18">
-                <a:extLst>
-                  <a:ext uri="{FF2B5EF4-FFF2-40B4-BE49-F238E27FC236}">
-                    <a16:creationId xmlns:a16="http://schemas.microsoft.com/office/drawing/2014/main" id="{792B91B4-B9B5-43E9-A3D7-F23170840A46}"/>
-                  </a:ext>
-                </a:extLst>
-              </p:cNvPr>
-              <p:cNvPicPr>
-                <a:picLocks noChangeAspect="1"/>
-              </p:cNvPicPr>
-              <p:nvPr/>
-            </p:nvPicPr>
-            <p:blipFill>
-              <a:blip r:embed="rId3"/>
-              <a:srcRect/>
-              <a:stretch/>
-            </p:blipFill>
-            <p:spPr>
-              <a:xfrm>
-                <a:off x="3402249" y="1624385"/>
-                <a:ext cx="4174208" cy="2984500"/>
-              </a:xfrm>
-              <a:prstGeom prst="rect">
-                <a:avLst/>
-              </a:prstGeom>
-            </p:spPr>
-          </p:pic>
-        </p:grpSp>
-        <mc:AlternateContent xmlns:mc="http://schemas.openxmlformats.org/markup-compatibility/2006">
-          <mc:Choice xmlns:a14="http://schemas.microsoft.com/office/drawing/2010/main" Requires="a14">
-            <p:sp>
-              <p:nvSpPr>
-                <p:cNvPr id="21" name="TextBox 20">
+              </p:grpSpPr>
+              <mc:AlternateContent xmlns:mc="http://schemas.openxmlformats.org/markup-compatibility/2006">
+                <mc:Choice xmlns:a14="http://schemas.microsoft.com/office/drawing/2010/main" Requires="a14">
+                  <p:sp>
+                    <p:nvSpPr>
+                      <p:cNvPr id="13" name="TextBox 12">
+                        <a:extLst>
+                          <a:ext uri="{FF2B5EF4-FFF2-40B4-BE49-F238E27FC236}">
+                            <a16:creationId xmlns:a16="http://schemas.microsoft.com/office/drawing/2014/main" id="{92C90F21-0D86-0DD6-4B6F-E7146254DD27}"/>
+                          </a:ext>
+                        </a:extLst>
+                      </p:cNvPr>
+                      <p:cNvSpPr txBox="1"/>
+                      <p:nvPr/>
+                    </p:nvSpPr>
+                    <p:spPr>
+                      <a:xfrm>
+                        <a:off x="3135086" y="4560125"/>
+                        <a:ext cx="724395" cy="461665"/>
+                      </a:xfrm>
+                      <a:prstGeom prst="rect">
+                        <a:avLst/>
+                      </a:prstGeom>
+                      <a:noFill/>
+                    </p:spPr>
+                    <p:txBody>
+                      <a:bodyPr wrap="square" rtlCol="0">
+                        <a:spAutoFit/>
+                      </a:bodyPr>
+                      <a:lstStyle/>
+                      <a:p>
+                        <a14:m>
+                          <m:oMathPara xmlns:m="http://schemas.openxmlformats.org/officeDocument/2006/math">
+                            <m:oMathParaPr>
+                              <m:jc m:val="centerGroup"/>
+                            </m:oMathParaPr>
+                            <m:oMath xmlns:m="http://schemas.openxmlformats.org/officeDocument/2006/math">
+                              <m:r>
+                                <m:rPr>
+                                  <m:sty m:val="p"/>
+                                </m:rPr>
+                                <a:rPr lang="en-US" sz="2400" b="0" i="1" smtClean="0">
+                                  <a:solidFill>
+                                    <a:srgbClr val="0C2240"/>
+                                  </a:solidFill>
+                                  <a:latin typeface="Cambria Math" panose="02040503050406030204" pitchFamily="18" charset="0"/>
+                                </a:rPr>
+                                <m:t>ϕ</m:t>
+                              </m:r>
+                            </m:oMath>
+                          </m:oMathPara>
+                        </a14:m>
+                        <a:endParaRPr lang="en-US" sz="2400" b="0" dirty="0">
+                          <a:solidFill>
+                            <a:srgbClr val="0C2240"/>
+                          </a:solidFill>
+                        </a:endParaRPr>
+                      </a:p>
+                    </p:txBody>
+                  </p:sp>
+                </mc:Choice>
+                <mc:Fallback>
+                  <p:sp>
+                    <p:nvSpPr>
+                      <p:cNvPr id="13" name="TextBox 12">
+                        <a:extLst>
+                          <a:ext uri="{FF2B5EF4-FFF2-40B4-BE49-F238E27FC236}">
+                            <a16:creationId xmlns:a16="http://schemas.microsoft.com/office/drawing/2014/main" id="{92C90F21-0D86-0DD6-4B6F-E7146254DD27}"/>
+                          </a:ext>
+                        </a:extLst>
+                      </p:cNvPr>
+                      <p:cNvSpPr txBox="1">
+                        <a:spLocks noRot="1" noChangeAspect="1" noMove="1" noResize="1" noEditPoints="1" noAdjustHandles="1" noChangeArrowheads="1" noChangeShapeType="1" noTextEdit="1"/>
+                      </p:cNvSpPr>
+                      <p:nvPr/>
+                    </p:nvSpPr>
+                    <p:spPr>
+                      <a:xfrm>
+                        <a:off x="3135086" y="4560125"/>
+                        <a:ext cx="724395" cy="461665"/>
+                      </a:xfrm>
+                      <a:prstGeom prst="rect">
+                        <a:avLst/>
+                      </a:prstGeom>
+                      <a:blipFill>
+                        <a:blip r:embed="rId2"/>
+                        <a:stretch>
+                          <a:fillRect b="-16216"/>
+                        </a:stretch>
+                      </a:blipFill>
+                    </p:spPr>
+                    <p:txBody>
+                      <a:bodyPr/>
+                      <a:lstStyle/>
+                      <a:p>
+                        <a:r>
+                          <a:rPr lang="en-US">
+                            <a:noFill/>
+                          </a:rPr>
+                          <a:t> </a:t>
+                        </a:r>
+                      </a:p>
+                    </p:txBody>
+                  </p:sp>
+                </mc:Fallback>
+              </mc:AlternateContent>
+              <p:cxnSp>
+                <p:nvCxnSpPr>
+                  <p:cNvPr id="15" name="Straight Arrow Connector 14">
+                    <a:extLst>
+                      <a:ext uri="{FF2B5EF4-FFF2-40B4-BE49-F238E27FC236}">
+                        <a16:creationId xmlns:a16="http://schemas.microsoft.com/office/drawing/2014/main" id="{003DC7F0-5370-3391-1766-70CFE172F35C}"/>
+                      </a:ext>
+                    </a:extLst>
+                  </p:cNvPr>
+                  <p:cNvCxnSpPr>
+                    <a:cxnSpLocks/>
+                  </p:cNvCxnSpPr>
+                  <p:nvPr/>
+                </p:nvCxnSpPr>
+                <p:spPr>
+                  <a:xfrm flipV="1">
+                    <a:off x="3672428" y="4812069"/>
+                    <a:ext cx="3633849" cy="6536"/>
+                  </a:xfrm>
+                  <a:prstGeom prst="straightConnector1">
+                    <a:avLst/>
+                  </a:prstGeom>
+                  <a:ln w="25400">
+                    <a:solidFill>
+                      <a:srgbClr val="0C2140"/>
+                    </a:solidFill>
+                    <a:tailEnd type="triangle"/>
+                  </a:ln>
+                </p:spPr>
+                <p:style>
+                  <a:lnRef idx="1">
+                    <a:schemeClr val="accent1"/>
+                  </a:lnRef>
+                  <a:fillRef idx="0">
+                    <a:schemeClr val="accent1"/>
+                  </a:fillRef>
+                  <a:effectRef idx="0">
+                    <a:schemeClr val="accent1"/>
+                  </a:effectRef>
+                  <a:fontRef idx="minor">
+                    <a:schemeClr val="tx1"/>
+                  </a:fontRef>
+                </p:style>
+              </p:cxnSp>
+            </p:grpSp>
+            <p:pic>
+              <p:nvPicPr>
+                <p:cNvPr id="19" name="Picture 18">
                   <a:extLst>
                     <a:ext uri="{FF2B5EF4-FFF2-40B4-BE49-F238E27FC236}">
-                      <a16:creationId xmlns:a16="http://schemas.microsoft.com/office/drawing/2014/main" id="{37B45525-F66A-C952-C4FD-C9D55118FE45}"/>
+                      <a16:creationId xmlns:a16="http://schemas.microsoft.com/office/drawing/2014/main" id="{792B91B4-B9B5-43E9-A3D7-F23170840A46}"/>
                     </a:ext>
                   </a:extLst>
                 </p:cNvPr>
-                <p:cNvSpPr txBox="1"/>
+                <p:cNvPicPr>
+                  <a:picLocks noChangeAspect="1"/>
+                </p:cNvPicPr>
                 <p:nvPr/>
-              </p:nvSpPr>
+              </p:nvPicPr>
+              <p:blipFill>
+                <a:blip r:embed="rId3"/>
+                <a:srcRect/>
+                <a:stretch/>
+              </p:blipFill>
               <p:spPr>
                 <a:xfrm>
-                  <a:off x="2815464" y="3998137"/>
-                  <a:ext cx="724395" cy="369332"/>
+                  <a:off x="3413997" y="1624385"/>
+                  <a:ext cx="4150712" cy="2984500"/>
                 </a:xfrm>
                 <a:prstGeom prst="rect">
                   <a:avLst/>
                 </a:prstGeom>
-                <a:noFill/>
               </p:spPr>
-              <p:txBody>
-                <a:bodyPr wrap="square" rtlCol="0">
-                  <a:spAutoFit/>
-                </a:bodyPr>
-                <a:lstStyle/>
-                <a:p>
-                  <a14:m>
-                    <m:oMathPara xmlns:m="http://schemas.openxmlformats.org/officeDocument/2006/math">
-                      <m:oMathParaPr>
-                        <m:jc m:val="centerGroup"/>
-                      </m:oMathParaPr>
-                      <m:oMath xmlns:m="http://schemas.openxmlformats.org/officeDocument/2006/math">
-                        <m:r>
-                          <a:rPr lang="en-US" b="0" i="1" smtClean="0">
-                            <a:solidFill>
-                              <a:srgbClr val="0C2240"/>
-                            </a:solidFill>
-                            <a:latin typeface="Cambria Math" panose="02040503050406030204" pitchFamily="18" charset="0"/>
-                          </a:rPr>
-                          <m:t>𝜂</m:t>
-                        </m:r>
-                      </m:oMath>
-                    </m:oMathPara>
-                  </a14:m>
-                  <a:endParaRPr lang="en-US" b="0" dirty="0">
-                    <a:solidFill>
-                      <a:srgbClr val="0C2240"/>
-                    </a:solidFill>
-                  </a:endParaRPr>
-                </a:p>
-              </p:txBody>
-            </p:sp>
-          </mc:Choice>
-          <mc:Fallback>
-            <p:sp>
-              <p:nvSpPr>
-                <p:cNvPr id="21" name="TextBox 20">
-                  <a:extLst>
-                    <a:ext uri="{FF2B5EF4-FFF2-40B4-BE49-F238E27FC236}">
-                      <a16:creationId xmlns:a16="http://schemas.microsoft.com/office/drawing/2014/main" id="{37B45525-F66A-C952-C4FD-C9D55118FE45}"/>
-                    </a:ext>
-                  </a:extLst>
-                </p:cNvPr>
-                <p:cNvSpPr txBox="1">
-                  <a:spLocks noRot="1" noChangeAspect="1" noMove="1" noResize="1" noEditPoints="1" noAdjustHandles="1" noChangeArrowheads="1" noChangeShapeType="1" noTextEdit="1"/>
-                </p:cNvSpPr>
-                <p:nvPr/>
-              </p:nvSpPr>
-              <p:spPr>
-                <a:xfrm>
-                  <a:off x="2815464" y="3998137"/>
-                  <a:ext cx="724395" cy="369332"/>
-                </a:xfrm>
-                <a:prstGeom prst="rect">
-                  <a:avLst/>
-                </a:prstGeom>
-                <a:blipFill>
-                  <a:blip r:embed="rId4"/>
-                  <a:stretch>
-                    <a:fillRect b="-10000"/>
-                  </a:stretch>
-                </a:blipFill>
-              </p:spPr>
-              <p:txBody>
-                <a:bodyPr/>
-                <a:lstStyle/>
-                <a:p>
-                  <a:r>
-                    <a:rPr lang="en-US">
-                      <a:noFill/>
-                    </a:rPr>
-                    <a:t> </a:t>
-                  </a:r>
-                </a:p>
-              </p:txBody>
-            </p:sp>
-          </mc:Fallback>
-        </mc:AlternateContent>
-        <p:sp>
-          <p:nvSpPr>
-            <p:cNvPr id="22" name="Circular Arrow 21">
+            </p:pic>
+          </p:grpSp>
+          <mc:AlternateContent xmlns:mc="http://schemas.openxmlformats.org/markup-compatibility/2006">
+            <mc:Choice xmlns:a14="http://schemas.microsoft.com/office/drawing/2010/main" Requires="a14">
+              <p:sp>
+                <p:nvSpPr>
+                  <p:cNvPr id="21" name="TextBox 20">
+                    <a:extLst>
+                      <a:ext uri="{FF2B5EF4-FFF2-40B4-BE49-F238E27FC236}">
+                        <a16:creationId xmlns:a16="http://schemas.microsoft.com/office/drawing/2014/main" id="{37B45525-F66A-C952-C4FD-C9D55118FE45}"/>
+                      </a:ext>
+                    </a:extLst>
+                  </p:cNvPr>
+                  <p:cNvSpPr txBox="1"/>
+                  <p:nvPr/>
+                </p:nvSpPr>
+                <p:spPr>
+                  <a:xfrm>
+                    <a:off x="2775209" y="3429000"/>
+                    <a:ext cx="724395" cy="461665"/>
+                  </a:xfrm>
+                  <a:prstGeom prst="rect">
+                    <a:avLst/>
+                  </a:prstGeom>
+                  <a:noFill/>
+                </p:spPr>
+                <p:txBody>
+                  <a:bodyPr wrap="square" rtlCol="0">
+                    <a:spAutoFit/>
+                  </a:bodyPr>
+                  <a:lstStyle/>
+                  <a:p>
+                    <a14:m>
+                      <m:oMathPara xmlns:m="http://schemas.openxmlformats.org/officeDocument/2006/math">
+                        <m:oMathParaPr>
+                          <m:jc m:val="centerGroup"/>
+                        </m:oMathParaPr>
+                        <m:oMath xmlns:m="http://schemas.openxmlformats.org/officeDocument/2006/math">
+                          <m:r>
+                            <a:rPr lang="en-US" sz="2400" b="0" i="1" smtClean="0">
+                              <a:solidFill>
+                                <a:srgbClr val="0C2240"/>
+                              </a:solidFill>
+                              <a:latin typeface="Cambria Math" panose="02040503050406030204" pitchFamily="18" charset="0"/>
+                            </a:rPr>
+                            <m:t>𝜂</m:t>
+                          </m:r>
+                        </m:oMath>
+                      </m:oMathPara>
+                    </a14:m>
+                    <a:endParaRPr lang="en-US" sz="2400" b="0" dirty="0">
+                      <a:solidFill>
+                        <a:srgbClr val="0C2240"/>
+                      </a:solidFill>
+                    </a:endParaRPr>
+                  </a:p>
+                </p:txBody>
+              </p:sp>
+            </mc:Choice>
+            <mc:Fallback>
+              <p:sp>
+                <p:nvSpPr>
+                  <p:cNvPr id="21" name="TextBox 20">
+                    <a:extLst>
+                      <a:ext uri="{FF2B5EF4-FFF2-40B4-BE49-F238E27FC236}">
+                        <a16:creationId xmlns:a16="http://schemas.microsoft.com/office/drawing/2014/main" id="{37B45525-F66A-C952-C4FD-C9D55118FE45}"/>
+                      </a:ext>
+                    </a:extLst>
+                  </p:cNvPr>
+                  <p:cNvSpPr txBox="1">
+                    <a:spLocks noRot="1" noChangeAspect="1" noMove="1" noResize="1" noEditPoints="1" noAdjustHandles="1" noChangeArrowheads="1" noChangeShapeType="1" noTextEdit="1"/>
+                  </p:cNvSpPr>
+                  <p:nvPr/>
+                </p:nvSpPr>
+                <p:spPr>
+                  <a:xfrm>
+                    <a:off x="2775209" y="3429000"/>
+                    <a:ext cx="724395" cy="461665"/>
+                  </a:xfrm>
+                  <a:prstGeom prst="rect">
+                    <a:avLst/>
+                  </a:prstGeom>
+                  <a:blipFill>
+                    <a:blip r:embed="rId4"/>
+                    <a:stretch>
+                      <a:fillRect b="-8108"/>
+                    </a:stretch>
+                  </a:blipFill>
+                </p:spPr>
+                <p:txBody>
+                  <a:bodyPr/>
+                  <a:lstStyle/>
+                  <a:p>
+                    <a:r>
+                      <a:rPr lang="en-US">
+                        <a:noFill/>
+                      </a:rPr>
+                      <a:t> </a:t>
+                    </a:r>
+                  </a:p>
+                </p:txBody>
+              </p:sp>
+            </mc:Fallback>
+          </mc:AlternateContent>
+        </p:grpSp>
+        <p:cxnSp>
+          <p:nvCxnSpPr>
+            <p:cNvPr id="30" name="Straight Arrow Connector 29">
               <a:extLst>
                 <a:ext uri="{FF2B5EF4-FFF2-40B4-BE49-F238E27FC236}">
-                  <a16:creationId xmlns:a16="http://schemas.microsoft.com/office/drawing/2014/main" id="{08B6A07C-BB48-BBEA-B59A-66CF28671B1A}"/>
+                  <a16:creationId xmlns:a16="http://schemas.microsoft.com/office/drawing/2014/main" id="{CD8DACD2-058D-B5D1-FE46-D0E384CD29B6}"/>
                 </a:ext>
               </a:extLst>
             </p:cNvPr>
-            <p:cNvSpPr/>
+            <p:cNvCxnSpPr>
+              <a:cxnSpLocks/>
+            </p:cNvCxnSpPr>
             <p:nvPr/>
-          </p:nvSpPr>
+          </p:nvCxnSpPr>
           <p:spPr>
-            <a:xfrm rot="16399594">
-              <a:off x="2642703" y="2711587"/>
-              <a:ext cx="1183917" cy="890649"/>
+            <a:xfrm flipV="1">
+              <a:off x="3135086" y="2297875"/>
+              <a:ext cx="0" cy="1131125"/>
             </a:xfrm>
-            <a:prstGeom prst="circularArrow">
-              <a:avLst>
-                <a:gd name="adj1" fmla="val 12500"/>
-                <a:gd name="adj2" fmla="val 1022270"/>
-                <a:gd name="adj3" fmla="val 20457681"/>
-                <a:gd name="adj4" fmla="val 11560992"/>
-                <a:gd name="adj5" fmla="val 16363"/>
-              </a:avLst>
+            <a:prstGeom prst="straightConnector1">
+              <a:avLst/>
             </a:prstGeom>
-            <a:solidFill>
-              <a:srgbClr val="0C2140"/>
-            </a:solidFill>
-            <a:ln>
-              <a:noFill/>
+            <a:ln w="25400">
+              <a:solidFill>
+                <a:srgbClr val="0C2140"/>
+              </a:solidFill>
+              <a:tailEnd type="triangle"/>
             </a:ln>
           </p:spPr>
           <p:style>
-            <a:lnRef idx="2">
-              <a:schemeClr val="accent1">
-                <a:shade val="15000"/>
-              </a:schemeClr>
+            <a:lnRef idx="1">
+              <a:schemeClr val="accent1"/>
             </a:lnRef>
-            <a:fillRef idx="1">
+            <a:fillRef idx="0">
               <a:schemeClr val="accent1"/>
             </a:fillRef>
             <a:effectRef idx="0">
               <a:schemeClr val="accent1"/>
             </a:effectRef>
             <a:fontRef idx="minor">
-              <a:schemeClr val="lt1"/>
+              <a:schemeClr val="tx1"/>
             </a:fontRef>
           </p:style>
-          <p:txBody>
-            <a:bodyPr rtlCol="0" anchor="ctr"/>
-            <a:lstStyle/>
-            <a:p>
-              <a:pPr algn="ctr"/>
-              <a:endParaRPr lang="en-US">
-                <a:solidFill>
-                  <a:schemeClr val="tx1"/>
-                </a:solidFill>
-              </a:endParaRPr>
-            </a:p>
-          </p:txBody>
-        </p:sp>
+        </p:cxnSp>
       </p:grpSp>
     </p:spTree>
     <p:extLst>
@@ -3771,10 +3777,10 @@
       </p:grpSpPr>
       <p:grpSp>
         <p:nvGrpSpPr>
-          <p:cNvPr id="71" name="Group 70">
+          <p:cNvPr id="79" name="Group 78">
             <a:extLst>
               <a:ext uri="{FF2B5EF4-FFF2-40B4-BE49-F238E27FC236}">
-                <a16:creationId xmlns:a16="http://schemas.microsoft.com/office/drawing/2014/main" id="{66E9ADFA-4256-6056-D55F-09C71D6301A2}"/>
+                <a16:creationId xmlns:a16="http://schemas.microsoft.com/office/drawing/2014/main" id="{E421EFEA-26C7-D172-F07A-B9B7EA65F7CD}"/>
               </a:ext>
             </a:extLst>
           </p:cNvPr>
@@ -3783,10 +3789,10 @@
         </p:nvGrpSpPr>
         <p:grpSpPr>
           <a:xfrm>
-            <a:off x="2764652" y="556318"/>
-            <a:ext cx="5233994" cy="5893181"/>
-            <a:chOff x="2764652" y="556318"/>
-            <a:chExt cx="5233994" cy="5893181"/>
+            <a:off x="2766148" y="1100518"/>
+            <a:ext cx="5237018" cy="5441314"/>
+            <a:chOff x="2766148" y="1100518"/>
+            <a:chExt cx="5237018" cy="5441314"/>
           </a:xfrm>
         </p:grpSpPr>
         <p:cxnSp>
@@ -3804,8 +3810,8 @@
             <p:nvPr/>
           </p:nvCxnSpPr>
           <p:spPr>
-            <a:xfrm rot="-120000" flipH="1">
-              <a:off x="7488000" y="561663"/>
+            <a:xfrm rot="21480000" flipH="1">
+              <a:off x="7492520" y="1105863"/>
               <a:ext cx="343364" cy="2125684"/>
             </a:xfrm>
             <a:prstGeom prst="line">
@@ -3834,10 +3840,10 @@
         </p:cxnSp>
         <p:grpSp>
           <p:nvGrpSpPr>
-            <p:cNvPr id="43" name="Group 42">
+            <p:cNvPr id="17" name="Group 16">
               <a:extLst>
                 <a:ext uri="{FF2B5EF4-FFF2-40B4-BE49-F238E27FC236}">
-                  <a16:creationId xmlns:a16="http://schemas.microsoft.com/office/drawing/2014/main" id="{5E1A5E2E-A755-66F5-20A2-64A02982BAB1}"/>
+                  <a16:creationId xmlns:a16="http://schemas.microsoft.com/office/drawing/2014/main" id="{436E8F11-8072-D49B-B3C9-EBF7854DC5FE}"/>
                 </a:ext>
               </a:extLst>
             </p:cNvPr>
@@ -3846,964 +3852,803 @@
           </p:nvGrpSpPr>
           <p:grpSpPr>
             <a:xfrm>
-              <a:off x="2764652" y="556318"/>
-              <a:ext cx="5233994" cy="5893181"/>
-              <a:chOff x="2764652" y="556318"/>
-              <a:chExt cx="5233994" cy="5893181"/>
+              <a:off x="3408217" y="6080167"/>
+              <a:ext cx="3491346" cy="461665"/>
+              <a:chOff x="3455718" y="4560125"/>
+              <a:chExt cx="3491346" cy="461665"/>
             </a:xfrm>
           </p:grpSpPr>
-          <p:grpSp>
-            <p:nvGrpSpPr>
-              <p:cNvPr id="42" name="Group 41">
-                <a:extLst>
-                  <a:ext uri="{FF2B5EF4-FFF2-40B4-BE49-F238E27FC236}">
-                    <a16:creationId xmlns:a16="http://schemas.microsoft.com/office/drawing/2014/main" id="{B614A354-F670-CAE0-9D32-E5AAB61F2285}"/>
-                  </a:ext>
-                </a:extLst>
-              </p:cNvPr>
-              <p:cNvGrpSpPr/>
-              <p:nvPr/>
-            </p:nvGrpSpPr>
-            <p:grpSpPr>
-              <a:xfrm>
-                <a:off x="2764652" y="556318"/>
-                <a:ext cx="5233994" cy="5893181"/>
-                <a:chOff x="2764652" y="556318"/>
-                <a:chExt cx="5233994" cy="5893181"/>
-              </a:xfrm>
-            </p:grpSpPr>
-            <p:grpSp>
-              <p:nvGrpSpPr>
-                <p:cNvPr id="20" name="Group 19">
-                  <a:extLst>
-                    <a:ext uri="{FF2B5EF4-FFF2-40B4-BE49-F238E27FC236}">
-                      <a16:creationId xmlns:a16="http://schemas.microsoft.com/office/drawing/2014/main" id="{5F03642E-63D8-450B-EFC6-C7F9A786DAE4}"/>
-                    </a:ext>
-                  </a:extLst>
-                </p:cNvPr>
-                <p:cNvGrpSpPr/>
-                <p:nvPr/>
-              </p:nvGrpSpPr>
-              <p:grpSpPr>
-                <a:xfrm>
-                  <a:off x="3372592" y="3138735"/>
-                  <a:ext cx="3710080" cy="3310764"/>
-                  <a:chOff x="3420093" y="1618693"/>
-                  <a:chExt cx="3710080" cy="3310764"/>
-                </a:xfrm>
-              </p:grpSpPr>
-              <p:grpSp>
-                <p:nvGrpSpPr>
-                  <p:cNvPr id="17" name="Group 16">
+          <mc:AlternateContent xmlns:mc="http://schemas.openxmlformats.org/markup-compatibility/2006">
+            <mc:Choice xmlns:a14="http://schemas.microsoft.com/office/drawing/2010/main" Requires="a14">
+              <p:sp>
+                <p:nvSpPr>
+                  <p:cNvPr id="13" name="TextBox 12">
                     <a:extLst>
                       <a:ext uri="{FF2B5EF4-FFF2-40B4-BE49-F238E27FC236}">
-                        <a16:creationId xmlns:a16="http://schemas.microsoft.com/office/drawing/2014/main" id="{436E8F11-8072-D49B-B3C9-EBF7854DC5FE}"/>
+                        <a16:creationId xmlns:a16="http://schemas.microsoft.com/office/drawing/2014/main" id="{92C90F21-0D86-0DD6-4B6F-E7146254DD27}"/>
                       </a:ext>
                     </a:extLst>
                   </p:cNvPr>
-                  <p:cNvGrpSpPr/>
+                  <p:cNvSpPr txBox="1"/>
                   <p:nvPr/>
-                </p:nvGrpSpPr>
-                <p:grpSpPr>
+                </p:nvSpPr>
+                <p:spPr>
                   <a:xfrm>
                     <a:off x="3455718" y="4560125"/>
-                    <a:ext cx="3515097" cy="369332"/>
-                    <a:chOff x="3455718" y="4560125"/>
-                    <a:chExt cx="3515097" cy="369332"/>
-                  </a:xfrm>
-                </p:grpSpPr>
-                <mc:AlternateContent xmlns:mc="http://schemas.openxmlformats.org/markup-compatibility/2006">
-                  <mc:Choice xmlns:a14="http://schemas.microsoft.com/office/drawing/2010/main" Requires="a14">
-                    <p:sp>
-                      <p:nvSpPr>
-                        <p:cNvPr id="13" name="TextBox 12">
-                          <a:extLst>
-                            <a:ext uri="{FF2B5EF4-FFF2-40B4-BE49-F238E27FC236}">
-                              <a16:creationId xmlns:a16="http://schemas.microsoft.com/office/drawing/2014/main" id="{92C90F21-0D86-0DD6-4B6F-E7146254DD27}"/>
-                            </a:ext>
-                          </a:extLst>
-                        </p:cNvPr>
-                        <p:cNvSpPr txBox="1"/>
-                        <p:nvPr/>
-                      </p:nvSpPr>
-                      <p:spPr>
-                        <a:xfrm>
-                          <a:off x="3455718" y="4560125"/>
-                          <a:ext cx="724395" cy="369332"/>
-                        </a:xfrm>
-                        <a:prstGeom prst="rect">
-                          <a:avLst/>
-                        </a:prstGeom>
-                        <a:noFill/>
-                      </p:spPr>
-                      <p:txBody>
-                        <a:bodyPr wrap="square" rtlCol="0">
-                          <a:spAutoFit/>
-                        </a:bodyPr>
-                        <a:lstStyle/>
-                        <a:p>
-                          <a14:m>
-                            <m:oMathPara xmlns:m="http://schemas.openxmlformats.org/officeDocument/2006/math">
-                              <m:oMathParaPr>
-                                <m:jc m:val="centerGroup"/>
-                              </m:oMathParaPr>
-                              <m:oMath xmlns:m="http://schemas.openxmlformats.org/officeDocument/2006/math">
-                                <m:r>
-                                  <m:rPr>
-                                    <m:sty m:val="p"/>
-                                  </m:rPr>
-                                  <a:rPr lang="en-US" b="0" i="1" smtClean="0">
-                                    <a:solidFill>
-                                      <a:srgbClr val="0C2240"/>
-                                    </a:solidFill>
-                                    <a:latin typeface="Cambria Math" panose="02040503050406030204" pitchFamily="18" charset="0"/>
-                                  </a:rPr>
-                                  <m:t>ϕ</m:t>
-                                </m:r>
-                              </m:oMath>
-                            </m:oMathPara>
-                          </a14:m>
-                          <a:endParaRPr lang="en-US" b="0" dirty="0">
-                            <a:solidFill>
-                              <a:srgbClr val="0C2240"/>
-                            </a:solidFill>
-                          </a:endParaRPr>
-                        </a:p>
-                      </p:txBody>
-                    </p:sp>
-                  </mc:Choice>
-                  <mc:Fallback>
-                    <p:sp>
-                      <p:nvSpPr>
-                        <p:cNvPr id="13" name="TextBox 12">
-                          <a:extLst>
-                            <a:ext uri="{FF2B5EF4-FFF2-40B4-BE49-F238E27FC236}">
-                              <a16:creationId xmlns:a16="http://schemas.microsoft.com/office/drawing/2014/main" id="{92C90F21-0D86-0DD6-4B6F-E7146254DD27}"/>
-                            </a:ext>
-                          </a:extLst>
-                        </p:cNvPr>
-                        <p:cNvSpPr txBox="1">
-                          <a:spLocks noRot="1" noChangeAspect="1" noMove="1" noResize="1" noEditPoints="1" noAdjustHandles="1" noChangeArrowheads="1" noChangeShapeType="1" noTextEdit="1"/>
-                        </p:cNvSpPr>
-                        <p:nvPr/>
-                      </p:nvSpPr>
-                      <p:spPr>
-                        <a:xfrm>
-                          <a:off x="3455718" y="4560125"/>
-                          <a:ext cx="724395" cy="369332"/>
-                        </a:xfrm>
-                        <a:prstGeom prst="rect">
-                          <a:avLst/>
-                        </a:prstGeom>
-                        <a:blipFill>
-                          <a:blip r:embed="rId2"/>
-                          <a:stretch>
-                            <a:fillRect b="-13333"/>
-                          </a:stretch>
-                        </a:blipFill>
-                      </p:spPr>
-                      <p:txBody>
-                        <a:bodyPr/>
-                        <a:lstStyle/>
-                        <a:p>
-                          <a:r>
-                            <a:rPr lang="en-US">
-                              <a:noFill/>
-                            </a:rPr>
-                            <a:t> </a:t>
-                          </a:r>
-                        </a:p>
-                      </p:txBody>
-                    </p:sp>
-                  </mc:Fallback>
-                </mc:AlternateContent>
-                <p:cxnSp>
-                  <p:nvCxnSpPr>
-                    <p:cNvPr id="15" name="Straight Arrow Connector 14">
-                      <a:extLst>
-                        <a:ext uri="{FF2B5EF4-FFF2-40B4-BE49-F238E27FC236}">
-                          <a16:creationId xmlns:a16="http://schemas.microsoft.com/office/drawing/2014/main" id="{003DC7F0-5370-3391-1766-70CFE172F35C}"/>
-                        </a:ext>
-                      </a:extLst>
-                    </p:cNvPr>
-                    <p:cNvCxnSpPr>
-                      <a:cxnSpLocks/>
-                    </p:cNvCxnSpPr>
-                    <p:nvPr/>
-                  </p:nvCxnSpPr>
-                  <p:spPr>
-                    <a:xfrm>
-                      <a:off x="4022348" y="4775114"/>
-                      <a:ext cx="2948467" cy="0"/>
-                    </a:xfrm>
-                    <a:prstGeom prst="straightConnector1">
-                      <a:avLst/>
-                    </a:prstGeom>
-                    <a:ln w="25400">
-                      <a:solidFill>
-                        <a:srgbClr val="0C2140"/>
-                      </a:solidFill>
-                      <a:tailEnd type="triangle"/>
-                    </a:ln>
-                  </p:spPr>
-                  <p:style>
-                    <a:lnRef idx="1">
-                      <a:schemeClr val="accent1"/>
-                    </a:lnRef>
-                    <a:fillRef idx="0">
-                      <a:schemeClr val="accent1"/>
-                    </a:fillRef>
-                    <a:effectRef idx="0">
-                      <a:schemeClr val="accent1"/>
-                    </a:effectRef>
-                    <a:fontRef idx="minor">
-                      <a:schemeClr val="tx1"/>
-                    </a:fontRef>
-                  </p:style>
-                </p:cxnSp>
-              </p:grpSp>
-              <p:pic>
-                <p:nvPicPr>
-                  <p:cNvPr id="19" name="Picture 18">
-                    <a:extLst>
-                      <a:ext uri="{FF2B5EF4-FFF2-40B4-BE49-F238E27FC236}">
-                        <a16:creationId xmlns:a16="http://schemas.microsoft.com/office/drawing/2014/main" id="{792B91B4-B9B5-43E9-A3D7-F23170840A46}"/>
-                      </a:ext>
-                    </a:extLst>
-                  </p:cNvPr>
-                  <p:cNvPicPr>
-                    <a:picLocks noChangeAspect="1"/>
-                  </p:cNvPicPr>
-                  <p:nvPr/>
-                </p:nvPicPr>
-                <p:blipFill>
-                  <a:blip r:embed="rId3"/>
-                  <a:srcRect/>
-                  <a:stretch/>
-                </p:blipFill>
-                <p:spPr>
-                  <a:xfrm>
-                    <a:off x="3420093" y="1618693"/>
-                    <a:ext cx="3710080" cy="2984500"/>
+                    <a:ext cx="724395" cy="461665"/>
                   </a:xfrm>
                   <a:prstGeom prst="rect">
                     <a:avLst/>
                   </a:prstGeom>
+                  <a:noFill/>
                 </p:spPr>
-              </p:pic>
-            </p:grpSp>
-            <p:grpSp>
-              <p:nvGrpSpPr>
-                <p:cNvPr id="27" name="Group 26">
-                  <a:extLst>
-                    <a:ext uri="{FF2B5EF4-FFF2-40B4-BE49-F238E27FC236}">
-                      <a16:creationId xmlns:a16="http://schemas.microsoft.com/office/drawing/2014/main" id="{7FE9B63F-9156-AFD4-2588-5BAC5B697929}"/>
-                    </a:ext>
-                  </a:extLst>
-                </p:cNvPr>
-                <p:cNvGrpSpPr/>
-                <p:nvPr/>
-              </p:nvGrpSpPr>
-              <p:grpSpPr>
-                <a:xfrm>
-                  <a:off x="3126234" y="556318"/>
-                  <a:ext cx="4872412" cy="2485749"/>
-                  <a:chOff x="3272611" y="201599"/>
-                  <a:chExt cx="4872412" cy="2485749"/>
-                </a:xfrm>
-                <a:solidFill>
-                  <a:srgbClr val="D39F10"/>
-                </a:solidFill>
-              </p:grpSpPr>
-              <p:grpSp>
-                <p:nvGrpSpPr>
-                  <p:cNvPr id="18" name="Group 17">
+                <p:txBody>
+                  <a:bodyPr wrap="square" rtlCol="0">
+                    <a:spAutoFit/>
+                  </a:bodyPr>
+                  <a:lstStyle/>
+                  <a:p>
+                    <a14:m>
+                      <m:oMathPara xmlns:m="http://schemas.openxmlformats.org/officeDocument/2006/math">
+                        <m:oMathParaPr>
+                          <m:jc m:val="centerGroup"/>
+                        </m:oMathParaPr>
+                        <m:oMath xmlns:m="http://schemas.openxmlformats.org/officeDocument/2006/math">
+                          <m:r>
+                            <m:rPr>
+                              <m:sty m:val="p"/>
+                            </m:rPr>
+                            <a:rPr lang="en-US" sz="2400" b="0" i="1" smtClean="0">
+                              <a:solidFill>
+                                <a:srgbClr val="0C2240"/>
+                              </a:solidFill>
+                              <a:latin typeface="Cambria Math" panose="02040503050406030204" pitchFamily="18" charset="0"/>
+                            </a:rPr>
+                            <m:t>ϕ</m:t>
+                          </m:r>
+                        </m:oMath>
+                      </m:oMathPara>
+                    </a14:m>
+                    <a:endParaRPr lang="en-US" sz="2400" b="0" dirty="0">
+                      <a:solidFill>
+                        <a:srgbClr val="0C2240"/>
+                      </a:solidFill>
+                    </a:endParaRPr>
+                  </a:p>
+                </p:txBody>
+              </p:sp>
+            </mc:Choice>
+            <mc:Fallback>
+              <p:sp>
+                <p:nvSpPr>
+                  <p:cNvPr id="13" name="TextBox 12">
                     <a:extLst>
                       <a:ext uri="{FF2B5EF4-FFF2-40B4-BE49-F238E27FC236}">
-                        <a16:creationId xmlns:a16="http://schemas.microsoft.com/office/drawing/2014/main" id="{CE44BF43-2491-2169-9BC7-26CD14BCB590}"/>
+                        <a16:creationId xmlns:a16="http://schemas.microsoft.com/office/drawing/2014/main" id="{92C90F21-0D86-0DD6-4B6F-E7146254DD27}"/>
                       </a:ext>
                     </a:extLst>
                   </p:cNvPr>
-                  <p:cNvGrpSpPr/>
-                  <p:nvPr/>
-                </p:nvGrpSpPr>
-                <p:grpSpPr>
-                  <a:xfrm>
-                    <a:off x="3272611" y="201599"/>
-                    <a:ext cx="4872412" cy="2485749"/>
-                    <a:chOff x="3272611" y="201599"/>
-                    <a:chExt cx="4872412" cy="2485749"/>
-                  </a:xfrm>
-                  <a:grpFill/>
-                </p:grpSpPr>
-                <p:sp>
-                  <p:nvSpPr>
-                    <p:cNvPr id="14" name="Trapezoid 13">
-                      <a:extLst>
-                        <a:ext uri="{FF2B5EF4-FFF2-40B4-BE49-F238E27FC236}">
-                          <a16:creationId xmlns:a16="http://schemas.microsoft.com/office/drawing/2014/main" id="{B8FC2A8B-EFCE-5280-81E7-EF4453CE7ECE}"/>
-                        </a:ext>
-                      </a:extLst>
-                    </p:cNvPr>
-                    <p:cNvSpPr/>
-                    <p:nvPr/>
-                  </p:nvSpPr>
-                  <p:spPr>
-                    <a:xfrm rot="10800000">
-                      <a:off x="3547257" y="561664"/>
-                      <a:ext cx="4512623" cy="2125683"/>
-                    </a:xfrm>
-                    <a:prstGeom prst="trapezoid">
-                      <a:avLst/>
-                    </a:prstGeom>
-                    <a:grpFill/>
-                    <a:ln>
-                      <a:noFill/>
-                    </a:ln>
-                  </p:spPr>
-                  <p:style>
-                    <a:lnRef idx="2">
-                      <a:schemeClr val="accent1">
-                        <a:shade val="15000"/>
-                      </a:schemeClr>
-                    </a:lnRef>
-                    <a:fillRef idx="1">
-                      <a:schemeClr val="accent1"/>
-                    </a:fillRef>
-                    <a:effectRef idx="0">
-                      <a:schemeClr val="accent1"/>
-                    </a:effectRef>
-                    <a:fontRef idx="minor">
-                      <a:schemeClr val="lt1"/>
-                    </a:fontRef>
-                  </p:style>
-                  <p:txBody>
-                    <a:bodyPr rtlCol="0" anchor="ctr"/>
-                    <a:lstStyle/>
-                    <a:p>
-                      <a:pPr algn="ctr"/>
-                      <a:endParaRPr lang="en-US"/>
-                    </a:p>
-                  </p:txBody>
-                </p:sp>
-                <p:sp>
-                  <p:nvSpPr>
-                    <p:cNvPr id="2" name="Trapezoid 1">
-                      <a:extLst>
-                        <a:ext uri="{FF2B5EF4-FFF2-40B4-BE49-F238E27FC236}">
-                          <a16:creationId xmlns:a16="http://schemas.microsoft.com/office/drawing/2014/main" id="{8EE4D25C-EBB6-35ED-6451-AD19F6182185}"/>
-                        </a:ext>
-                      </a:extLst>
-                    </p:cNvPr>
-                    <p:cNvSpPr/>
-                    <p:nvPr/>
-                  </p:nvSpPr>
-                  <p:spPr>
-                    <a:xfrm rot="10800000">
-                      <a:off x="3272611" y="561665"/>
-                      <a:ext cx="4512623" cy="2125683"/>
-                    </a:xfrm>
-                    <a:prstGeom prst="trapezoid">
-                      <a:avLst/>
-                    </a:prstGeom>
-                    <a:grpFill/>
-                    <a:ln>
-                      <a:noFill/>
-                    </a:ln>
-                  </p:spPr>
-                  <p:style>
-                    <a:lnRef idx="2">
-                      <a:schemeClr val="accent1">
-                        <a:shade val="15000"/>
-                      </a:schemeClr>
-                    </a:lnRef>
-                    <a:fillRef idx="1">
-                      <a:schemeClr val="accent1"/>
-                    </a:fillRef>
-                    <a:effectRef idx="0">
-                      <a:schemeClr val="accent1"/>
-                    </a:effectRef>
-                    <a:fontRef idx="minor">
-                      <a:schemeClr val="lt1"/>
-                    </a:fontRef>
-                  </p:style>
-                  <p:txBody>
-                    <a:bodyPr rtlCol="0" anchor="ctr"/>
-                    <a:lstStyle/>
-                    <a:p>
-                      <a:pPr algn="ctr"/>
-                      <a:endParaRPr lang="en-US"/>
-                    </a:p>
-                  </p:txBody>
-                </p:sp>
-                <p:sp>
-                  <p:nvSpPr>
-                    <p:cNvPr id="3" name="Trapezoid 2">
-                      <a:extLst>
-                        <a:ext uri="{FF2B5EF4-FFF2-40B4-BE49-F238E27FC236}">
-                          <a16:creationId xmlns:a16="http://schemas.microsoft.com/office/drawing/2014/main" id="{73184EA8-B053-2B13-6313-4E0AD7D3A168}"/>
-                        </a:ext>
-                      </a:extLst>
-                    </p:cNvPr>
-                    <p:cNvSpPr/>
-                    <p:nvPr/>
-                  </p:nvSpPr>
-                  <p:spPr>
-                    <a:xfrm rot="10800000">
-                      <a:off x="3632400" y="201600"/>
-                      <a:ext cx="4512623" cy="2125683"/>
-                    </a:xfrm>
-                    <a:prstGeom prst="trapezoid">
-                      <a:avLst/>
-                    </a:prstGeom>
-                    <a:grpFill/>
-                    <a:ln>
-                      <a:noFill/>
-                    </a:ln>
-                  </p:spPr>
-                  <p:style>
-                    <a:lnRef idx="2">
-                      <a:schemeClr val="accent1">
-                        <a:shade val="15000"/>
-                      </a:schemeClr>
-                    </a:lnRef>
-                    <a:fillRef idx="1">
-                      <a:schemeClr val="accent1"/>
-                    </a:fillRef>
-                    <a:effectRef idx="0">
-                      <a:schemeClr val="accent1"/>
-                    </a:effectRef>
-                    <a:fontRef idx="minor">
-                      <a:schemeClr val="lt1"/>
-                    </a:fontRef>
-                  </p:style>
-                  <p:txBody>
-                    <a:bodyPr rtlCol="0" anchor="ctr"/>
-                    <a:lstStyle/>
-                    <a:p>
-                      <a:pPr algn="ctr"/>
-                      <a:endParaRPr lang="en-US" dirty="0"/>
-                    </a:p>
-                  </p:txBody>
-                </p:sp>
-                <p:sp>
-                  <p:nvSpPr>
-                    <p:cNvPr id="6" name="Parallelogram 5">
-                      <a:extLst>
-                        <a:ext uri="{FF2B5EF4-FFF2-40B4-BE49-F238E27FC236}">
-                          <a16:creationId xmlns:a16="http://schemas.microsoft.com/office/drawing/2014/main" id="{D33E79CB-2A1E-D3FC-8BC5-F852E4A6F167}"/>
-                        </a:ext>
-                      </a:extLst>
-                    </p:cNvPr>
-                    <p:cNvSpPr/>
-                    <p:nvPr/>
-                  </p:nvSpPr>
-                  <p:spPr>
-                    <a:xfrm>
-                      <a:off x="3272611" y="201599"/>
-                      <a:ext cx="4872412" cy="360065"/>
-                    </a:xfrm>
-                    <a:prstGeom prst="parallelogram">
-                      <a:avLst>
-                        <a:gd name="adj" fmla="val 101589"/>
-                      </a:avLst>
-                    </a:prstGeom>
-                    <a:grpFill/>
-                  </p:spPr>
-                  <p:style>
-                    <a:lnRef idx="2">
-                      <a:schemeClr val="accent1">
-                        <a:shade val="15000"/>
-                      </a:schemeClr>
-                    </a:lnRef>
-                    <a:fillRef idx="1">
-                      <a:schemeClr val="accent1"/>
-                    </a:fillRef>
-                    <a:effectRef idx="0">
-                      <a:schemeClr val="accent1"/>
-                    </a:effectRef>
-                    <a:fontRef idx="minor">
-                      <a:schemeClr val="lt1"/>
-                    </a:fontRef>
-                  </p:style>
-                  <p:txBody>
-                    <a:bodyPr rtlCol="0" anchor="ctr"/>
-                    <a:lstStyle/>
-                    <a:p>
-                      <a:pPr algn="ctr"/>
-                      <a:endParaRPr lang="en-US"/>
-                    </a:p>
-                  </p:txBody>
-                </p:sp>
-              </p:grpSp>
-              <p:sp>
-                <p:nvSpPr>
-                  <p:cNvPr id="26" name="Freeform 25">
-                    <a:extLst>
-                      <a:ext uri="{FF2B5EF4-FFF2-40B4-BE49-F238E27FC236}">
-                        <a16:creationId xmlns:a16="http://schemas.microsoft.com/office/drawing/2014/main" id="{609C2316-3A29-1F5A-4E50-DDB3432A6DA1}"/>
-                      </a:ext>
-                    </a:extLst>
-                  </p:cNvPr>
-                  <p:cNvSpPr/>
+                  <p:cNvSpPr txBox="1">
+                    <a:spLocks noRot="1" noChangeAspect="1" noMove="1" noResize="1" noEditPoints="1" noAdjustHandles="1" noChangeArrowheads="1" noChangeShapeType="1" noTextEdit="1"/>
+                  </p:cNvSpPr>
                   <p:nvPr/>
                 </p:nvSpPr>
                 <p:spPr>
                   <a:xfrm>
-                    <a:off x="7528956" y="201881"/>
-                    <a:ext cx="605642" cy="2481942"/>
+                    <a:off x="3455718" y="4560125"/>
+                    <a:ext cx="724395" cy="461665"/>
                   </a:xfrm>
-                  <a:custGeom>
+                  <a:prstGeom prst="rect">
                     <a:avLst/>
-                    <a:gdLst>
-                      <a:gd name="connsiteX0" fmla="*/ 0 w 605642"/>
-                      <a:gd name="connsiteY0" fmla="*/ 2481942 h 2481942"/>
-                      <a:gd name="connsiteX1" fmla="*/ 95003 w 605642"/>
-                      <a:gd name="connsiteY1" fmla="*/ 2363189 h 2481942"/>
-                      <a:gd name="connsiteX2" fmla="*/ 605642 w 605642"/>
-                      <a:gd name="connsiteY2" fmla="*/ 0 h 2481942"/>
-                      <a:gd name="connsiteX3" fmla="*/ 261257 w 605642"/>
-                      <a:gd name="connsiteY3" fmla="*/ 356259 h 2481942"/>
-                      <a:gd name="connsiteX4" fmla="*/ 0 w 605642"/>
-                      <a:gd name="connsiteY4" fmla="*/ 2481942 h 2481942"/>
-                    </a:gdLst>
-                    <a:ahLst/>
-                    <a:cxnLst>
-                      <a:cxn ang="0">
-                        <a:pos x="connsiteX0" y="connsiteY0"/>
-                      </a:cxn>
-                      <a:cxn ang="0">
-                        <a:pos x="connsiteX1" y="connsiteY1"/>
-                      </a:cxn>
-                      <a:cxn ang="0">
-                        <a:pos x="connsiteX2" y="connsiteY2"/>
-                      </a:cxn>
-                      <a:cxn ang="0">
-                        <a:pos x="connsiteX3" y="connsiteY3"/>
-                      </a:cxn>
-                      <a:cxn ang="0">
-                        <a:pos x="connsiteX4" y="connsiteY4"/>
-                      </a:cxn>
-                    </a:cxnLst>
-                    <a:rect l="l" t="t" r="r" b="b"/>
-                    <a:pathLst>
-                      <a:path w="605642" h="2481942">
-                        <a:moveTo>
-                          <a:pt x="0" y="2481942"/>
-                        </a:moveTo>
-                        <a:lnTo>
-                          <a:pt x="95003" y="2363189"/>
-                        </a:lnTo>
-                        <a:lnTo>
-                          <a:pt x="605642" y="0"/>
-                        </a:lnTo>
-                        <a:lnTo>
-                          <a:pt x="261257" y="356259"/>
-                        </a:lnTo>
-                        <a:lnTo>
-                          <a:pt x="0" y="2481942"/>
-                        </a:lnTo>
-                        <a:close/>
-                      </a:path>
-                    </a:pathLst>
-                  </a:custGeom>
-                  <a:grpFill/>
+                  </a:prstGeom>
+                  <a:blipFill>
+                    <a:blip r:embed="rId2"/>
+                    <a:stretch>
+                      <a:fillRect b="-15789"/>
+                    </a:stretch>
+                  </a:blipFill>
                 </p:spPr>
-                <p:style>
-                  <a:lnRef idx="2">
-                    <a:schemeClr val="accent1">
-                      <a:shade val="15000"/>
-                    </a:schemeClr>
-                  </a:lnRef>
-                  <a:fillRef idx="1">
-                    <a:schemeClr val="accent1"/>
-                  </a:fillRef>
-                  <a:effectRef idx="0">
-                    <a:schemeClr val="accent1"/>
-                  </a:effectRef>
-                  <a:fontRef idx="minor">
-                    <a:schemeClr val="lt1"/>
-                  </a:fontRef>
-                </p:style>
                 <p:txBody>
-                  <a:bodyPr rtlCol="0" anchor="ctr"/>
+                  <a:bodyPr/>
                   <a:lstStyle/>
                   <a:p>
-                    <a:pPr algn="ctr"/>
-                    <a:endParaRPr lang="en-US"/>
+                    <a:r>
+                      <a:rPr lang="en-US">
+                        <a:noFill/>
+                      </a:rPr>
+                      <a:t> </a:t>
+                    </a:r>
                   </a:p>
                 </p:txBody>
               </p:sp>
-            </p:grpSp>
+            </mc:Fallback>
+          </mc:AlternateContent>
+          <p:cxnSp>
+            <p:nvCxnSpPr>
+              <p:cNvPr id="15" name="Straight Arrow Connector 14">
+                <a:extLst>
+                  <a:ext uri="{FF2B5EF4-FFF2-40B4-BE49-F238E27FC236}">
+                    <a16:creationId xmlns:a16="http://schemas.microsoft.com/office/drawing/2014/main" id="{003DC7F0-5370-3391-1766-70CFE172F35C}"/>
+                  </a:ext>
+                </a:extLst>
+              </p:cNvPr>
+              <p:cNvCxnSpPr>
+                <a:cxnSpLocks/>
+              </p:cNvCxnSpPr>
+              <p:nvPr/>
+            </p:nvCxnSpPr>
+            <p:spPr>
+              <a:xfrm>
+                <a:off x="3998597" y="4834490"/>
+                <a:ext cx="2948467" cy="0"/>
+              </a:xfrm>
+              <a:prstGeom prst="straightConnector1">
+                <a:avLst/>
+              </a:prstGeom>
+              <a:ln w="25400">
+                <a:solidFill>
+                  <a:srgbClr val="0C2140"/>
+                </a:solidFill>
+                <a:tailEnd type="triangle"/>
+              </a:ln>
+            </p:spPr>
+            <p:style>
+              <a:lnRef idx="1">
+                <a:schemeClr val="accent1"/>
+              </a:lnRef>
+              <a:fillRef idx="0">
+                <a:schemeClr val="accent1"/>
+              </a:fillRef>
+              <a:effectRef idx="0">
+                <a:schemeClr val="accent1"/>
+              </a:effectRef>
+              <a:fontRef idx="minor">
+                <a:schemeClr val="tx1"/>
+              </a:fontRef>
+            </p:style>
+          </p:cxnSp>
+        </p:grpSp>
+        <p:pic>
+          <p:nvPicPr>
+            <p:cNvPr id="19" name="Picture 18">
+              <a:extLst>
+                <a:ext uri="{FF2B5EF4-FFF2-40B4-BE49-F238E27FC236}">
+                  <a16:creationId xmlns:a16="http://schemas.microsoft.com/office/drawing/2014/main" id="{792B91B4-B9B5-43E9-A3D7-F23170840A46}"/>
+                </a:ext>
+              </a:extLst>
+            </p:cNvPr>
+            <p:cNvPicPr>
+              <a:picLocks noChangeAspect="1"/>
+            </p:cNvPicPr>
+            <p:nvPr/>
+          </p:nvPicPr>
+          <p:blipFill>
+            <a:blip r:embed="rId3"/>
+            <a:srcRect/>
+            <a:stretch/>
+          </p:blipFill>
+          <p:spPr>
+            <a:xfrm>
+              <a:off x="3372592" y="3138735"/>
+              <a:ext cx="3710080" cy="2984500"/>
+            </a:xfrm>
+            <a:prstGeom prst="rect">
+              <a:avLst/>
+            </a:prstGeom>
+          </p:spPr>
+        </p:pic>
+        <p:sp>
+          <p:nvSpPr>
+            <p:cNvPr id="14" name="Trapezoid 13">
+              <a:extLst>
+                <a:ext uri="{FF2B5EF4-FFF2-40B4-BE49-F238E27FC236}">
+                  <a16:creationId xmlns:a16="http://schemas.microsoft.com/office/drawing/2014/main" id="{B8FC2A8B-EFCE-5280-81E7-EF4453CE7ECE}"/>
+                </a:ext>
+              </a:extLst>
+            </p:cNvPr>
+            <p:cNvSpPr/>
+            <p:nvPr/>
+          </p:nvSpPr>
+          <p:spPr>
+            <a:xfrm rot="10800000">
+              <a:off x="3405400" y="1460583"/>
+              <a:ext cx="4512623" cy="2125683"/>
+            </a:xfrm>
+            <a:prstGeom prst="trapezoid">
+              <a:avLst/>
+            </a:prstGeom>
+            <a:solidFill>
+              <a:srgbClr val="D39F10"/>
+            </a:solidFill>
+            <a:ln>
+              <a:noFill/>
+            </a:ln>
+          </p:spPr>
+          <p:style>
+            <a:lnRef idx="2">
+              <a:schemeClr val="accent1">
+                <a:shade val="15000"/>
+              </a:schemeClr>
+            </a:lnRef>
+            <a:fillRef idx="1">
+              <a:schemeClr val="accent1"/>
+            </a:fillRef>
+            <a:effectRef idx="0">
+              <a:schemeClr val="accent1"/>
+            </a:effectRef>
+            <a:fontRef idx="minor">
+              <a:schemeClr val="lt1"/>
+            </a:fontRef>
+          </p:style>
+          <p:txBody>
+            <a:bodyPr rtlCol="0" anchor="ctr"/>
+            <a:lstStyle/>
+            <a:p>
+              <a:pPr algn="ctr"/>
+              <a:endParaRPr lang="en-US"/>
+            </a:p>
+          </p:txBody>
+        </p:sp>
+        <p:sp>
+          <p:nvSpPr>
+            <p:cNvPr id="2" name="Trapezoid 1">
+              <a:extLst>
+                <a:ext uri="{FF2B5EF4-FFF2-40B4-BE49-F238E27FC236}">
+                  <a16:creationId xmlns:a16="http://schemas.microsoft.com/office/drawing/2014/main" id="{8EE4D25C-EBB6-35ED-6451-AD19F6182185}"/>
+                </a:ext>
+              </a:extLst>
+            </p:cNvPr>
+            <p:cNvSpPr/>
+            <p:nvPr/>
+          </p:nvSpPr>
+          <p:spPr>
+            <a:xfrm rot="10800000">
+              <a:off x="3130754" y="1460584"/>
+              <a:ext cx="4512623" cy="2125683"/>
+            </a:xfrm>
+            <a:prstGeom prst="trapezoid">
+              <a:avLst/>
+            </a:prstGeom>
+            <a:solidFill>
+              <a:srgbClr val="D39F10"/>
+            </a:solidFill>
+            <a:ln>
+              <a:noFill/>
+            </a:ln>
+          </p:spPr>
+          <p:style>
+            <a:lnRef idx="2">
+              <a:schemeClr val="accent1">
+                <a:shade val="15000"/>
+              </a:schemeClr>
+            </a:lnRef>
+            <a:fillRef idx="1">
+              <a:schemeClr val="accent1"/>
+            </a:fillRef>
+            <a:effectRef idx="0">
+              <a:schemeClr val="accent1"/>
+            </a:effectRef>
+            <a:fontRef idx="minor">
+              <a:schemeClr val="lt1"/>
+            </a:fontRef>
+          </p:style>
+          <p:txBody>
+            <a:bodyPr rtlCol="0" anchor="ctr"/>
+            <a:lstStyle/>
+            <a:p>
+              <a:pPr algn="ctr"/>
+              <a:endParaRPr lang="en-US"/>
+            </a:p>
+          </p:txBody>
+        </p:sp>
+        <p:sp>
+          <p:nvSpPr>
+            <p:cNvPr id="3" name="Trapezoid 2">
+              <a:extLst>
+                <a:ext uri="{FF2B5EF4-FFF2-40B4-BE49-F238E27FC236}">
+                  <a16:creationId xmlns:a16="http://schemas.microsoft.com/office/drawing/2014/main" id="{73184EA8-B053-2B13-6313-4E0AD7D3A168}"/>
+                </a:ext>
+              </a:extLst>
+            </p:cNvPr>
+            <p:cNvSpPr/>
+            <p:nvPr/>
+          </p:nvSpPr>
+          <p:spPr>
+            <a:xfrm rot="10800000">
+              <a:off x="3490543" y="1100519"/>
+              <a:ext cx="4512623" cy="2125683"/>
+            </a:xfrm>
+            <a:prstGeom prst="trapezoid">
+              <a:avLst/>
+            </a:prstGeom>
+            <a:solidFill>
+              <a:srgbClr val="D39F10"/>
+            </a:solidFill>
+            <a:ln>
+              <a:noFill/>
+            </a:ln>
+          </p:spPr>
+          <p:style>
+            <a:lnRef idx="2">
+              <a:schemeClr val="accent1">
+                <a:shade val="15000"/>
+              </a:schemeClr>
+            </a:lnRef>
+            <a:fillRef idx="1">
+              <a:schemeClr val="accent1"/>
+            </a:fillRef>
+            <a:effectRef idx="0">
+              <a:schemeClr val="accent1"/>
+            </a:effectRef>
+            <a:fontRef idx="minor">
+              <a:schemeClr val="lt1"/>
+            </a:fontRef>
+          </p:style>
+          <p:txBody>
+            <a:bodyPr rtlCol="0" anchor="ctr"/>
+            <a:lstStyle/>
+            <a:p>
+              <a:pPr algn="ctr"/>
+              <a:endParaRPr lang="en-US" dirty="0"/>
+            </a:p>
+          </p:txBody>
+        </p:sp>
+        <p:sp>
+          <p:nvSpPr>
+            <p:cNvPr id="6" name="Parallelogram 5">
+              <a:extLst>
+                <a:ext uri="{FF2B5EF4-FFF2-40B4-BE49-F238E27FC236}">
+                  <a16:creationId xmlns:a16="http://schemas.microsoft.com/office/drawing/2014/main" id="{D33E79CB-2A1E-D3FC-8BC5-F852E4A6F167}"/>
+                </a:ext>
+              </a:extLst>
+            </p:cNvPr>
+            <p:cNvSpPr/>
+            <p:nvPr/>
+          </p:nvSpPr>
+          <p:spPr>
+            <a:xfrm>
+              <a:off x="3130754" y="1100518"/>
+              <a:ext cx="4872412" cy="360065"/>
+            </a:xfrm>
+            <a:prstGeom prst="parallelogram">
+              <a:avLst>
+                <a:gd name="adj" fmla="val 101589"/>
+              </a:avLst>
+            </a:prstGeom>
+            <a:solidFill>
+              <a:srgbClr val="D39F10"/>
+            </a:solidFill>
+          </p:spPr>
+          <p:style>
+            <a:lnRef idx="2">
+              <a:schemeClr val="accent1">
+                <a:shade val="15000"/>
+              </a:schemeClr>
+            </a:lnRef>
+            <a:fillRef idx="1">
+              <a:schemeClr val="accent1"/>
+            </a:fillRef>
+            <a:effectRef idx="0">
+              <a:schemeClr val="accent1"/>
+            </a:effectRef>
+            <a:fontRef idx="minor">
+              <a:schemeClr val="lt1"/>
+            </a:fontRef>
+          </p:style>
+          <p:txBody>
+            <a:bodyPr rtlCol="0" anchor="ctr"/>
+            <a:lstStyle/>
+            <a:p>
+              <a:pPr algn="ctr"/>
+              <a:endParaRPr lang="en-US"/>
+            </a:p>
+          </p:txBody>
+        </p:sp>
+        <p:sp>
+          <p:nvSpPr>
+            <p:cNvPr id="26" name="Freeform 25">
+              <a:extLst>
+                <a:ext uri="{FF2B5EF4-FFF2-40B4-BE49-F238E27FC236}">
+                  <a16:creationId xmlns:a16="http://schemas.microsoft.com/office/drawing/2014/main" id="{609C2316-3A29-1F5A-4E50-DDB3432A6DA1}"/>
+                </a:ext>
+              </a:extLst>
+            </p:cNvPr>
+            <p:cNvSpPr/>
+            <p:nvPr/>
+          </p:nvSpPr>
+          <p:spPr>
+            <a:xfrm>
+              <a:off x="7387099" y="1100800"/>
+              <a:ext cx="605642" cy="2481942"/>
+            </a:xfrm>
+            <a:custGeom>
+              <a:avLst/>
+              <a:gdLst>
+                <a:gd name="connsiteX0" fmla="*/ 0 w 605642"/>
+                <a:gd name="connsiteY0" fmla="*/ 2481942 h 2481942"/>
+                <a:gd name="connsiteX1" fmla="*/ 95003 w 605642"/>
+                <a:gd name="connsiteY1" fmla="*/ 2363189 h 2481942"/>
+                <a:gd name="connsiteX2" fmla="*/ 605642 w 605642"/>
+                <a:gd name="connsiteY2" fmla="*/ 0 h 2481942"/>
+                <a:gd name="connsiteX3" fmla="*/ 261257 w 605642"/>
+                <a:gd name="connsiteY3" fmla="*/ 356259 h 2481942"/>
+                <a:gd name="connsiteX4" fmla="*/ 0 w 605642"/>
+                <a:gd name="connsiteY4" fmla="*/ 2481942 h 2481942"/>
+              </a:gdLst>
+              <a:ahLst/>
+              <a:cxnLst>
+                <a:cxn ang="0">
+                  <a:pos x="connsiteX0" y="connsiteY0"/>
+                </a:cxn>
+                <a:cxn ang="0">
+                  <a:pos x="connsiteX1" y="connsiteY1"/>
+                </a:cxn>
+                <a:cxn ang="0">
+                  <a:pos x="connsiteX2" y="connsiteY2"/>
+                </a:cxn>
+                <a:cxn ang="0">
+                  <a:pos x="connsiteX3" y="connsiteY3"/>
+                </a:cxn>
+                <a:cxn ang="0">
+                  <a:pos x="connsiteX4" y="connsiteY4"/>
+                </a:cxn>
+              </a:cxnLst>
+              <a:rect l="l" t="t" r="r" b="b"/>
+              <a:pathLst>
+                <a:path w="605642" h="2481942">
+                  <a:moveTo>
+                    <a:pt x="0" y="2481942"/>
+                  </a:moveTo>
+                  <a:lnTo>
+                    <a:pt x="95003" y="2363189"/>
+                  </a:lnTo>
+                  <a:lnTo>
+                    <a:pt x="605642" y="0"/>
+                  </a:lnTo>
+                  <a:lnTo>
+                    <a:pt x="261257" y="356259"/>
+                  </a:lnTo>
+                  <a:lnTo>
+                    <a:pt x="0" y="2481942"/>
+                  </a:lnTo>
+                  <a:close/>
+                </a:path>
+              </a:pathLst>
+            </a:custGeom>
+            <a:solidFill>
+              <a:srgbClr val="D39F10"/>
+            </a:solidFill>
+          </p:spPr>
+          <p:style>
+            <a:lnRef idx="2">
+              <a:schemeClr val="accent1">
+                <a:shade val="15000"/>
+              </a:schemeClr>
+            </a:lnRef>
+            <a:fillRef idx="1">
+              <a:schemeClr val="accent1"/>
+            </a:fillRef>
+            <a:effectRef idx="0">
+              <a:schemeClr val="accent1"/>
+            </a:effectRef>
+            <a:fontRef idx="minor">
+              <a:schemeClr val="lt1"/>
+            </a:fontRef>
+          </p:style>
+          <p:txBody>
+            <a:bodyPr rtlCol="0" anchor="ctr"/>
+            <a:lstStyle/>
+            <a:p>
+              <a:pPr algn="ctr"/>
+              <a:endParaRPr lang="en-US"/>
+            </a:p>
+          </p:txBody>
+        </p:sp>
+        <p:sp>
+          <p:nvSpPr>
+            <p:cNvPr id="28" name="Explosion 1 27">
+              <a:extLst>
+                <a:ext uri="{FF2B5EF4-FFF2-40B4-BE49-F238E27FC236}">
+                  <a16:creationId xmlns:a16="http://schemas.microsoft.com/office/drawing/2014/main" id="{EBEBE296-7F1D-2CDB-4A97-3A7D3D47F3E6}"/>
+                </a:ext>
+              </a:extLst>
+            </p:cNvPr>
+            <p:cNvSpPr/>
+            <p:nvPr/>
+          </p:nvSpPr>
+          <p:spPr>
+            <a:xfrm>
+              <a:off x="5360161" y="2079105"/>
+              <a:ext cx="917724" cy="789767"/>
+            </a:xfrm>
+            <a:prstGeom prst="irregularSeal1">
+              <a:avLst/>
+            </a:prstGeom>
+            <a:solidFill>
+              <a:srgbClr val="0C2140"/>
+            </a:solidFill>
+          </p:spPr>
+          <p:style>
+            <a:lnRef idx="2">
+              <a:schemeClr val="accent1">
+                <a:shade val="15000"/>
+              </a:schemeClr>
+            </a:lnRef>
+            <a:fillRef idx="1">
+              <a:schemeClr val="accent1"/>
+            </a:fillRef>
+            <a:effectRef idx="0">
+              <a:schemeClr val="accent1"/>
+            </a:effectRef>
+            <a:fontRef idx="minor">
+              <a:schemeClr val="lt1"/>
+            </a:fontRef>
+          </p:style>
+          <p:txBody>
+            <a:bodyPr rtlCol="0" anchor="ctr"/>
+            <a:lstStyle/>
+            <a:p>
+              <a:pPr algn="ctr"/>
+              <a:endParaRPr lang="en-US" dirty="0">
+                <a:highlight>
+                  <a:srgbClr val="0C2140"/>
+                </a:highlight>
+              </a:endParaRPr>
+            </a:p>
+          </p:txBody>
+        </p:sp>
+        <p:sp>
+          <p:nvSpPr>
+            <p:cNvPr id="30" name="Trapezoid 29">
+              <a:extLst>
+                <a:ext uri="{FF2B5EF4-FFF2-40B4-BE49-F238E27FC236}">
+                  <a16:creationId xmlns:a16="http://schemas.microsoft.com/office/drawing/2014/main" id="{67A48B64-46B8-A497-4C9F-0D890220C693}"/>
+                </a:ext>
+              </a:extLst>
+            </p:cNvPr>
+            <p:cNvSpPr/>
+            <p:nvPr/>
+          </p:nvSpPr>
+          <p:spPr>
+            <a:xfrm rot="11745596">
+              <a:off x="5224976" y="2449605"/>
+              <a:ext cx="614166" cy="2026153"/>
+            </a:xfrm>
+            <a:prstGeom prst="trapezoid">
+              <a:avLst/>
+            </a:prstGeom>
+            <a:solidFill>
+              <a:srgbClr val="0C2140">
+                <a:alpha val="40000"/>
+              </a:srgbClr>
+            </a:solidFill>
+            <a:ln>
+              <a:noFill/>
+            </a:ln>
+            <a:effectLst>
+              <a:softEdge rad="38100"/>
+            </a:effectLst>
+          </p:spPr>
+          <p:style>
+            <a:lnRef idx="2">
+              <a:schemeClr val="accent1">
+                <a:shade val="15000"/>
+              </a:schemeClr>
+            </a:lnRef>
+            <a:fillRef idx="1">
+              <a:schemeClr val="accent1"/>
+            </a:fillRef>
+            <a:effectRef idx="0">
+              <a:schemeClr val="accent1"/>
+            </a:effectRef>
+            <a:fontRef idx="minor">
+              <a:schemeClr val="lt1"/>
+            </a:fontRef>
+          </p:style>
+          <p:txBody>
+            <a:bodyPr rtlCol="0" anchor="ctr"/>
+            <a:lstStyle/>
+            <a:p>
+              <a:pPr algn="ctr"/>
+              <a:endParaRPr lang="en-US"/>
+            </a:p>
+          </p:txBody>
+        </p:sp>
+        <p:sp>
+          <p:nvSpPr>
+            <p:cNvPr id="29" name="Explosion 1 28">
+              <a:extLst>
+                <a:ext uri="{FF2B5EF4-FFF2-40B4-BE49-F238E27FC236}">
+                  <a16:creationId xmlns:a16="http://schemas.microsoft.com/office/drawing/2014/main" id="{72339095-E369-BF80-BF5B-4131D492C003}"/>
+                </a:ext>
+              </a:extLst>
+            </p:cNvPr>
+            <p:cNvSpPr/>
+            <p:nvPr/>
+          </p:nvSpPr>
+          <p:spPr>
+            <a:xfrm>
+              <a:off x="4768770" y="4262284"/>
+              <a:ext cx="917724" cy="789767"/>
+            </a:xfrm>
+            <a:prstGeom prst="irregularSeal1">
+              <a:avLst/>
+            </a:prstGeom>
+            <a:solidFill>
+              <a:srgbClr val="0C2140"/>
+            </a:solidFill>
+          </p:spPr>
+          <p:style>
+            <a:lnRef idx="2">
+              <a:schemeClr val="accent1">
+                <a:shade val="15000"/>
+              </a:schemeClr>
+            </a:lnRef>
+            <a:fillRef idx="1">
+              <a:schemeClr val="accent1"/>
+            </a:fillRef>
+            <a:effectRef idx="0">
+              <a:schemeClr val="accent1"/>
+            </a:effectRef>
+            <a:fontRef idx="minor">
+              <a:schemeClr val="lt1"/>
+            </a:fontRef>
+          </p:style>
+          <p:txBody>
+            <a:bodyPr rtlCol="0" anchor="ctr"/>
+            <a:lstStyle/>
+            <a:p>
+              <a:pPr algn="ctr"/>
+              <a:endParaRPr lang="en-US" dirty="0">
+                <a:highlight>
+                  <a:srgbClr val="0C2140"/>
+                </a:highlight>
+              </a:endParaRPr>
+            </a:p>
+          </p:txBody>
+        </p:sp>
+        <mc:AlternateContent xmlns:mc="http://schemas.openxmlformats.org/markup-compatibility/2006">
+          <mc:Choice xmlns:a14="http://schemas.microsoft.com/office/drawing/2010/main" Requires="a14">
             <p:sp>
               <p:nvSpPr>
-                <p:cNvPr id="28" name="Explosion 1 27">
+                <p:cNvPr id="31" name="TextBox 30">
                   <a:extLst>
                     <a:ext uri="{FF2B5EF4-FFF2-40B4-BE49-F238E27FC236}">
-                      <a16:creationId xmlns:a16="http://schemas.microsoft.com/office/drawing/2014/main" id="{EBEBE296-7F1D-2CDB-4A97-3A7D3D47F3E6}"/>
+                      <a16:creationId xmlns:a16="http://schemas.microsoft.com/office/drawing/2014/main" id="{EFD4071F-DCCB-B847-D860-76C182C4C725}"/>
                     </a:ext>
                   </a:extLst>
                 </p:cNvPr>
-                <p:cNvSpPr/>
+                <p:cNvSpPr txBox="1"/>
                 <p:nvPr/>
               </p:nvSpPr>
               <p:spPr>
                 <a:xfrm>
-                  <a:off x="5176132" y="1584340"/>
-                  <a:ext cx="917724" cy="789767"/>
+                  <a:off x="2766148" y="5052051"/>
+                  <a:ext cx="724395" cy="461665"/>
                 </a:xfrm>
-                <a:prstGeom prst="irregularSeal1">
+                <a:prstGeom prst="rect">
                   <a:avLst/>
                 </a:prstGeom>
-                <a:solidFill>
-                  <a:srgbClr val="0C2140"/>
-                </a:solidFill>
+                <a:noFill/>
               </p:spPr>
-              <p:style>
-                <a:lnRef idx="2">
-                  <a:schemeClr val="accent1">
-                    <a:shade val="15000"/>
-                  </a:schemeClr>
-                </a:lnRef>
-                <a:fillRef idx="1">
-                  <a:schemeClr val="accent1"/>
-                </a:fillRef>
-                <a:effectRef idx="0">
-                  <a:schemeClr val="accent1"/>
-                </a:effectRef>
-                <a:fontRef idx="minor">
-                  <a:schemeClr val="lt1"/>
-                </a:fontRef>
-              </p:style>
               <p:txBody>
-                <a:bodyPr rtlCol="0" anchor="ctr"/>
+                <a:bodyPr wrap="square" rtlCol="0">
+                  <a:spAutoFit/>
+                </a:bodyPr>
                 <a:lstStyle/>
                 <a:p>
-                  <a:pPr algn="ctr"/>
-                  <a:endParaRPr lang="en-US" dirty="0">
-                    <a:highlight>
-                      <a:srgbClr val="0C2140"/>
-                    </a:highlight>
-                  </a:endParaRPr>
-                </a:p>
-              </p:txBody>
-            </p:sp>
-            <p:sp>
-              <p:nvSpPr>
-                <p:cNvPr id="30" name="Trapezoid 29">
-                  <a:extLst>
-                    <a:ext uri="{FF2B5EF4-FFF2-40B4-BE49-F238E27FC236}">
-                      <a16:creationId xmlns:a16="http://schemas.microsoft.com/office/drawing/2014/main" id="{67A48B64-46B8-A497-4C9F-0D890220C693}"/>
-                    </a:ext>
-                  </a:extLst>
-                </p:cNvPr>
-                <p:cNvSpPr/>
-                <p:nvPr/>
-              </p:nvSpPr>
-              <p:spPr>
-                <a:xfrm rot="11384310">
-                  <a:off x="5109362" y="1990824"/>
-                  <a:ext cx="614166" cy="2515922"/>
-                </a:xfrm>
-                <a:prstGeom prst="trapezoid">
-                  <a:avLst/>
-                </a:prstGeom>
-                <a:solidFill>
-                  <a:srgbClr val="0C2140">
-                    <a:alpha val="40000"/>
-                  </a:srgbClr>
-                </a:solidFill>
-                <a:ln>
-                  <a:noFill/>
-                </a:ln>
-                <a:effectLst>
-                  <a:softEdge rad="38100"/>
-                </a:effectLst>
-              </p:spPr>
-              <p:style>
-                <a:lnRef idx="2">
-                  <a:schemeClr val="accent1">
-                    <a:shade val="15000"/>
-                  </a:schemeClr>
-                </a:lnRef>
-                <a:fillRef idx="1">
-                  <a:schemeClr val="accent1"/>
-                </a:fillRef>
-                <a:effectRef idx="0">
-                  <a:schemeClr val="accent1"/>
-                </a:effectRef>
-                <a:fontRef idx="minor">
-                  <a:schemeClr val="lt1"/>
-                </a:fontRef>
-              </p:style>
-              <p:txBody>
-                <a:bodyPr rtlCol="0" anchor="ctr"/>
-                <a:lstStyle/>
-                <a:p>
-                  <a:pPr algn="ctr"/>
-                  <a:endParaRPr lang="en-US"/>
-                </a:p>
-              </p:txBody>
-            </p:sp>
-            <p:sp>
-              <p:nvSpPr>
-                <p:cNvPr id="29" name="Explosion 1 28">
-                  <a:extLst>
-                    <a:ext uri="{FF2B5EF4-FFF2-40B4-BE49-F238E27FC236}">
-                      <a16:creationId xmlns:a16="http://schemas.microsoft.com/office/drawing/2014/main" id="{72339095-E369-BF80-BF5B-4131D492C003}"/>
-                    </a:ext>
-                  </a:extLst>
-                </p:cNvPr>
-                <p:cNvSpPr/>
-                <p:nvPr/>
-              </p:nvSpPr>
-              <p:spPr>
-                <a:xfrm>
-                  <a:off x="4768770" y="4262284"/>
-                  <a:ext cx="917724" cy="789767"/>
-                </a:xfrm>
-                <a:prstGeom prst="irregularSeal1">
-                  <a:avLst/>
-                </a:prstGeom>
-                <a:solidFill>
-                  <a:srgbClr val="0C2140"/>
-                </a:solidFill>
-              </p:spPr>
-              <p:style>
-                <a:lnRef idx="2">
-                  <a:schemeClr val="accent1">
-                    <a:shade val="15000"/>
-                  </a:schemeClr>
-                </a:lnRef>
-                <a:fillRef idx="1">
-                  <a:schemeClr val="accent1"/>
-                </a:fillRef>
-                <a:effectRef idx="0">
-                  <a:schemeClr val="accent1"/>
-                </a:effectRef>
-                <a:fontRef idx="minor">
-                  <a:schemeClr val="lt1"/>
-                </a:fontRef>
-              </p:style>
-              <p:txBody>
-                <a:bodyPr rtlCol="0" anchor="ctr"/>
-                <a:lstStyle/>
-                <a:p>
-                  <a:pPr algn="ctr"/>
-                  <a:endParaRPr lang="en-US" dirty="0">
-                    <a:highlight>
-                      <a:srgbClr val="0C2140"/>
-                    </a:highlight>
-                  </a:endParaRPr>
-                </a:p>
-              </p:txBody>
-            </p:sp>
-            <mc:AlternateContent xmlns:mc="http://schemas.openxmlformats.org/markup-compatibility/2006">
-              <mc:Choice xmlns:a14="http://schemas.microsoft.com/office/drawing/2010/main" Requires="a14">
-                <p:sp>
-                  <p:nvSpPr>
-                    <p:cNvPr id="31" name="TextBox 30">
-                      <a:extLst>
-                        <a:ext uri="{FF2B5EF4-FFF2-40B4-BE49-F238E27FC236}">
-                          <a16:creationId xmlns:a16="http://schemas.microsoft.com/office/drawing/2014/main" id="{EFD4071F-DCCB-B847-D860-76C182C4C725}"/>
-                        </a:ext>
-                      </a:extLst>
-                    </p:cNvPr>
-                    <p:cNvSpPr txBox="1"/>
-                    <p:nvPr/>
-                  </p:nvSpPr>
-                  <p:spPr>
-                    <a:xfrm>
-                      <a:off x="2764652" y="5494541"/>
-                      <a:ext cx="724395" cy="369332"/>
-                    </a:xfrm>
-                    <a:prstGeom prst="rect">
-                      <a:avLst/>
-                    </a:prstGeom>
-                    <a:noFill/>
-                  </p:spPr>
-                  <p:txBody>
-                    <a:bodyPr wrap="square" rtlCol="0">
-                      <a:spAutoFit/>
-                    </a:bodyPr>
-                    <a:lstStyle/>
-                    <a:p>
-                      <a14:m>
-                        <m:oMathPara xmlns:m="http://schemas.openxmlformats.org/officeDocument/2006/math">
-                          <m:oMathParaPr>
-                            <m:jc m:val="centerGroup"/>
-                          </m:oMathParaPr>
-                          <m:oMath xmlns:m="http://schemas.openxmlformats.org/officeDocument/2006/math">
-                            <m:r>
-                              <a:rPr lang="en-US" b="0" i="1" smtClean="0">
-                                <a:solidFill>
-                                  <a:srgbClr val="0C2240"/>
-                                </a:solidFill>
-                                <a:latin typeface="Cambria Math" panose="02040503050406030204" pitchFamily="18" charset="0"/>
-                              </a:rPr>
-                              <m:t>𝜂</m:t>
-                            </m:r>
-                          </m:oMath>
-                        </m:oMathPara>
-                      </a14:m>
-                      <a:endParaRPr lang="en-US" b="0" dirty="0">
-                        <a:solidFill>
-                          <a:srgbClr val="0C2240"/>
-                        </a:solidFill>
-                      </a:endParaRPr>
-                    </a:p>
-                  </p:txBody>
-                </p:sp>
-              </mc:Choice>
-              <mc:Fallback>
-                <p:sp>
-                  <p:nvSpPr>
-                    <p:cNvPr id="31" name="TextBox 30">
-                      <a:extLst>
-                        <a:ext uri="{FF2B5EF4-FFF2-40B4-BE49-F238E27FC236}">
-                          <a16:creationId xmlns:a16="http://schemas.microsoft.com/office/drawing/2014/main" id="{EFD4071F-DCCB-B847-D860-76C182C4C725}"/>
-                        </a:ext>
-                      </a:extLst>
-                    </p:cNvPr>
-                    <p:cNvSpPr txBox="1">
-                      <a:spLocks noRot="1" noChangeAspect="1" noMove="1" noResize="1" noEditPoints="1" noAdjustHandles="1" noChangeArrowheads="1" noChangeShapeType="1" noTextEdit="1"/>
-                    </p:cNvSpPr>
-                    <p:nvPr/>
-                  </p:nvSpPr>
-                  <p:spPr>
-                    <a:xfrm>
-                      <a:off x="2764652" y="5494541"/>
-                      <a:ext cx="724395" cy="369332"/>
-                    </a:xfrm>
-                    <a:prstGeom prst="rect">
-                      <a:avLst/>
-                    </a:prstGeom>
-                    <a:blipFill>
-                      <a:blip r:embed="rId4"/>
-                      <a:stretch>
-                        <a:fillRect b="-10000"/>
-                      </a:stretch>
-                    </a:blipFill>
-                  </p:spPr>
-                  <p:txBody>
-                    <a:bodyPr/>
-                    <a:lstStyle/>
-                    <a:p>
-                      <a:r>
-                        <a:rPr lang="en-US">
-                          <a:noFill/>
-                        </a:rPr>
-                        <a:t> </a:t>
-                      </a:r>
-                    </a:p>
-                  </p:txBody>
-                </p:sp>
-              </mc:Fallback>
-            </mc:AlternateContent>
-            <p:sp>
-              <p:nvSpPr>
-                <p:cNvPr id="39" name="Circular Arrow 38">
-                  <a:extLst>
-                    <a:ext uri="{FF2B5EF4-FFF2-40B4-BE49-F238E27FC236}">
-                      <a16:creationId xmlns:a16="http://schemas.microsoft.com/office/drawing/2014/main" id="{CA1378CE-F8F9-0280-3E2B-1B7859AA01DA}"/>
-                    </a:ext>
-                  </a:extLst>
-                </p:cNvPr>
-                <p:cNvSpPr/>
-                <p:nvPr/>
-              </p:nvSpPr>
-              <p:spPr>
-                <a:xfrm rot="16399594">
-                  <a:off x="2749587" y="4424285"/>
-                  <a:ext cx="1183917" cy="890649"/>
-                </a:xfrm>
-                <a:prstGeom prst="circularArrow">
-                  <a:avLst>
-                    <a:gd name="adj1" fmla="val 12500"/>
-                    <a:gd name="adj2" fmla="val 1022270"/>
-                    <a:gd name="adj3" fmla="val 20457681"/>
-                    <a:gd name="adj4" fmla="val 11560992"/>
-                    <a:gd name="adj5" fmla="val 16363"/>
-                  </a:avLst>
-                </a:prstGeom>
-                <a:solidFill>
-                  <a:srgbClr val="0C2140"/>
-                </a:solidFill>
-                <a:ln>
-                  <a:noFill/>
-                </a:ln>
-              </p:spPr>
-              <p:style>
-                <a:lnRef idx="2">
-                  <a:schemeClr val="accent1">
-                    <a:shade val="15000"/>
-                  </a:schemeClr>
-                </a:lnRef>
-                <a:fillRef idx="1">
-                  <a:schemeClr val="accent1"/>
-                </a:fillRef>
-                <a:effectRef idx="0">
-                  <a:schemeClr val="accent1"/>
-                </a:effectRef>
-                <a:fontRef idx="minor">
-                  <a:schemeClr val="lt1"/>
-                </a:fontRef>
-              </p:style>
-              <p:txBody>
-                <a:bodyPr rtlCol="0" anchor="ctr"/>
-                <a:lstStyle/>
-                <a:p>
-                  <a:pPr algn="ctr"/>
-                  <a:endParaRPr lang="en-US">
+                  <a14:m>
+                    <m:oMathPara xmlns:m="http://schemas.openxmlformats.org/officeDocument/2006/math">
+                      <m:oMathParaPr>
+                        <m:jc m:val="centerGroup"/>
+                      </m:oMathParaPr>
+                      <m:oMath xmlns:m="http://schemas.openxmlformats.org/officeDocument/2006/math">
+                        <m:r>
+                          <a:rPr lang="en-US" sz="2400" b="0" i="1" smtClean="0">
+                            <a:solidFill>
+                              <a:srgbClr val="0C2240"/>
+                            </a:solidFill>
+                            <a:latin typeface="Cambria Math" panose="02040503050406030204" pitchFamily="18" charset="0"/>
+                          </a:rPr>
+                          <m:t>𝜂</m:t>
+                        </m:r>
+                      </m:oMath>
+                    </m:oMathPara>
+                  </a14:m>
+                  <a:endParaRPr lang="en-US" sz="2400" b="0" dirty="0">
                     <a:solidFill>
-                      <a:schemeClr val="tx1"/>
+                      <a:srgbClr val="0C2240"/>
                     </a:solidFill>
                   </a:endParaRPr>
                 </a:p>
               </p:txBody>
             </p:sp>
-          </p:grpSp>
-          <p:sp>
-            <p:nvSpPr>
-              <p:cNvPr id="40" name="TextBox 39">
-                <a:extLst>
-                  <a:ext uri="{FF2B5EF4-FFF2-40B4-BE49-F238E27FC236}">
-                    <a16:creationId xmlns:a16="http://schemas.microsoft.com/office/drawing/2014/main" id="{343BE33C-08A8-8747-C692-D37715AD9B4C}"/>
-                  </a:ext>
-                </a:extLst>
-              </p:cNvPr>
-              <p:cNvSpPr txBox="1"/>
-              <p:nvPr/>
-            </p:nvSpPr>
-            <p:spPr>
-              <a:xfrm>
-                <a:off x="5095004" y="994087"/>
-                <a:ext cx="934871" cy="400110"/>
-              </a:xfrm>
-              <a:prstGeom prst="rect">
-                <a:avLst/>
-              </a:prstGeom>
-              <a:noFill/>
-            </p:spPr>
-            <p:txBody>
-              <a:bodyPr wrap="none" rtlCol="0" anchor="ctr">
-                <a:spAutoFit/>
-              </a:bodyPr>
-              <a:lstStyle/>
-              <a:p>
-                <a:pPr algn="ctr"/>
-                <a:r>
-                  <a:rPr lang="en-US" sz="2000" b="1" dirty="0">
-                    <a:latin typeface="CMU SERIF ROMAN" panose="02000603000000000000" pitchFamily="2" charset="0"/>
-                    <a:ea typeface="CMU SERIF ROMAN" panose="02000603000000000000" pitchFamily="2" charset="0"/>
-                    <a:cs typeface="CMU SERIF ROMAN" panose="02000603000000000000" pitchFamily="2" charset="0"/>
-                  </a:rPr>
-                  <a:t>HCAL</a:t>
-                </a:r>
-              </a:p>
-            </p:txBody>
-          </p:sp>
-        </p:grpSp>
+          </mc:Choice>
+          <mc:Fallback>
+            <p:sp>
+              <p:nvSpPr>
+                <p:cNvPr id="31" name="TextBox 30">
+                  <a:extLst>
+                    <a:ext uri="{FF2B5EF4-FFF2-40B4-BE49-F238E27FC236}">
+                      <a16:creationId xmlns:a16="http://schemas.microsoft.com/office/drawing/2014/main" id="{EFD4071F-DCCB-B847-D860-76C182C4C725}"/>
+                    </a:ext>
+                  </a:extLst>
+                </p:cNvPr>
+                <p:cNvSpPr txBox="1">
+                  <a:spLocks noRot="1" noChangeAspect="1" noMove="1" noResize="1" noEditPoints="1" noAdjustHandles="1" noChangeArrowheads="1" noChangeShapeType="1" noTextEdit="1"/>
+                </p:cNvSpPr>
+                <p:nvPr/>
+              </p:nvSpPr>
+              <p:spPr>
+                <a:xfrm>
+                  <a:off x="2766148" y="5052051"/>
+                  <a:ext cx="724395" cy="461665"/>
+                </a:xfrm>
+                <a:prstGeom prst="rect">
+                  <a:avLst/>
+                </a:prstGeom>
+                <a:blipFill>
+                  <a:blip r:embed="rId4"/>
+                  <a:stretch>
+                    <a:fillRect b="-10811"/>
+                  </a:stretch>
+                </a:blipFill>
+              </p:spPr>
+              <p:txBody>
+                <a:bodyPr/>
+                <a:lstStyle/>
+                <a:p>
+                  <a:r>
+                    <a:rPr lang="en-US">
+                      <a:noFill/>
+                    </a:rPr>
+                    <a:t> </a:t>
+                  </a:r>
+                </a:p>
+              </p:txBody>
+            </p:sp>
+          </mc:Fallback>
+        </mc:AlternateContent>
+        <p:sp>
+          <p:nvSpPr>
+            <p:cNvPr id="40" name="TextBox 39">
+              <a:extLst>
+                <a:ext uri="{FF2B5EF4-FFF2-40B4-BE49-F238E27FC236}">
+                  <a16:creationId xmlns:a16="http://schemas.microsoft.com/office/drawing/2014/main" id="{343BE33C-08A8-8747-C692-D37715AD9B4C}"/>
+                </a:ext>
+              </a:extLst>
+            </p:cNvPr>
+            <p:cNvSpPr txBox="1"/>
+            <p:nvPr/>
+          </p:nvSpPr>
+          <p:spPr>
+            <a:xfrm>
+              <a:off x="5064623" y="1670118"/>
+              <a:ext cx="934871" cy="400110"/>
+            </a:xfrm>
+            <a:prstGeom prst="rect">
+              <a:avLst/>
+            </a:prstGeom>
+            <a:noFill/>
+          </p:spPr>
+          <p:txBody>
+            <a:bodyPr wrap="none" rtlCol="0" anchor="ctr">
+              <a:spAutoFit/>
+            </a:bodyPr>
+            <a:lstStyle/>
+            <a:p>
+              <a:pPr algn="ctr"/>
+              <a:r>
+                <a:rPr lang="en-US" sz="2000" b="1" dirty="0">
+                  <a:latin typeface="CMU SERIF ROMAN" panose="02000603000000000000" pitchFamily="2" charset="0"/>
+                  <a:ea typeface="CMU SERIF ROMAN" panose="02000603000000000000" pitchFamily="2" charset="0"/>
+                  <a:cs typeface="CMU SERIF ROMAN" panose="02000603000000000000" pitchFamily="2" charset="0"/>
+                </a:rPr>
+                <a:t>HCAL</a:t>
+              </a:r>
+            </a:p>
+          </p:txBody>
+        </p:sp>
         <p:cxnSp>
           <p:nvCxnSpPr>
             <p:cNvPr id="68" name="Straight Connector 67">
@@ -4818,7 +4663,7 @@
           </p:nvCxnSpPr>
           <p:spPr>
             <a:xfrm>
-              <a:off x="3126234" y="916382"/>
+              <a:off x="3130754" y="1460582"/>
               <a:ext cx="546265" cy="2122160"/>
             </a:xfrm>
             <a:prstGeom prst="line">
@@ -4855,13 +4700,14 @@
               </a:extLst>
             </p:cNvPr>
             <p:cNvCxnSpPr>
+              <a:cxnSpLocks/>
               <a:endCxn id="26" idx="0"/>
             </p:cNvCxnSpPr>
             <p:nvPr/>
           </p:nvCxnSpPr>
           <p:spPr>
             <a:xfrm>
-              <a:off x="3672499" y="3038542"/>
+              <a:off x="3677019" y="3582742"/>
               <a:ext cx="3710080" cy="0"/>
             </a:xfrm>
             <a:prstGeom prst="line">
@@ -4871,6 +4717,50 @@
               <a:solidFill>
                 <a:srgbClr val="0C2140"/>
               </a:solidFill>
+            </a:ln>
+          </p:spPr>
+          <p:style>
+            <a:lnRef idx="1">
+              <a:schemeClr val="accent1"/>
+            </a:lnRef>
+            <a:fillRef idx="0">
+              <a:schemeClr val="accent1"/>
+            </a:fillRef>
+            <a:effectRef idx="0">
+              <a:schemeClr val="accent1"/>
+            </a:effectRef>
+            <a:fontRef idx="minor">
+              <a:schemeClr val="tx1"/>
+            </a:fontRef>
+          </p:style>
+        </p:cxnSp>
+        <p:cxnSp>
+          <p:nvCxnSpPr>
+            <p:cNvPr id="77" name="Straight Arrow Connector 76">
+              <a:extLst>
+                <a:ext uri="{FF2B5EF4-FFF2-40B4-BE49-F238E27FC236}">
+                  <a16:creationId xmlns:a16="http://schemas.microsoft.com/office/drawing/2014/main" id="{C34CAF06-3A97-7179-58E1-DCDAFD848063}"/>
+                </a:ext>
+              </a:extLst>
+            </p:cNvPr>
+            <p:cNvCxnSpPr>
+              <a:cxnSpLocks/>
+            </p:cNvCxnSpPr>
+            <p:nvPr/>
+          </p:nvCxnSpPr>
+          <p:spPr>
+            <a:xfrm flipV="1">
+              <a:off x="3092584" y="3990109"/>
+              <a:ext cx="33650" cy="1061942"/>
+            </a:xfrm>
+            <a:prstGeom prst="straightConnector1">
+              <a:avLst/>
+            </a:prstGeom>
+            <a:ln w="25400">
+              <a:solidFill>
+                <a:srgbClr val="0C2140"/>
+              </a:solidFill>
+              <a:tailEnd type="triangle"/>
             </a:ln>
           </p:spPr>
           <p:style>
@@ -4921,10 +4811,10 @@
       </p:grpSpPr>
       <p:grpSp>
         <p:nvGrpSpPr>
-          <p:cNvPr id="7" name="Group 6">
+          <p:cNvPr id="18" name="Group 17">
             <a:extLst>
               <a:ext uri="{FF2B5EF4-FFF2-40B4-BE49-F238E27FC236}">
-                <a16:creationId xmlns:a16="http://schemas.microsoft.com/office/drawing/2014/main" id="{AFE71ECB-7095-6AE4-73C4-9C566F8D9A90}"/>
+                <a16:creationId xmlns:a16="http://schemas.microsoft.com/office/drawing/2014/main" id="{43BC1972-3220-FCAF-021A-A8321E0DE921}"/>
               </a:ext>
             </a:extLst>
           </p:cNvPr>
@@ -4933,48 +4823,18 @@
         </p:nvGrpSpPr>
         <p:grpSpPr>
           <a:xfrm>
-            <a:off x="2563705" y="722685"/>
-            <a:ext cx="4790144" cy="4206772"/>
-            <a:chOff x="2563705" y="722685"/>
-            <a:chExt cx="4790144" cy="4206772"/>
+            <a:off x="2923660" y="1325614"/>
+            <a:ext cx="4787228" cy="4299105"/>
+            <a:chOff x="2923660" y="1325614"/>
+            <a:chExt cx="4787228" cy="4299105"/>
           </a:xfrm>
         </p:grpSpPr>
-        <p:pic>
-          <p:nvPicPr>
-            <p:cNvPr id="6" name="Picture 5" descr="A green square in a row&#10;&#10;Description automatically generated">
+        <p:grpSp>
+          <p:nvGrpSpPr>
+            <p:cNvPr id="7" name="Group 6">
               <a:extLst>
                 <a:ext uri="{FF2B5EF4-FFF2-40B4-BE49-F238E27FC236}">
-                  <a16:creationId xmlns:a16="http://schemas.microsoft.com/office/drawing/2014/main" id="{D1945051-E1BE-E623-E0F7-FC7CB3BD0A4D}"/>
-                </a:ext>
-              </a:extLst>
-            </p:cNvPr>
-            <p:cNvPicPr>
-              <a:picLocks noChangeAspect="1"/>
-            </p:cNvPicPr>
-            <p:nvPr/>
-          </p:nvPicPr>
-          <p:blipFill>
-            <a:blip r:embed="rId2"/>
-            <a:stretch>
-              <a:fillRect/>
-            </a:stretch>
-          </p:blipFill>
-          <p:spPr>
-            <a:xfrm>
-              <a:off x="3209488" y="722685"/>
-              <a:ext cx="4051300" cy="3886200"/>
-            </a:xfrm>
-            <a:prstGeom prst="rect">
-              <a:avLst/>
-            </a:prstGeom>
-          </p:spPr>
-        </p:pic>
-        <p:grpSp>
-          <p:nvGrpSpPr>
-            <p:cNvPr id="17" name="Group 16">
-              <a:extLst>
-                <a:ext uri="{FF2B5EF4-FFF2-40B4-BE49-F238E27FC236}">
-                  <a16:creationId xmlns:a16="http://schemas.microsoft.com/office/drawing/2014/main" id="{436E8F11-8072-D49B-B3C9-EBF7854DC5FE}"/>
+                  <a16:creationId xmlns:a16="http://schemas.microsoft.com/office/drawing/2014/main" id="{AFE71ECB-7095-6AE4-73C4-9C566F8D9A90}"/>
                 </a:ext>
               </a:extLst>
             </p:cNvPr>
@@ -4983,20 +4843,220 @@
           </p:nvGrpSpPr>
           <p:grpSpPr>
             <a:xfrm>
-              <a:off x="3135086" y="4560125"/>
-              <a:ext cx="4218763" cy="369332"/>
-              <a:chOff x="3135086" y="4560125"/>
-              <a:chExt cx="4218763" cy="369332"/>
+              <a:off x="2923660" y="1325614"/>
+              <a:ext cx="4787228" cy="4299105"/>
+              <a:chOff x="2589831" y="722685"/>
+              <a:chExt cx="4787228" cy="4299105"/>
             </a:xfrm>
           </p:grpSpPr>
+          <p:pic>
+            <p:nvPicPr>
+              <p:cNvPr id="6" name="Picture 5" descr="A green square in a row&#10;&#10;Description automatically generated">
+                <a:extLst>
+                  <a:ext uri="{FF2B5EF4-FFF2-40B4-BE49-F238E27FC236}">
+                    <a16:creationId xmlns:a16="http://schemas.microsoft.com/office/drawing/2014/main" id="{D1945051-E1BE-E623-E0F7-FC7CB3BD0A4D}"/>
+                  </a:ext>
+                </a:extLst>
+              </p:cNvPr>
+              <p:cNvPicPr>
+                <a:picLocks noChangeAspect="1"/>
+              </p:cNvPicPr>
+              <p:nvPr/>
+            </p:nvPicPr>
+            <p:blipFill>
+              <a:blip r:embed="rId2"/>
+              <a:stretch>
+                <a:fillRect/>
+              </a:stretch>
+            </p:blipFill>
+            <p:spPr>
+              <a:xfrm>
+                <a:off x="3209488" y="722685"/>
+                <a:ext cx="4051300" cy="3886200"/>
+              </a:xfrm>
+              <a:prstGeom prst="rect">
+                <a:avLst/>
+              </a:prstGeom>
+            </p:spPr>
+          </p:pic>
+          <p:grpSp>
+            <p:nvGrpSpPr>
+              <p:cNvPr id="17" name="Group 16">
+                <a:extLst>
+                  <a:ext uri="{FF2B5EF4-FFF2-40B4-BE49-F238E27FC236}">
+                    <a16:creationId xmlns:a16="http://schemas.microsoft.com/office/drawing/2014/main" id="{436E8F11-8072-D49B-B3C9-EBF7854DC5FE}"/>
+                  </a:ext>
+                </a:extLst>
+              </p:cNvPr>
+              <p:cNvGrpSpPr/>
+              <p:nvPr/>
+            </p:nvGrpSpPr>
+            <p:grpSpPr>
+              <a:xfrm>
+                <a:off x="3135086" y="4560125"/>
+                <a:ext cx="4241973" cy="461665"/>
+                <a:chOff x="3135086" y="4560125"/>
+                <a:chExt cx="4241973" cy="461665"/>
+              </a:xfrm>
+            </p:grpSpPr>
+            <mc:AlternateContent xmlns:mc="http://schemas.openxmlformats.org/markup-compatibility/2006">
+              <mc:Choice xmlns:a14="http://schemas.microsoft.com/office/drawing/2010/main" Requires="a14">
+                <p:sp>
+                  <p:nvSpPr>
+                    <p:cNvPr id="13" name="TextBox 12">
+                      <a:extLst>
+                        <a:ext uri="{FF2B5EF4-FFF2-40B4-BE49-F238E27FC236}">
+                          <a16:creationId xmlns:a16="http://schemas.microsoft.com/office/drawing/2014/main" id="{92C90F21-0D86-0DD6-4B6F-E7146254DD27}"/>
+                        </a:ext>
+                      </a:extLst>
+                    </p:cNvPr>
+                    <p:cNvSpPr txBox="1"/>
+                    <p:nvPr/>
+                  </p:nvSpPr>
+                  <p:spPr>
+                    <a:xfrm>
+                      <a:off x="3135086" y="4560125"/>
+                      <a:ext cx="724395" cy="461665"/>
+                    </a:xfrm>
+                    <a:prstGeom prst="rect">
+                      <a:avLst/>
+                    </a:prstGeom>
+                    <a:noFill/>
+                  </p:spPr>
+                  <p:txBody>
+                    <a:bodyPr wrap="square" rtlCol="0">
+                      <a:spAutoFit/>
+                    </a:bodyPr>
+                    <a:lstStyle/>
+                    <a:p>
+                      <a14:m>
+                        <m:oMathPara xmlns:m="http://schemas.openxmlformats.org/officeDocument/2006/math">
+                          <m:oMathParaPr>
+                            <m:jc m:val="centerGroup"/>
+                          </m:oMathParaPr>
+                          <m:oMath xmlns:m="http://schemas.openxmlformats.org/officeDocument/2006/math">
+                            <m:r>
+                              <m:rPr>
+                                <m:sty m:val="p"/>
+                              </m:rPr>
+                              <a:rPr lang="en-US" sz="2400" b="0" i="1" smtClean="0">
+                                <a:solidFill>
+                                  <a:srgbClr val="0C2240"/>
+                                </a:solidFill>
+                                <a:latin typeface="Cambria Math" panose="02040503050406030204" pitchFamily="18" charset="0"/>
+                              </a:rPr>
+                              <m:t>ϕ</m:t>
+                            </m:r>
+                          </m:oMath>
+                        </m:oMathPara>
+                      </a14:m>
+                      <a:endParaRPr lang="en-US" sz="2400" b="0" dirty="0">
+                        <a:solidFill>
+                          <a:srgbClr val="0C2240"/>
+                        </a:solidFill>
+                      </a:endParaRPr>
+                    </a:p>
+                  </p:txBody>
+                </p:sp>
+              </mc:Choice>
+              <mc:Fallback>
+                <p:sp>
+                  <p:nvSpPr>
+                    <p:cNvPr id="13" name="TextBox 12">
+                      <a:extLst>
+                        <a:ext uri="{FF2B5EF4-FFF2-40B4-BE49-F238E27FC236}">
+                          <a16:creationId xmlns:a16="http://schemas.microsoft.com/office/drawing/2014/main" id="{92C90F21-0D86-0DD6-4B6F-E7146254DD27}"/>
+                        </a:ext>
+                      </a:extLst>
+                    </p:cNvPr>
+                    <p:cNvSpPr txBox="1">
+                      <a:spLocks noRot="1" noChangeAspect="1" noMove="1" noResize="1" noEditPoints="1" noAdjustHandles="1" noChangeArrowheads="1" noChangeShapeType="1" noTextEdit="1"/>
+                    </p:cNvSpPr>
+                    <p:nvPr/>
+                  </p:nvSpPr>
+                  <p:spPr>
+                    <a:xfrm>
+                      <a:off x="3135086" y="4560125"/>
+                      <a:ext cx="724395" cy="461665"/>
+                    </a:xfrm>
+                    <a:prstGeom prst="rect">
+                      <a:avLst/>
+                    </a:prstGeom>
+                    <a:blipFill>
+                      <a:blip r:embed="rId3"/>
+                      <a:stretch>
+                        <a:fillRect b="-13158"/>
+                      </a:stretch>
+                    </a:blipFill>
+                  </p:spPr>
+                  <p:txBody>
+                    <a:bodyPr/>
+                    <a:lstStyle/>
+                    <a:p>
+                      <a:r>
+                        <a:rPr lang="en-US">
+                          <a:noFill/>
+                        </a:rPr>
+                        <a:t> </a:t>
+                      </a:r>
+                    </a:p>
+                  </p:txBody>
+                </p:sp>
+              </mc:Fallback>
+            </mc:AlternateContent>
+            <p:cxnSp>
+              <p:nvCxnSpPr>
+                <p:cNvPr id="15" name="Straight Arrow Connector 14">
+                  <a:extLst>
+                    <a:ext uri="{FF2B5EF4-FFF2-40B4-BE49-F238E27FC236}">
+                      <a16:creationId xmlns:a16="http://schemas.microsoft.com/office/drawing/2014/main" id="{003DC7F0-5370-3391-1766-70CFE172F35C}"/>
+                    </a:ext>
+                  </a:extLst>
+                </p:cNvPr>
+                <p:cNvCxnSpPr>
+                  <a:cxnSpLocks/>
+                </p:cNvCxnSpPr>
+                <p:nvPr/>
+              </p:nvCxnSpPr>
+              <p:spPr>
+                <a:xfrm flipV="1">
+                  <a:off x="3743210" y="4812069"/>
+                  <a:ext cx="3633849" cy="6536"/>
+                </a:xfrm>
+                <a:prstGeom prst="straightConnector1">
+                  <a:avLst/>
+                </a:prstGeom>
+                <a:ln w="25400">
+                  <a:solidFill>
+                    <a:srgbClr val="0C2140"/>
+                  </a:solidFill>
+                  <a:tailEnd type="triangle"/>
+                </a:ln>
+              </p:spPr>
+              <p:style>
+                <a:lnRef idx="1">
+                  <a:schemeClr val="accent1"/>
+                </a:lnRef>
+                <a:fillRef idx="0">
+                  <a:schemeClr val="accent1"/>
+                </a:fillRef>
+                <a:effectRef idx="0">
+                  <a:schemeClr val="accent1"/>
+                </a:effectRef>
+                <a:fontRef idx="minor">
+                  <a:schemeClr val="tx1"/>
+                </a:fontRef>
+              </p:style>
+            </p:cxnSp>
+          </p:grpSp>
           <mc:AlternateContent xmlns:mc="http://schemas.openxmlformats.org/markup-compatibility/2006">
             <mc:Choice xmlns:a14="http://schemas.microsoft.com/office/drawing/2010/main" Requires="a14">
               <p:sp>
                 <p:nvSpPr>
-                  <p:cNvPr id="13" name="TextBox 12">
+                  <p:cNvPr id="21" name="TextBox 20">
                     <a:extLst>
                       <a:ext uri="{FF2B5EF4-FFF2-40B4-BE49-F238E27FC236}">
-                        <a16:creationId xmlns:a16="http://schemas.microsoft.com/office/drawing/2014/main" id="{92C90F21-0D86-0DD6-4B6F-E7146254DD27}"/>
+                        <a16:creationId xmlns:a16="http://schemas.microsoft.com/office/drawing/2014/main" id="{37B45525-F66A-C952-C4FD-C9D55118FE45}"/>
                       </a:ext>
                     </a:extLst>
                   </p:cNvPr>
@@ -5005,8 +5065,8 @@
                 </p:nvSpPr>
                 <p:spPr>
                   <a:xfrm>
-                    <a:off x="3135086" y="4560125"/>
-                    <a:ext cx="724395" cy="369332"/>
+                    <a:off x="2589831" y="3272364"/>
+                    <a:ext cx="724395" cy="461665"/>
                   </a:xfrm>
                   <a:prstGeom prst="rect">
                     <a:avLst/>
@@ -5026,21 +5086,18 @@
                         </m:oMathParaPr>
                         <m:oMath xmlns:m="http://schemas.openxmlformats.org/officeDocument/2006/math">
                           <m:r>
-                            <m:rPr>
-                              <m:sty m:val="p"/>
-                            </m:rPr>
-                            <a:rPr lang="en-US" b="0" i="1" smtClean="0">
+                            <a:rPr lang="en-US" sz="2400" b="0" i="1" smtClean="0">
                               <a:solidFill>
                                 <a:srgbClr val="0C2240"/>
                               </a:solidFill>
                               <a:latin typeface="Cambria Math" panose="02040503050406030204" pitchFamily="18" charset="0"/>
                             </a:rPr>
-                            <m:t>ϕ</m:t>
+                            <m:t>𝜂</m:t>
                           </m:r>
                         </m:oMath>
                       </m:oMathPara>
                     </a14:m>
-                    <a:endParaRPr lang="en-US" b="0" dirty="0">
+                    <a:endParaRPr lang="en-US" sz="2400" b="0" dirty="0">
                       <a:solidFill>
                         <a:srgbClr val="0C2240"/>
                       </a:solidFill>
@@ -5052,10 +5109,10 @@
             <mc:Fallback>
               <p:sp>
                 <p:nvSpPr>
-                  <p:cNvPr id="13" name="TextBox 12">
+                  <p:cNvPr id="21" name="TextBox 20">
                     <a:extLst>
                       <a:ext uri="{FF2B5EF4-FFF2-40B4-BE49-F238E27FC236}">
-                        <a16:creationId xmlns:a16="http://schemas.microsoft.com/office/drawing/2014/main" id="{92C90F21-0D86-0DD6-4B6F-E7146254DD27}"/>
+                        <a16:creationId xmlns:a16="http://schemas.microsoft.com/office/drawing/2014/main" id="{37B45525-F66A-C952-C4FD-C9D55118FE45}"/>
                       </a:ext>
                     </a:extLst>
                   </p:cNvPr>
@@ -5066,16 +5123,16 @@
                 </p:nvSpPr>
                 <p:spPr>
                   <a:xfrm>
-                    <a:off x="3135086" y="4560125"/>
-                    <a:ext cx="724395" cy="369332"/>
+                    <a:off x="2589831" y="3272364"/>
+                    <a:ext cx="724395" cy="461665"/>
                   </a:xfrm>
                   <a:prstGeom prst="rect">
                     <a:avLst/>
                   </a:prstGeom>
                   <a:blipFill>
-                    <a:blip r:embed="rId3"/>
+                    <a:blip r:embed="rId4"/>
                     <a:stretch>
-                      <a:fillRect b="-10000"/>
+                      <a:fillRect b="-10811"/>
                     </a:stretch>
                   </a:blipFill>
                 </p:spPr>
@@ -5094,268 +5151,104 @@
               </p:sp>
             </mc:Fallback>
           </mc:AlternateContent>
-          <p:cxnSp>
-            <p:nvCxnSpPr>
-              <p:cNvPr id="15" name="Straight Arrow Connector 14">
+          <p:sp>
+            <p:nvSpPr>
+              <p:cNvPr id="4" name="Explosion 1 3">
                 <a:extLst>
                   <a:ext uri="{FF2B5EF4-FFF2-40B4-BE49-F238E27FC236}">
-                    <a16:creationId xmlns:a16="http://schemas.microsoft.com/office/drawing/2014/main" id="{003DC7F0-5370-3391-1766-70CFE172F35C}"/>
+                    <a16:creationId xmlns:a16="http://schemas.microsoft.com/office/drawing/2014/main" id="{3B09513B-648F-9C77-E3E8-870B4D876F8A}"/>
                   </a:ext>
                 </a:extLst>
               </p:cNvPr>
-              <p:cNvCxnSpPr>
-                <a:cxnSpLocks/>
-              </p:cNvCxnSpPr>
+              <p:cNvSpPr/>
               <p:nvPr/>
-            </p:nvCxnSpPr>
+            </p:nvSpPr>
             <p:spPr>
-              <a:xfrm flipV="1">
-                <a:off x="3720000" y="4765903"/>
-                <a:ext cx="3633849" cy="6536"/>
+              <a:xfrm>
+                <a:off x="4767514" y="2282538"/>
+                <a:ext cx="917724" cy="789767"/>
               </a:xfrm>
-              <a:prstGeom prst="straightConnector1">
+              <a:prstGeom prst="irregularSeal1">
                 <a:avLst/>
               </a:prstGeom>
-              <a:ln w="25400">
-                <a:solidFill>
-                  <a:srgbClr val="0C2140"/>
-                </a:solidFill>
-                <a:tailEnd type="triangle"/>
-              </a:ln>
+              <a:solidFill>
+                <a:srgbClr val="D39F10"/>
+              </a:solidFill>
             </p:spPr>
             <p:style>
-              <a:lnRef idx="1">
-                <a:schemeClr val="accent1"/>
+              <a:lnRef idx="2">
+                <a:schemeClr val="accent1">
+                  <a:shade val="15000"/>
+                </a:schemeClr>
               </a:lnRef>
-              <a:fillRef idx="0">
+              <a:fillRef idx="1">
                 <a:schemeClr val="accent1"/>
               </a:fillRef>
               <a:effectRef idx="0">
                 <a:schemeClr val="accent1"/>
               </a:effectRef>
               <a:fontRef idx="minor">
-                <a:schemeClr val="tx1"/>
+                <a:schemeClr val="lt1"/>
               </a:fontRef>
             </p:style>
-          </p:cxnSp>
+            <p:txBody>
+              <a:bodyPr rtlCol="0" anchor="ctr"/>
+              <a:lstStyle/>
+              <a:p>
+                <a:pPr algn="ctr"/>
+                <a:endParaRPr lang="en-US" dirty="0">
+                  <a:highlight>
+                    <a:srgbClr val="0C2140"/>
+                  </a:highlight>
+                </a:endParaRPr>
+              </a:p>
+            </p:txBody>
+          </p:sp>
         </p:grpSp>
-        <mc:AlternateContent xmlns:mc="http://schemas.openxmlformats.org/markup-compatibility/2006">
-          <mc:Choice xmlns:a14="http://schemas.microsoft.com/office/drawing/2010/main" Requires="a14">
-            <p:sp>
-              <p:nvSpPr>
-                <p:cNvPr id="21" name="TextBox 20">
-                  <a:extLst>
-                    <a:ext uri="{FF2B5EF4-FFF2-40B4-BE49-F238E27FC236}">
-                      <a16:creationId xmlns:a16="http://schemas.microsoft.com/office/drawing/2014/main" id="{37B45525-F66A-C952-C4FD-C9D55118FE45}"/>
-                    </a:ext>
-                  </a:extLst>
-                </p:cNvPr>
-                <p:cNvSpPr txBox="1"/>
-                <p:nvPr/>
-              </p:nvSpPr>
-              <p:spPr>
-                <a:xfrm>
-                  <a:off x="2589832" y="3950637"/>
-                  <a:ext cx="724395" cy="369332"/>
-                </a:xfrm>
-                <a:prstGeom prst="rect">
-                  <a:avLst/>
-                </a:prstGeom>
-                <a:noFill/>
-              </p:spPr>
-              <p:txBody>
-                <a:bodyPr wrap="square" rtlCol="0">
-                  <a:spAutoFit/>
-                </a:bodyPr>
-                <a:lstStyle/>
-                <a:p>
-                  <a14:m>
-                    <m:oMathPara xmlns:m="http://schemas.openxmlformats.org/officeDocument/2006/math">
-                      <m:oMathParaPr>
-                        <m:jc m:val="centerGroup"/>
-                      </m:oMathParaPr>
-                      <m:oMath xmlns:m="http://schemas.openxmlformats.org/officeDocument/2006/math">
-                        <m:r>
-                          <a:rPr lang="en-US" b="0" i="1" smtClean="0">
-                            <a:solidFill>
-                              <a:srgbClr val="0C2240"/>
-                            </a:solidFill>
-                            <a:latin typeface="Cambria Math" panose="02040503050406030204" pitchFamily="18" charset="0"/>
-                          </a:rPr>
-                          <m:t>𝜂</m:t>
-                        </m:r>
-                      </m:oMath>
-                    </m:oMathPara>
-                  </a14:m>
-                  <a:endParaRPr lang="en-US" b="0" dirty="0">
-                    <a:solidFill>
-                      <a:srgbClr val="0C2240"/>
-                    </a:solidFill>
-                  </a:endParaRPr>
-                </a:p>
-              </p:txBody>
-            </p:sp>
-          </mc:Choice>
-          <mc:Fallback>
-            <p:sp>
-              <p:nvSpPr>
-                <p:cNvPr id="21" name="TextBox 20">
-                  <a:extLst>
-                    <a:ext uri="{FF2B5EF4-FFF2-40B4-BE49-F238E27FC236}">
-                      <a16:creationId xmlns:a16="http://schemas.microsoft.com/office/drawing/2014/main" id="{37B45525-F66A-C952-C4FD-C9D55118FE45}"/>
-                    </a:ext>
-                  </a:extLst>
-                </p:cNvPr>
-                <p:cNvSpPr txBox="1">
-                  <a:spLocks noRot="1" noChangeAspect="1" noMove="1" noResize="1" noEditPoints="1" noAdjustHandles="1" noChangeArrowheads="1" noChangeShapeType="1" noTextEdit="1"/>
-                </p:cNvSpPr>
-                <p:nvPr/>
-              </p:nvSpPr>
-              <p:spPr>
-                <a:xfrm>
-                  <a:off x="2589832" y="3950637"/>
-                  <a:ext cx="724395" cy="369332"/>
-                </a:xfrm>
-                <a:prstGeom prst="rect">
-                  <a:avLst/>
-                </a:prstGeom>
-                <a:blipFill>
-                  <a:blip r:embed="rId4"/>
-                  <a:stretch>
-                    <a:fillRect b="-6667"/>
-                  </a:stretch>
-                </a:blipFill>
-              </p:spPr>
-              <p:txBody>
-                <a:bodyPr/>
-                <a:lstStyle/>
-                <a:p>
-                  <a:r>
-                    <a:rPr lang="en-US">
-                      <a:noFill/>
-                    </a:rPr>
-                    <a:t> </a:t>
-                  </a:r>
-                </a:p>
-              </p:txBody>
-            </p:sp>
-          </mc:Fallback>
-        </mc:AlternateContent>
-        <p:sp>
-          <p:nvSpPr>
-            <p:cNvPr id="22" name="Circular Arrow 21">
+        <p:cxnSp>
+          <p:nvCxnSpPr>
+            <p:cNvPr id="12" name="Straight Arrow Connector 11">
               <a:extLst>
                 <a:ext uri="{FF2B5EF4-FFF2-40B4-BE49-F238E27FC236}">
-                  <a16:creationId xmlns:a16="http://schemas.microsoft.com/office/drawing/2014/main" id="{08B6A07C-BB48-BBEA-B59A-66CF28671B1A}"/>
+                  <a16:creationId xmlns:a16="http://schemas.microsoft.com/office/drawing/2014/main" id="{CB2E3E67-F4A6-2C54-A4DE-F58EF77262B1}"/>
                 </a:ext>
               </a:extLst>
             </p:cNvPr>
-            <p:cNvSpPr/>
+            <p:cNvCxnSpPr>
+              <a:cxnSpLocks/>
+            </p:cNvCxnSpPr>
             <p:nvPr/>
-          </p:nvSpPr>
+          </p:nvCxnSpPr>
           <p:spPr>
-            <a:xfrm rot="16399594">
-              <a:off x="2417071" y="2664087"/>
-              <a:ext cx="1183917" cy="890649"/>
+            <a:xfrm flipV="1">
+              <a:off x="3285857" y="2102273"/>
+              <a:ext cx="0" cy="1773020"/>
             </a:xfrm>
-            <a:prstGeom prst="circularArrow">
-              <a:avLst>
-                <a:gd name="adj1" fmla="val 12500"/>
-                <a:gd name="adj2" fmla="val 1022270"/>
-                <a:gd name="adj3" fmla="val 20457681"/>
-                <a:gd name="adj4" fmla="val 11560992"/>
-                <a:gd name="adj5" fmla="val 16363"/>
-              </a:avLst>
+            <a:prstGeom prst="straightConnector1">
+              <a:avLst/>
             </a:prstGeom>
-            <a:solidFill>
-              <a:srgbClr val="0C2140"/>
-            </a:solidFill>
-            <a:ln>
-              <a:noFill/>
+            <a:ln w="25400">
+              <a:solidFill>
+                <a:srgbClr val="0C2140"/>
+              </a:solidFill>
+              <a:tailEnd type="triangle"/>
             </a:ln>
           </p:spPr>
           <p:style>
-            <a:lnRef idx="2">
-              <a:schemeClr val="accent1">
-                <a:shade val="15000"/>
-              </a:schemeClr>
+            <a:lnRef idx="1">
+              <a:schemeClr val="accent1"/>
             </a:lnRef>
-            <a:fillRef idx="1">
+            <a:fillRef idx="0">
               <a:schemeClr val="accent1"/>
             </a:fillRef>
             <a:effectRef idx="0">
               <a:schemeClr val="accent1"/>
             </a:effectRef>
             <a:fontRef idx="minor">
-              <a:schemeClr val="lt1"/>
+              <a:schemeClr val="tx1"/>
             </a:fontRef>
           </p:style>
-          <p:txBody>
-            <a:bodyPr rtlCol="0" anchor="ctr"/>
-            <a:lstStyle/>
-            <a:p>
-              <a:pPr algn="ctr"/>
-              <a:endParaRPr lang="en-US">
-                <a:solidFill>
-                  <a:schemeClr val="tx1"/>
-                </a:solidFill>
-              </a:endParaRPr>
-            </a:p>
-          </p:txBody>
-        </p:sp>
-        <p:sp>
-          <p:nvSpPr>
-            <p:cNvPr id="4" name="Explosion 1 3">
-              <a:extLst>
-                <a:ext uri="{FF2B5EF4-FFF2-40B4-BE49-F238E27FC236}">
-                  <a16:creationId xmlns:a16="http://schemas.microsoft.com/office/drawing/2014/main" id="{3B09513B-648F-9C77-E3E8-870B4D876F8A}"/>
-                </a:ext>
-              </a:extLst>
-            </p:cNvPr>
-            <p:cNvSpPr/>
-            <p:nvPr/>
-          </p:nvSpPr>
-          <p:spPr>
-            <a:xfrm>
-              <a:off x="4767514" y="2282538"/>
-              <a:ext cx="917724" cy="789767"/>
-            </a:xfrm>
-            <a:prstGeom prst="irregularSeal1">
-              <a:avLst/>
-            </a:prstGeom>
-            <a:solidFill>
-              <a:srgbClr val="D39F10"/>
-            </a:solidFill>
-          </p:spPr>
-          <p:style>
-            <a:lnRef idx="2">
-              <a:schemeClr val="accent1">
-                <a:shade val="15000"/>
-              </a:schemeClr>
-            </a:lnRef>
-            <a:fillRef idx="1">
-              <a:schemeClr val="accent1"/>
-            </a:fillRef>
-            <a:effectRef idx="0">
-              <a:schemeClr val="accent1"/>
-            </a:effectRef>
-            <a:fontRef idx="minor">
-              <a:schemeClr val="lt1"/>
-            </a:fontRef>
-          </p:style>
-          <p:txBody>
-            <a:bodyPr rtlCol="0" anchor="ctr"/>
-            <a:lstStyle/>
-            <a:p>
-              <a:pPr algn="ctr"/>
-              <a:endParaRPr lang="en-US" dirty="0">
-                <a:highlight>
-                  <a:srgbClr val="0C2140"/>
-                </a:highlight>
-              </a:endParaRPr>
-            </a:p>
-          </p:txBody>
-        </p:sp>
+        </p:cxnSp>
       </p:grpSp>
     </p:spTree>
     <p:extLst>
@@ -5389,10 +5282,10 @@
       </p:grpSpPr>
       <p:grpSp>
         <p:nvGrpSpPr>
-          <p:cNvPr id="7" name="Group 6">
+          <p:cNvPr id="45" name="Group 44">
             <a:extLst>
               <a:ext uri="{FF2B5EF4-FFF2-40B4-BE49-F238E27FC236}">
-                <a16:creationId xmlns:a16="http://schemas.microsoft.com/office/drawing/2014/main" id="{AFE71ECB-7095-6AE4-73C4-9C566F8D9A90}"/>
+                <a16:creationId xmlns:a16="http://schemas.microsoft.com/office/drawing/2014/main" id="{591F4BB1-7C67-394F-C42B-E4D4B96A5DED}"/>
               </a:ext>
             </a:extLst>
           </p:cNvPr>
@@ -5401,18 +5294,76 @@
         </p:nvGrpSpPr>
         <p:grpSpPr>
           <a:xfrm>
-            <a:off x="2563705" y="2282538"/>
-            <a:ext cx="4790144" cy="2646919"/>
-            <a:chOff x="2563705" y="2282538"/>
-            <a:chExt cx="4790144" cy="2646919"/>
+            <a:off x="2876159" y="676811"/>
+            <a:ext cx="5755226" cy="4932934"/>
+            <a:chOff x="2876159" y="676811"/>
+            <a:chExt cx="5755226" cy="4932934"/>
           </a:xfrm>
         </p:grpSpPr>
+        <p:sp>
+          <p:nvSpPr>
+            <p:cNvPr id="44" name="Data 43">
+              <a:extLst>
+                <a:ext uri="{FF2B5EF4-FFF2-40B4-BE49-F238E27FC236}">
+                  <a16:creationId xmlns:a16="http://schemas.microsoft.com/office/drawing/2014/main" id="{983ACC7E-309E-85C7-C1B2-BFB5C6B45EA6}"/>
+                </a:ext>
+              </a:extLst>
+            </p:cNvPr>
+            <p:cNvSpPr/>
+            <p:nvPr/>
+          </p:nvSpPr>
+          <p:spPr>
+            <a:xfrm>
+              <a:off x="3675844" y="676811"/>
+              <a:ext cx="3883195" cy="980058"/>
+            </a:xfrm>
+            <a:prstGeom prst="flowChartInputOutput">
+              <a:avLst/>
+            </a:prstGeom>
+            <a:solidFill>
+              <a:schemeClr val="accent6">
+                <a:lumMod val="20000"/>
+                <a:lumOff val="80000"/>
+              </a:schemeClr>
+            </a:solidFill>
+            <a:ln>
+              <a:noFill/>
+            </a:ln>
+            <a:effectLst>
+              <a:softEdge rad="25400"/>
+            </a:effectLst>
+          </p:spPr>
+          <p:style>
+            <a:lnRef idx="2">
+              <a:schemeClr val="accent1">
+                <a:shade val="15000"/>
+              </a:schemeClr>
+            </a:lnRef>
+            <a:fillRef idx="1">
+              <a:schemeClr val="accent1"/>
+            </a:fillRef>
+            <a:effectRef idx="0">
+              <a:schemeClr val="accent1"/>
+            </a:effectRef>
+            <a:fontRef idx="minor">
+              <a:schemeClr val="lt1"/>
+            </a:fontRef>
+          </p:style>
+          <p:txBody>
+            <a:bodyPr rtlCol="0" anchor="ctr"/>
+            <a:lstStyle/>
+            <a:p>
+              <a:pPr algn="ctr"/>
+              <a:endParaRPr lang="en-US"/>
+            </a:p>
+          </p:txBody>
+        </p:sp>
         <p:grpSp>
           <p:nvGrpSpPr>
-            <p:cNvPr id="17" name="Group 16">
+            <p:cNvPr id="40" name="Group 39">
               <a:extLst>
                 <a:ext uri="{FF2B5EF4-FFF2-40B4-BE49-F238E27FC236}">
-                  <a16:creationId xmlns:a16="http://schemas.microsoft.com/office/drawing/2014/main" id="{436E8F11-8072-D49B-B3C9-EBF7854DC5FE}"/>
+                  <a16:creationId xmlns:a16="http://schemas.microsoft.com/office/drawing/2014/main" id="{FF086F43-9A2E-4D7A-E9BA-5C539DC98FBC}"/>
                 </a:ext>
               </a:extLst>
             </p:cNvPr>
@@ -5421,142 +5372,949 @@
           </p:nvGrpSpPr>
           <p:grpSpPr>
             <a:xfrm>
-              <a:off x="3135086" y="4560125"/>
-              <a:ext cx="4218763" cy="369332"/>
-              <a:chOff x="3135086" y="4560125"/>
-              <a:chExt cx="4218763" cy="369332"/>
+              <a:off x="2876159" y="815431"/>
+              <a:ext cx="5755226" cy="4794314"/>
+              <a:chOff x="2876159" y="815431"/>
+              <a:chExt cx="5755226" cy="4794314"/>
             </a:xfrm>
           </p:grpSpPr>
-          <mc:AlternateContent xmlns:mc="http://schemas.openxmlformats.org/markup-compatibility/2006">
-            <mc:Choice xmlns:a14="http://schemas.microsoft.com/office/drawing/2010/main" Requires="a14">
+          <p:grpSp>
+            <p:nvGrpSpPr>
+              <p:cNvPr id="34" name="Group 33">
+                <a:extLst>
+                  <a:ext uri="{FF2B5EF4-FFF2-40B4-BE49-F238E27FC236}">
+                    <a16:creationId xmlns:a16="http://schemas.microsoft.com/office/drawing/2014/main" id="{2C45B52C-89AB-312A-39F0-EDFE1A71370F}"/>
+                  </a:ext>
+                </a:extLst>
+              </p:cNvPr>
+              <p:cNvGrpSpPr/>
+              <p:nvPr/>
+            </p:nvGrpSpPr>
+            <p:grpSpPr>
+              <a:xfrm>
+                <a:off x="2876159" y="815431"/>
+                <a:ext cx="5755226" cy="4794314"/>
+                <a:chOff x="2876159" y="815431"/>
+                <a:chExt cx="5755226" cy="4794314"/>
+              </a:xfrm>
+            </p:grpSpPr>
+            <p:grpSp>
+              <p:nvGrpSpPr>
+                <p:cNvPr id="9" name="Group 8">
+                  <a:extLst>
+                    <a:ext uri="{FF2B5EF4-FFF2-40B4-BE49-F238E27FC236}">
+                      <a16:creationId xmlns:a16="http://schemas.microsoft.com/office/drawing/2014/main" id="{AF8DD381-5F3F-933B-E840-BBA4C368E76A}"/>
+                    </a:ext>
+                  </a:extLst>
+                </p:cNvPr>
+                <p:cNvGrpSpPr/>
+                <p:nvPr/>
+              </p:nvGrpSpPr>
+              <p:grpSpPr>
+                <a:xfrm>
+                  <a:off x="2876159" y="815431"/>
+                  <a:ext cx="4578502" cy="4120520"/>
+                  <a:chOff x="2923660" y="827306"/>
+                  <a:chExt cx="4578502" cy="4120520"/>
+                </a:xfrm>
+              </p:grpSpPr>
               <p:sp>
                 <p:nvSpPr>
-                  <p:cNvPr id="13" name="TextBox 12">
+                  <p:cNvPr id="4" name="Explosion 1 3">
                     <a:extLst>
                       <a:ext uri="{FF2B5EF4-FFF2-40B4-BE49-F238E27FC236}">
-                        <a16:creationId xmlns:a16="http://schemas.microsoft.com/office/drawing/2014/main" id="{92C90F21-0D86-0DD6-4B6F-E7146254DD27}"/>
+                        <a16:creationId xmlns:a16="http://schemas.microsoft.com/office/drawing/2014/main" id="{3B09513B-648F-9C77-E3E8-870B4D876F8A}"/>
                       </a:ext>
                     </a:extLst>
                   </p:cNvPr>
-                  <p:cNvSpPr txBox="1"/>
+                  <p:cNvSpPr/>
                   <p:nvPr/>
                 </p:nvSpPr>
                 <p:spPr>
                   <a:xfrm>
-                    <a:off x="3135086" y="4560125"/>
-                    <a:ext cx="724395" cy="369332"/>
+                    <a:off x="5211538" y="827306"/>
+                    <a:ext cx="917724" cy="789767"/>
                   </a:xfrm>
-                  <a:prstGeom prst="rect">
+                  <a:prstGeom prst="irregularSeal1">
                     <a:avLst/>
                   </a:prstGeom>
-                  <a:noFill/>
+                  <a:solidFill>
+                    <a:srgbClr val="D39F10"/>
+                  </a:solidFill>
                 </p:spPr>
+                <p:style>
+                  <a:lnRef idx="2">
+                    <a:schemeClr val="accent1">
+                      <a:shade val="15000"/>
+                    </a:schemeClr>
+                  </a:lnRef>
+                  <a:fillRef idx="1">
+                    <a:schemeClr val="accent1"/>
+                  </a:fillRef>
+                  <a:effectRef idx="0">
+                    <a:schemeClr val="accent1"/>
+                  </a:effectRef>
+                  <a:fontRef idx="minor">
+                    <a:schemeClr val="lt1"/>
+                  </a:fontRef>
+                </p:style>
                 <p:txBody>
-                  <a:bodyPr wrap="square" rtlCol="0">
-                    <a:spAutoFit/>
-                  </a:bodyPr>
+                  <a:bodyPr rtlCol="0" anchor="ctr"/>
                   <a:lstStyle/>
                   <a:p>
-                    <a14:m>
-                      <m:oMathPara xmlns:m="http://schemas.openxmlformats.org/officeDocument/2006/math">
-                        <m:oMathParaPr>
-                          <m:jc m:val="centerGroup"/>
-                        </m:oMathParaPr>
-                        <m:oMath xmlns:m="http://schemas.openxmlformats.org/officeDocument/2006/math">
-                          <m:r>
-                            <m:rPr>
-                              <m:sty m:val="p"/>
-                            </m:rPr>
-                            <a:rPr lang="en-US" b="0" i="1" smtClean="0">
-                              <a:solidFill>
-                                <a:srgbClr val="0C2240"/>
-                              </a:solidFill>
-                              <a:latin typeface="Cambria Math" panose="02040503050406030204" pitchFamily="18" charset="0"/>
-                            </a:rPr>
-                            <m:t>ϕ</m:t>
-                          </m:r>
-                        </m:oMath>
-                      </m:oMathPara>
-                    </a14:m>
-                    <a:endParaRPr lang="en-US" b="0" dirty="0">
-                      <a:solidFill>
-                        <a:srgbClr val="0C2240"/>
-                      </a:solidFill>
+                    <a:pPr algn="ctr"/>
+                    <a:endParaRPr lang="en-US" dirty="0">
+                      <a:highlight>
+                        <a:srgbClr val="0C2140"/>
+                      </a:highlight>
                     </a:endParaRPr>
                   </a:p>
                 </p:txBody>
               </p:sp>
-            </mc:Choice>
-            <mc:Fallback>
-              <p:sp>
-                <p:nvSpPr>
-                  <p:cNvPr id="13" name="TextBox 12">
+              <mc:AlternateContent xmlns:mc="http://schemas.openxmlformats.org/markup-compatibility/2006">
+                <mc:Choice xmlns:a14="http://schemas.microsoft.com/office/drawing/2010/main" Requires="a14">
+                  <p:sp>
+                    <p:nvSpPr>
+                      <p:cNvPr id="2" name="TextBox 1">
+                        <a:extLst>
+                          <a:ext uri="{FF2B5EF4-FFF2-40B4-BE49-F238E27FC236}">
+                            <a16:creationId xmlns:a16="http://schemas.microsoft.com/office/drawing/2014/main" id="{12360B00-68E5-3ED8-C268-9E19D15FE250}"/>
+                          </a:ext>
+                        </a:extLst>
+                      </p:cNvPr>
+                      <p:cNvSpPr txBox="1"/>
+                      <p:nvPr/>
+                    </p:nvSpPr>
+                    <p:spPr>
+                      <a:xfrm>
+                        <a:off x="2923660" y="3875293"/>
+                        <a:ext cx="724395" cy="461665"/>
+                      </a:xfrm>
+                      <a:prstGeom prst="rect">
+                        <a:avLst/>
+                      </a:prstGeom>
+                      <a:noFill/>
+                    </p:spPr>
+                    <p:txBody>
+                      <a:bodyPr wrap="square" rtlCol="0">
+                        <a:spAutoFit/>
+                      </a:bodyPr>
+                      <a:lstStyle/>
+                      <a:p>
+                        <a14:m>
+                          <m:oMathPara xmlns:m="http://schemas.openxmlformats.org/officeDocument/2006/math">
+                            <m:oMathParaPr>
+                              <m:jc m:val="centerGroup"/>
+                            </m:oMathParaPr>
+                            <m:oMath xmlns:m="http://schemas.openxmlformats.org/officeDocument/2006/math">
+                              <m:r>
+                                <a:rPr lang="en-US" sz="2400" b="0" i="1" smtClean="0">
+                                  <a:solidFill>
+                                    <a:srgbClr val="0C2240"/>
+                                  </a:solidFill>
+                                  <a:latin typeface="Cambria Math" panose="02040503050406030204" pitchFamily="18" charset="0"/>
+                                </a:rPr>
+                                <m:t>𝜂</m:t>
+                              </m:r>
+                            </m:oMath>
+                          </m:oMathPara>
+                        </a14:m>
+                        <a:endParaRPr lang="en-US" sz="2400" b="0" dirty="0">
+                          <a:solidFill>
+                            <a:srgbClr val="0C2240"/>
+                          </a:solidFill>
+                        </a:endParaRPr>
+                      </a:p>
+                    </p:txBody>
+                  </p:sp>
+                </mc:Choice>
+                <mc:Fallback>
+                  <p:sp>
+                    <p:nvSpPr>
+                      <p:cNvPr id="2" name="TextBox 1">
+                        <a:extLst>
+                          <a:ext uri="{FF2B5EF4-FFF2-40B4-BE49-F238E27FC236}">
+                            <a16:creationId xmlns:a16="http://schemas.microsoft.com/office/drawing/2014/main" id="{12360B00-68E5-3ED8-C268-9E19D15FE250}"/>
+                          </a:ext>
+                        </a:extLst>
+                      </p:cNvPr>
+                      <p:cNvSpPr txBox="1">
+                        <a:spLocks noRot="1" noChangeAspect="1" noMove="1" noResize="1" noEditPoints="1" noAdjustHandles="1" noChangeArrowheads="1" noChangeShapeType="1" noTextEdit="1"/>
+                      </p:cNvSpPr>
+                      <p:nvPr/>
+                    </p:nvSpPr>
+                    <p:spPr>
+                      <a:xfrm>
+                        <a:off x="2923660" y="3875293"/>
+                        <a:ext cx="724395" cy="461665"/>
+                      </a:xfrm>
+                      <a:prstGeom prst="rect">
+                        <a:avLst/>
+                      </a:prstGeom>
+                      <a:blipFill>
+                        <a:blip r:embed="rId2"/>
+                        <a:stretch>
+                          <a:fillRect b="-10811"/>
+                        </a:stretch>
+                      </a:blipFill>
+                    </p:spPr>
+                    <p:txBody>
+                      <a:bodyPr/>
+                      <a:lstStyle/>
+                      <a:p>
+                        <a:r>
+                          <a:rPr lang="en-US">
+                            <a:noFill/>
+                          </a:rPr>
+                          <a:t> </a:t>
+                        </a:r>
+                      </a:p>
+                    </p:txBody>
+                  </p:sp>
+                </mc:Fallback>
+              </mc:AlternateContent>
+              <p:cxnSp>
+                <p:nvCxnSpPr>
+                  <p:cNvPr id="3" name="Straight Arrow Connector 2">
                     <a:extLst>
                       <a:ext uri="{FF2B5EF4-FFF2-40B4-BE49-F238E27FC236}">
-                        <a16:creationId xmlns:a16="http://schemas.microsoft.com/office/drawing/2014/main" id="{92C90F21-0D86-0DD6-4B6F-E7146254DD27}"/>
+                        <a16:creationId xmlns:a16="http://schemas.microsoft.com/office/drawing/2014/main" id="{3087120F-408D-5698-5869-B25253488781}"/>
                       </a:ext>
                     </a:extLst>
                   </p:cNvPr>
-                  <p:cNvSpPr txBox="1">
-                    <a:spLocks noRot="1" noChangeAspect="1" noMove="1" noResize="1" noEditPoints="1" noAdjustHandles="1" noChangeArrowheads="1" noChangeShapeType="1" noTextEdit="1"/>
-                  </p:cNvSpPr>
+                  <p:cNvCxnSpPr>
+                    <a:cxnSpLocks/>
+                  </p:cNvCxnSpPr>
                   <p:nvPr/>
-                </p:nvSpPr>
+                </p:nvCxnSpPr>
                 <p:spPr>
-                  <a:xfrm>
-                    <a:off x="3135086" y="4560125"/>
-                    <a:ext cx="724395" cy="369332"/>
+                  <a:xfrm flipV="1">
+                    <a:off x="3285857" y="2102273"/>
+                    <a:ext cx="0" cy="1773020"/>
                   </a:xfrm>
-                  <a:prstGeom prst="rect">
+                  <a:prstGeom prst="straightConnector1">
                     <a:avLst/>
                   </a:prstGeom>
-                  <a:blipFill>
-                    <a:blip r:embed="rId2"/>
-                    <a:stretch>
-                      <a:fillRect b="-10000"/>
-                    </a:stretch>
-                  </a:blipFill>
+                  <a:ln w="25400">
+                    <a:solidFill>
+                      <a:srgbClr val="0C2140"/>
+                    </a:solidFill>
+                    <a:tailEnd type="triangle"/>
+                  </a:ln>
                 </p:spPr>
-                <p:txBody>
-                  <a:bodyPr/>
-                  <a:lstStyle/>
-                  <a:p>
-                    <a:r>
-                      <a:rPr lang="en-US">
-                        <a:noFill/>
-                      </a:rPr>
-                      <a:t> </a:t>
-                    </a:r>
-                  </a:p>
-                </p:txBody>
-              </p:sp>
-            </mc:Fallback>
-          </mc:AlternateContent>
+                <p:style>
+                  <a:lnRef idx="1">
+                    <a:schemeClr val="accent1"/>
+                  </a:lnRef>
+                  <a:fillRef idx="0">
+                    <a:schemeClr val="accent1"/>
+                  </a:fillRef>
+                  <a:effectRef idx="0">
+                    <a:schemeClr val="accent1"/>
+                  </a:effectRef>
+                  <a:fontRef idx="minor">
+                    <a:schemeClr val="tx1"/>
+                  </a:fontRef>
+                </p:style>
+              </p:cxnSp>
+              <mc:AlternateContent xmlns:mc="http://schemas.openxmlformats.org/markup-compatibility/2006">
+                <mc:Choice xmlns:a14="http://schemas.microsoft.com/office/drawing/2010/main" Requires="a14">
+                  <p:sp>
+                    <p:nvSpPr>
+                      <p:cNvPr id="5" name="TextBox 4">
+                        <a:extLst>
+                          <a:ext uri="{FF2B5EF4-FFF2-40B4-BE49-F238E27FC236}">
+                            <a16:creationId xmlns:a16="http://schemas.microsoft.com/office/drawing/2014/main" id="{E0118863-CC5C-BDB2-FD64-5857628668E2}"/>
+                          </a:ext>
+                        </a:extLst>
+                      </p:cNvPr>
+                      <p:cNvSpPr txBox="1"/>
+                      <p:nvPr/>
+                    </p:nvSpPr>
+                    <p:spPr>
+                      <a:xfrm>
+                        <a:off x="3260189" y="4486161"/>
+                        <a:ext cx="724395" cy="461665"/>
+                      </a:xfrm>
+                      <a:prstGeom prst="rect">
+                        <a:avLst/>
+                      </a:prstGeom>
+                      <a:noFill/>
+                    </p:spPr>
+                    <p:txBody>
+                      <a:bodyPr wrap="square" rtlCol="0">
+                        <a:spAutoFit/>
+                      </a:bodyPr>
+                      <a:lstStyle/>
+                      <a:p>
+                        <a14:m>
+                          <m:oMathPara xmlns:m="http://schemas.openxmlformats.org/officeDocument/2006/math">
+                            <m:oMathParaPr>
+                              <m:jc m:val="centerGroup"/>
+                            </m:oMathParaPr>
+                            <m:oMath xmlns:m="http://schemas.openxmlformats.org/officeDocument/2006/math">
+                              <m:r>
+                                <m:rPr>
+                                  <m:sty m:val="p"/>
+                                </m:rPr>
+                                <a:rPr lang="en-US" sz="2400" b="0" i="1" smtClean="0">
+                                  <a:solidFill>
+                                    <a:srgbClr val="0C2240"/>
+                                  </a:solidFill>
+                                  <a:latin typeface="Cambria Math" panose="02040503050406030204" pitchFamily="18" charset="0"/>
+                                </a:rPr>
+                                <m:t>ϕ</m:t>
+                              </m:r>
+                            </m:oMath>
+                          </m:oMathPara>
+                        </a14:m>
+                        <a:endParaRPr lang="en-US" sz="2400" b="0" dirty="0">
+                          <a:solidFill>
+                            <a:srgbClr val="0C2240"/>
+                          </a:solidFill>
+                        </a:endParaRPr>
+                      </a:p>
+                    </p:txBody>
+                  </p:sp>
+                </mc:Choice>
+                <mc:Fallback>
+                  <p:sp>
+                    <p:nvSpPr>
+                      <p:cNvPr id="5" name="TextBox 4">
+                        <a:extLst>
+                          <a:ext uri="{FF2B5EF4-FFF2-40B4-BE49-F238E27FC236}">
+                            <a16:creationId xmlns:a16="http://schemas.microsoft.com/office/drawing/2014/main" id="{E0118863-CC5C-BDB2-FD64-5857628668E2}"/>
+                          </a:ext>
+                        </a:extLst>
+                      </p:cNvPr>
+                      <p:cNvSpPr txBox="1">
+                        <a:spLocks noRot="1" noChangeAspect="1" noMove="1" noResize="1" noEditPoints="1" noAdjustHandles="1" noChangeArrowheads="1" noChangeShapeType="1" noTextEdit="1"/>
+                      </p:cNvSpPr>
+                      <p:nvPr/>
+                    </p:nvSpPr>
+                    <p:spPr>
+                      <a:xfrm>
+                        <a:off x="3260189" y="4486161"/>
+                        <a:ext cx="724395" cy="461665"/>
+                      </a:xfrm>
+                      <a:prstGeom prst="rect">
+                        <a:avLst/>
+                      </a:prstGeom>
+                      <a:blipFill>
+                        <a:blip r:embed="rId3"/>
+                        <a:stretch>
+                          <a:fillRect b="-16216"/>
+                        </a:stretch>
+                      </a:blipFill>
+                    </p:spPr>
+                    <p:txBody>
+                      <a:bodyPr/>
+                      <a:lstStyle/>
+                      <a:p>
+                        <a:r>
+                          <a:rPr lang="en-US">
+                            <a:noFill/>
+                          </a:rPr>
+                          <a:t> </a:t>
+                        </a:r>
+                      </a:p>
+                    </p:txBody>
+                  </p:sp>
+                </mc:Fallback>
+              </mc:AlternateContent>
+              <p:cxnSp>
+                <p:nvCxnSpPr>
+                  <p:cNvPr id="8" name="Straight Arrow Connector 7">
+                    <a:extLst>
+                      <a:ext uri="{FF2B5EF4-FFF2-40B4-BE49-F238E27FC236}">
+                        <a16:creationId xmlns:a16="http://schemas.microsoft.com/office/drawing/2014/main" id="{182142B5-2C37-EBC3-8A9D-C9C5A112B98F}"/>
+                      </a:ext>
+                    </a:extLst>
+                  </p:cNvPr>
+                  <p:cNvCxnSpPr>
+                    <a:cxnSpLocks/>
+                  </p:cNvCxnSpPr>
+                  <p:nvPr/>
+                </p:nvCxnSpPr>
+                <p:spPr>
+                  <a:xfrm flipV="1">
+                    <a:off x="3868313" y="4738105"/>
+                    <a:ext cx="3633849" cy="6536"/>
+                  </a:xfrm>
+                  <a:prstGeom prst="straightConnector1">
+                    <a:avLst/>
+                  </a:prstGeom>
+                  <a:ln w="25400">
+                    <a:solidFill>
+                      <a:srgbClr val="0C2140"/>
+                    </a:solidFill>
+                    <a:tailEnd type="triangle"/>
+                  </a:ln>
+                </p:spPr>
+                <p:style>
+                  <a:lnRef idx="1">
+                    <a:schemeClr val="accent1"/>
+                  </a:lnRef>
+                  <a:fillRef idx="0">
+                    <a:schemeClr val="accent1"/>
+                  </a:fillRef>
+                  <a:effectRef idx="0">
+                    <a:schemeClr val="accent1"/>
+                  </a:effectRef>
+                  <a:fontRef idx="minor">
+                    <a:schemeClr val="tx1"/>
+                  </a:fontRef>
+                </p:style>
+              </p:cxnSp>
+            </p:grpSp>
+            <p:sp>
+              <p:nvSpPr>
+                <p:cNvPr id="14" name="Can 13">
+                  <a:extLst>
+                    <a:ext uri="{FF2B5EF4-FFF2-40B4-BE49-F238E27FC236}">
+                      <a16:creationId xmlns:a16="http://schemas.microsoft.com/office/drawing/2014/main" id="{84B954A8-97C7-B24C-E0FD-E67143DA52D7}"/>
+                    </a:ext>
+                  </a:extLst>
+                </p:cNvPr>
+                <p:cNvSpPr/>
+                <p:nvPr/>
+              </p:nvSpPr>
+              <p:spPr>
+                <a:xfrm rot="5400000">
+                  <a:off x="4809423" y="2215770"/>
+                  <a:ext cx="1488821" cy="3511718"/>
+                </a:xfrm>
+                <a:prstGeom prst="can">
+                  <a:avLst>
+                    <a:gd name="adj" fmla="val 7036"/>
+                  </a:avLst>
+                </a:prstGeom>
+                <a:gradFill flip="none" rotWithShape="1">
+                  <a:gsLst>
+                    <a:gs pos="0">
+                      <a:srgbClr val="0C2140"/>
+                    </a:gs>
+                    <a:gs pos="100000">
+                      <a:schemeClr val="bg1"/>
+                    </a:gs>
+                  </a:gsLst>
+                  <a:lin ang="0" scaled="1"/>
+                  <a:tileRect/>
+                </a:gradFill>
+                <a:ln>
+                  <a:noFill/>
+                </a:ln>
+                <a:effectLst>
+                  <a:softEdge rad="0"/>
+                </a:effectLst>
+              </p:spPr>
+              <p:style>
+                <a:lnRef idx="2">
+                  <a:schemeClr val="accent1">
+                    <a:shade val="15000"/>
+                  </a:schemeClr>
+                </a:lnRef>
+                <a:fillRef idx="1">
+                  <a:schemeClr val="accent1"/>
+                </a:fillRef>
+                <a:effectRef idx="0">
+                  <a:schemeClr val="accent1"/>
+                </a:effectRef>
+                <a:fontRef idx="minor">
+                  <a:schemeClr val="lt1"/>
+                </a:fontRef>
+              </p:style>
+              <p:txBody>
+                <a:bodyPr rtlCol="0" anchor="ctr"/>
+                <a:lstStyle/>
+                <a:p>
+                  <a:pPr algn="ctr"/>
+                  <a:endParaRPr lang="en-US"/>
+                </a:p>
+              </p:txBody>
+            </p:sp>
+            <p:sp>
+              <p:nvSpPr>
+                <p:cNvPr id="11" name="Trapezoid 10">
+                  <a:extLst>
+                    <a:ext uri="{FF2B5EF4-FFF2-40B4-BE49-F238E27FC236}">
+                      <a16:creationId xmlns:a16="http://schemas.microsoft.com/office/drawing/2014/main" id="{BF2D465E-21CF-E629-73BF-0F7404BDD5F4}"/>
+                    </a:ext>
+                  </a:extLst>
+                </p:cNvPr>
+                <p:cNvSpPr/>
+                <p:nvPr/>
+              </p:nvSpPr>
+              <p:spPr>
+                <a:xfrm rot="10800000">
+                  <a:off x="4837673" y="1717644"/>
+                  <a:ext cx="1600126" cy="2145774"/>
+                </a:xfrm>
+                <a:prstGeom prst="trapezoid">
+                  <a:avLst>
+                    <a:gd name="adj" fmla="val 39287"/>
+                  </a:avLst>
+                </a:prstGeom>
+                <a:solidFill>
+                  <a:srgbClr val="D39F10">
+                    <a:alpha val="20000"/>
+                  </a:srgbClr>
+                </a:solidFill>
+                <a:effectLst>
+                  <a:softEdge rad="25400"/>
+                </a:effectLst>
+              </p:spPr>
+              <p:style>
+                <a:lnRef idx="2">
+                  <a:schemeClr val="accent1">
+                    <a:shade val="15000"/>
+                  </a:schemeClr>
+                </a:lnRef>
+                <a:fillRef idx="1">
+                  <a:schemeClr val="accent1"/>
+                </a:fillRef>
+                <a:effectRef idx="0">
+                  <a:schemeClr val="accent1"/>
+                </a:effectRef>
+                <a:fontRef idx="minor">
+                  <a:schemeClr val="lt1"/>
+                </a:fontRef>
+              </p:style>
+              <p:txBody>
+                <a:bodyPr rtlCol="0" anchor="ctr"/>
+                <a:lstStyle/>
+                <a:p>
+                  <a:pPr algn="ctr"/>
+                  <a:endParaRPr lang="en-US"/>
+                </a:p>
+              </p:txBody>
+            </p:sp>
+            <p:sp>
+              <p:nvSpPr>
+                <p:cNvPr id="16" name="Arc 15">
+                  <a:extLst>
+                    <a:ext uri="{FF2B5EF4-FFF2-40B4-BE49-F238E27FC236}">
+                      <a16:creationId xmlns:a16="http://schemas.microsoft.com/office/drawing/2014/main" id="{AD6F3EBD-0DA1-0E2D-3C68-50CC15A73E77}"/>
+                    </a:ext>
+                  </a:extLst>
+                </p:cNvPr>
+                <p:cNvSpPr/>
+                <p:nvPr/>
+              </p:nvSpPr>
+              <p:spPr>
+                <a:xfrm rot="20196628">
+                  <a:off x="3321157" y="1524612"/>
+                  <a:ext cx="2193288" cy="4085133"/>
+                </a:xfrm>
+                <a:custGeom>
+                  <a:avLst/>
+                  <a:gdLst>
+                    <a:gd name="connsiteX0" fmla="*/ 1947380 w 2193288"/>
+                    <a:gd name="connsiteY0" fmla="*/ 753657 h 4085133"/>
+                    <a:gd name="connsiteX1" fmla="*/ 2148859 w 2193288"/>
+                    <a:gd name="connsiteY1" fmla="*/ 2618071 h 4085133"/>
+                    <a:gd name="connsiteX2" fmla="*/ 1096644 w 2193288"/>
+                    <a:gd name="connsiteY2" fmla="*/ 2042567 h 4085133"/>
+                    <a:gd name="connsiteX3" fmla="*/ 1947380 w 2193288"/>
+                    <a:gd name="connsiteY3" fmla="*/ 753657 h 4085133"/>
+                    <a:gd name="connsiteX0" fmla="*/ 1947380 w 2193288"/>
+                    <a:gd name="connsiteY0" fmla="*/ 753657 h 4085133"/>
+                    <a:gd name="connsiteX1" fmla="*/ 2148859 w 2193288"/>
+                    <a:gd name="connsiteY1" fmla="*/ 2618071 h 4085133"/>
+                  </a:gdLst>
+                  <a:ahLst/>
+                  <a:cxnLst>
+                    <a:cxn ang="0">
+                      <a:pos x="connsiteX0" y="connsiteY0"/>
+                    </a:cxn>
+                    <a:cxn ang="0">
+                      <a:pos x="connsiteX1" y="connsiteY1"/>
+                    </a:cxn>
+                  </a:cxnLst>
+                  <a:rect l="l" t="t" r="r" b="b"/>
+                  <a:pathLst>
+                    <a:path w="2193288" h="4085133" stroke="0" extrusionOk="0">
+                      <a:moveTo>
+                        <a:pt x="1947380" y="753657"/>
+                      </a:moveTo>
+                      <a:cubicBezTo>
+                        <a:pt x="2079169" y="1216170"/>
+                        <a:pt x="2198973" y="1992097"/>
+                        <a:pt x="2148859" y="2618071"/>
+                      </a:cubicBezTo>
+                      <a:cubicBezTo>
+                        <a:pt x="2008864" y="2485156"/>
+                        <a:pt x="1535042" y="2241300"/>
+                        <a:pt x="1096644" y="2042567"/>
+                      </a:cubicBezTo>
+                      <a:cubicBezTo>
+                        <a:pt x="1310065" y="1709004"/>
+                        <a:pt x="1718387" y="980534"/>
+                        <a:pt x="1947380" y="753657"/>
+                      </a:cubicBezTo>
+                      <a:close/>
+                    </a:path>
+                    <a:path w="2193288" h="4085133" fill="none" extrusionOk="0">
+                      <a:moveTo>
+                        <a:pt x="1947380" y="753657"/>
+                      </a:moveTo>
+                      <a:cubicBezTo>
+                        <a:pt x="2084347" y="1225699"/>
+                        <a:pt x="2352316" y="2021318"/>
+                        <a:pt x="2148859" y="2618071"/>
+                      </a:cubicBezTo>
+                    </a:path>
+                  </a:pathLst>
+                </a:custGeom>
+                <a:noFill/>
+                <a:ln w="25400">
+                  <a:solidFill>
+                    <a:srgbClr val="FF0000"/>
+                  </a:solidFill>
+                  <a:prstDash val="lgDash"/>
+                  <a:extLst>
+                    <a:ext uri="{C807C97D-BFC1-408E-A445-0C87EB9F89A2}">
+                      <ask:lineSketchStyleProps xmlns:ask="http://schemas.microsoft.com/office/drawing/2018/sketchyshapes" sd="1219033472">
+                        <a:prstGeom prst="arc">
+                          <a:avLst>
+                            <a:gd name="adj1" fmla="val 18205592"/>
+                            <a:gd name="adj2" fmla="val 1720576"/>
+                          </a:avLst>
+                        </a:prstGeom>
+                        <ask:type>
+                          <ask:lineSketchCurved/>
+                        </ask:type>
+                      </ask:lineSketchStyleProps>
+                    </a:ext>
+                  </a:extLst>
+                </a:ln>
+              </p:spPr>
+              <p:style>
+                <a:lnRef idx="1">
+                  <a:schemeClr val="accent1"/>
+                </a:lnRef>
+                <a:fillRef idx="0">
+                  <a:schemeClr val="accent1"/>
+                </a:fillRef>
+                <a:effectRef idx="0">
+                  <a:schemeClr val="accent1"/>
+                </a:effectRef>
+                <a:fontRef idx="minor">
+                  <a:schemeClr val="tx1"/>
+                </a:fontRef>
+              </p:style>
+              <p:txBody>
+                <a:bodyPr rtlCol="0" anchor="ctr"/>
+                <a:lstStyle/>
+                <a:p>
+                  <a:pPr algn="ctr"/>
+                  <a:endParaRPr lang="en-US"/>
+                </a:p>
+              </p:txBody>
+            </p:sp>
+            <p:sp>
+              <p:nvSpPr>
+                <p:cNvPr id="20" name="Arc 19">
+                  <a:extLst>
+                    <a:ext uri="{FF2B5EF4-FFF2-40B4-BE49-F238E27FC236}">
+                      <a16:creationId xmlns:a16="http://schemas.microsoft.com/office/drawing/2014/main" id="{1186B8BB-3AD0-8B74-B8E1-A50C12B9E193}"/>
+                    </a:ext>
+                  </a:extLst>
+                </p:cNvPr>
+                <p:cNvSpPr/>
+                <p:nvPr/>
+              </p:nvSpPr>
+              <p:spPr>
+                <a:xfrm flipH="1">
+                  <a:off x="5837814" y="2164341"/>
+                  <a:ext cx="2793571" cy="3025588"/>
+                </a:xfrm>
+                <a:prstGeom prst="arc">
+                  <a:avLst>
+                    <a:gd name="adj1" fmla="val 17246804"/>
+                    <a:gd name="adj2" fmla="val 0"/>
+                  </a:avLst>
+                </a:prstGeom>
+                <a:ln w="25400">
+                  <a:solidFill>
+                    <a:srgbClr val="FF0000"/>
+                  </a:solidFill>
+                  <a:prstDash val="lgDash"/>
+                </a:ln>
+              </p:spPr>
+              <p:style>
+                <a:lnRef idx="1">
+                  <a:schemeClr val="accent1"/>
+                </a:lnRef>
+                <a:fillRef idx="0">
+                  <a:schemeClr val="accent1"/>
+                </a:fillRef>
+                <a:effectRef idx="0">
+                  <a:schemeClr val="accent1"/>
+                </a:effectRef>
+                <a:fontRef idx="minor">
+                  <a:schemeClr val="tx1"/>
+                </a:fontRef>
+              </p:style>
+              <p:txBody>
+                <a:bodyPr rtlCol="0" anchor="ctr"/>
+                <a:lstStyle/>
+                <a:p>
+                  <a:pPr algn="ctr"/>
+                  <a:endParaRPr lang="en-US"/>
+                </a:p>
+              </p:txBody>
+            </p:sp>
+            <p:sp>
+              <p:nvSpPr>
+                <p:cNvPr id="23" name="Data 22">
+                  <a:extLst>
+                    <a:ext uri="{FF2B5EF4-FFF2-40B4-BE49-F238E27FC236}">
+                      <a16:creationId xmlns:a16="http://schemas.microsoft.com/office/drawing/2014/main" id="{E3858FD5-AA65-0D91-9867-89B58F2D1CB9}"/>
+                    </a:ext>
+                  </a:extLst>
+                </p:cNvPr>
+                <p:cNvSpPr/>
+                <p:nvPr/>
+              </p:nvSpPr>
+              <p:spPr>
+                <a:xfrm>
+                  <a:off x="5475617" y="3544514"/>
+                  <a:ext cx="216000" cy="216000"/>
+                </a:xfrm>
+                <a:prstGeom prst="flowChartInputOutput">
+                  <a:avLst/>
+                </a:prstGeom>
+                <a:solidFill>
+                  <a:schemeClr val="accent6">
+                    <a:lumMod val="40000"/>
+                    <a:lumOff val="60000"/>
+                    <a:alpha val="50000"/>
+                  </a:schemeClr>
+                </a:solidFill>
+                <a:ln>
+                  <a:noFill/>
+                </a:ln>
+              </p:spPr>
+              <p:style>
+                <a:lnRef idx="2">
+                  <a:schemeClr val="accent1">
+                    <a:shade val="15000"/>
+                  </a:schemeClr>
+                </a:lnRef>
+                <a:fillRef idx="1">
+                  <a:schemeClr val="accent1"/>
+                </a:fillRef>
+                <a:effectRef idx="0">
+                  <a:schemeClr val="accent1"/>
+                </a:effectRef>
+                <a:fontRef idx="minor">
+                  <a:schemeClr val="lt1"/>
+                </a:fontRef>
+              </p:style>
+              <p:txBody>
+                <a:bodyPr rtlCol="0" anchor="ctr"/>
+                <a:lstStyle/>
+                <a:p>
+                  <a:pPr algn="ctr"/>
+                  <a:endParaRPr lang="en-US"/>
+                </a:p>
+              </p:txBody>
+            </p:sp>
+            <p:sp>
+              <p:nvSpPr>
+                <p:cNvPr id="32" name="Data 31">
+                  <a:extLst>
+                    <a:ext uri="{FF2B5EF4-FFF2-40B4-BE49-F238E27FC236}">
+                      <a16:creationId xmlns:a16="http://schemas.microsoft.com/office/drawing/2014/main" id="{082CE7B6-CE03-5D77-860E-8BBF31AD0D01}"/>
+                    </a:ext>
+                  </a:extLst>
+                </p:cNvPr>
+                <p:cNvSpPr/>
+                <p:nvPr/>
+              </p:nvSpPr>
+              <p:spPr>
+                <a:xfrm>
+                  <a:off x="5729814" y="3562190"/>
+                  <a:ext cx="216000" cy="216000"/>
+                </a:xfrm>
+                <a:prstGeom prst="flowChartInputOutput">
+                  <a:avLst/>
+                </a:prstGeom>
+                <a:solidFill>
+                  <a:schemeClr val="accent6">
+                    <a:lumMod val="40000"/>
+                    <a:lumOff val="60000"/>
+                    <a:alpha val="50000"/>
+                  </a:schemeClr>
+                </a:solidFill>
+                <a:ln>
+                  <a:noFill/>
+                </a:ln>
+              </p:spPr>
+              <p:style>
+                <a:lnRef idx="2">
+                  <a:schemeClr val="accent1">
+                    <a:shade val="15000"/>
+                  </a:schemeClr>
+                </a:lnRef>
+                <a:fillRef idx="1">
+                  <a:schemeClr val="accent1"/>
+                </a:fillRef>
+                <a:effectRef idx="0">
+                  <a:schemeClr val="accent1"/>
+                </a:effectRef>
+                <a:fontRef idx="minor">
+                  <a:schemeClr val="lt1"/>
+                </a:fontRef>
+              </p:style>
+              <p:txBody>
+                <a:bodyPr rtlCol="0" anchor="ctr"/>
+                <a:lstStyle/>
+                <a:p>
+                  <a:pPr algn="ctr"/>
+                  <a:endParaRPr lang="en-US"/>
+                </a:p>
+              </p:txBody>
+            </p:sp>
+            <p:sp>
+              <p:nvSpPr>
+                <p:cNvPr id="31" name="Data 30">
+                  <a:extLst>
+                    <a:ext uri="{FF2B5EF4-FFF2-40B4-BE49-F238E27FC236}">
+                      <a16:creationId xmlns:a16="http://schemas.microsoft.com/office/drawing/2014/main" id="{4B154BE1-39A6-D270-BEC4-8EE99A917D07}"/>
+                    </a:ext>
+                  </a:extLst>
+                </p:cNvPr>
+                <p:cNvSpPr/>
+                <p:nvPr/>
+              </p:nvSpPr>
+              <p:spPr>
+                <a:xfrm>
+                  <a:off x="5475617" y="3441609"/>
+                  <a:ext cx="216000" cy="216000"/>
+                </a:xfrm>
+                <a:prstGeom prst="flowChartInputOutput">
+                  <a:avLst/>
+                </a:prstGeom>
+                <a:solidFill>
+                  <a:schemeClr val="accent6">
+                    <a:lumMod val="40000"/>
+                    <a:lumOff val="60000"/>
+                    <a:alpha val="50000"/>
+                  </a:schemeClr>
+                </a:solidFill>
+                <a:ln>
+                  <a:noFill/>
+                </a:ln>
+              </p:spPr>
+              <p:style>
+                <a:lnRef idx="2">
+                  <a:schemeClr val="accent1">
+                    <a:shade val="15000"/>
+                  </a:schemeClr>
+                </a:lnRef>
+                <a:fillRef idx="1">
+                  <a:schemeClr val="accent1"/>
+                </a:fillRef>
+                <a:effectRef idx="0">
+                  <a:schemeClr val="accent1"/>
+                </a:effectRef>
+                <a:fontRef idx="minor">
+                  <a:schemeClr val="lt1"/>
+                </a:fontRef>
+              </p:style>
+              <p:txBody>
+                <a:bodyPr rtlCol="0" anchor="ctr"/>
+                <a:lstStyle/>
+                <a:p>
+                  <a:pPr algn="ctr"/>
+                  <a:endParaRPr lang="en-US"/>
+                </a:p>
+              </p:txBody>
+            </p:sp>
+            <p:sp>
+              <p:nvSpPr>
+                <p:cNvPr id="33" name="Data 32">
+                  <a:extLst>
+                    <a:ext uri="{FF2B5EF4-FFF2-40B4-BE49-F238E27FC236}">
+                      <a16:creationId xmlns:a16="http://schemas.microsoft.com/office/drawing/2014/main" id="{69E96E1F-5CAE-8C7D-36F2-B8CB0B52B59F}"/>
+                    </a:ext>
+                  </a:extLst>
+                </p:cNvPr>
+                <p:cNvSpPr/>
+                <p:nvPr/>
+              </p:nvSpPr>
+              <p:spPr>
+                <a:xfrm>
+                  <a:off x="5736294" y="3441609"/>
+                  <a:ext cx="216000" cy="216000"/>
+                </a:xfrm>
+                <a:prstGeom prst="flowChartInputOutput">
+                  <a:avLst/>
+                </a:prstGeom>
+                <a:solidFill>
+                  <a:schemeClr val="accent6">
+                    <a:lumMod val="40000"/>
+                    <a:lumOff val="60000"/>
+                    <a:alpha val="50000"/>
+                  </a:schemeClr>
+                </a:solidFill>
+                <a:ln>
+                  <a:noFill/>
+                </a:ln>
+              </p:spPr>
+              <p:style>
+                <a:lnRef idx="2">
+                  <a:schemeClr val="accent1">
+                    <a:shade val="15000"/>
+                  </a:schemeClr>
+                </a:lnRef>
+                <a:fillRef idx="1">
+                  <a:schemeClr val="accent1"/>
+                </a:fillRef>
+                <a:effectRef idx="0">
+                  <a:schemeClr val="accent1"/>
+                </a:effectRef>
+                <a:fontRef idx="minor">
+                  <a:schemeClr val="lt1"/>
+                </a:fontRef>
+              </p:style>
+              <p:txBody>
+                <a:bodyPr rtlCol="0" anchor="ctr"/>
+                <a:lstStyle/>
+                <a:p>
+                  <a:pPr algn="ctr"/>
+                  <a:endParaRPr lang="en-US"/>
+                </a:p>
+              </p:txBody>
+            </p:sp>
+          </p:grpSp>
           <p:cxnSp>
             <p:nvCxnSpPr>
-              <p:cNvPr id="15" name="Straight Arrow Connector 14">
+              <p:cNvPr id="36" name="Straight Arrow Connector 35">
                 <a:extLst>
                   <a:ext uri="{FF2B5EF4-FFF2-40B4-BE49-F238E27FC236}">
-                    <a16:creationId xmlns:a16="http://schemas.microsoft.com/office/drawing/2014/main" id="{003DC7F0-5370-3391-1766-70CFE172F35C}"/>
+                    <a16:creationId xmlns:a16="http://schemas.microsoft.com/office/drawing/2014/main" id="{AF426326-EAA6-3368-E732-23053E0D94CA}"/>
                   </a:ext>
                 </a:extLst>
               </p:cNvPr>
               <p:cNvCxnSpPr>
-                <a:cxnSpLocks/>
+                <a:stCxn id="11" idx="2"/>
               </p:cNvCxnSpPr>
               <p:nvPr/>
             </p:nvCxnSpPr>
             <p:spPr>
-              <a:xfrm flipV="1">
-                <a:off x="3720000" y="4765903"/>
-                <a:ext cx="3633849" cy="6536"/>
+              <a:xfrm>
+                <a:off x="5637736" y="1717644"/>
+                <a:ext cx="800063" cy="0"/>
               </a:xfrm>
               <a:prstGeom prst="straightConnector1">
                 <a:avLst/>
               </a:prstGeom>
-              <a:ln w="25400">
+              <a:ln w="19050">
                 <a:solidFill>
-                  <a:srgbClr val="0C2140"/>
+                  <a:srgbClr val="0C2240"/>
                 </a:solidFill>
                 <a:tailEnd type="triangle"/>
               </a:ln>
@@ -5576,15 +6334,1161 @@
               </a:fontRef>
             </p:style>
           </p:cxnSp>
+          <p:sp>
+            <p:nvSpPr>
+              <p:cNvPr id="39" name="TextBox 38">
+                <a:extLst>
+                  <a:ext uri="{FF2B5EF4-FFF2-40B4-BE49-F238E27FC236}">
+                    <a16:creationId xmlns:a16="http://schemas.microsoft.com/office/drawing/2014/main" id="{E9BE662C-6E21-FAB2-CDB7-DC7D817542D0}"/>
+                  </a:ext>
+                </a:extLst>
+              </p:cNvPr>
+              <p:cNvSpPr txBox="1"/>
+              <p:nvPr/>
+            </p:nvSpPr>
+            <p:spPr>
+              <a:xfrm>
+                <a:off x="5341745" y="1734333"/>
+                <a:ext cx="1208137" cy="338554"/>
+              </a:xfrm>
+              <a:prstGeom prst="rect">
+                <a:avLst/>
+              </a:prstGeom>
+              <a:noFill/>
+            </p:spPr>
+            <p:txBody>
+              <a:bodyPr wrap="square">
+                <a:spAutoFit/>
+              </a:bodyPr>
+              <a:lstStyle/>
+              <a:p>
+                <a:r>
+                  <a:rPr lang="en-US" sz="1600" dirty="0">
+                    <a:solidFill>
+                      <a:srgbClr val="0C2340"/>
+                    </a:solidFill>
+                    <a:latin typeface="CMU Serif Roman" panose="02000603000000000000" pitchFamily="2" charset="0"/>
+                    <a:ea typeface="CMU Serif Roman" panose="02000603000000000000" pitchFamily="2" charset="0"/>
+                    <a:cs typeface="CMU Serif Roman" panose="02000603000000000000" pitchFamily="2" charset="0"/>
+                  </a:rPr>
+                  <a:t>ΔR = 0.3</a:t>
+                </a:r>
+                <a:endParaRPr lang="en-US" sz="1600" dirty="0"/>
+              </a:p>
+            </p:txBody>
+          </p:sp>
         </p:grpSp>
-        <mc:AlternateContent xmlns:mc="http://schemas.openxmlformats.org/markup-compatibility/2006">
-          <mc:Choice xmlns:a14="http://schemas.microsoft.com/office/drawing/2010/main" Requires="a14">
+      </p:grpSp>
+    </p:spTree>
+    <p:extLst>
+      <p:ext uri="{BB962C8B-B14F-4D97-AF65-F5344CB8AC3E}">
+        <p14:creationId xmlns:p14="http://schemas.microsoft.com/office/powerpoint/2010/main" val="1121923239"/>
+      </p:ext>
+    </p:extLst>
+  </p:cSld>
+  <p:clrMapOvr>
+    <a:masterClrMapping/>
+  </p:clrMapOvr>
+</p:sld>
+</file>
+
+<file path=ppt/slides/slide5.xml><?xml version="1.0" encoding="utf-8"?>
+<p:sld xmlns:a="http://schemas.openxmlformats.org/drawingml/2006/main" xmlns:r="http://schemas.openxmlformats.org/officeDocument/2006/relationships" xmlns:p="http://schemas.openxmlformats.org/presentationml/2006/main">
+  <p:cSld>
+    <p:spTree>
+      <p:nvGrpSpPr>
+        <p:cNvPr id="1" name=""/>
+        <p:cNvGrpSpPr/>
+        <p:nvPr/>
+      </p:nvGrpSpPr>
+      <p:grpSpPr>
+        <a:xfrm>
+          <a:off x="0" y="0"/>
+          <a:ext cx="0" cy="0"/>
+          <a:chOff x="0" y="0"/>
+          <a:chExt cx="0" cy="0"/>
+        </a:xfrm>
+      </p:grpSpPr>
+      <p:grpSp>
+        <p:nvGrpSpPr>
+          <p:cNvPr id="45" name="Group 44">
+            <a:extLst>
+              <a:ext uri="{FF2B5EF4-FFF2-40B4-BE49-F238E27FC236}">
+                <a16:creationId xmlns:a16="http://schemas.microsoft.com/office/drawing/2014/main" id="{591F4BB1-7C67-394F-C42B-E4D4B96A5DED}"/>
+              </a:ext>
+            </a:extLst>
+          </p:cNvPr>
+          <p:cNvGrpSpPr/>
+          <p:nvPr/>
+        </p:nvGrpSpPr>
+        <p:grpSpPr>
+          <a:xfrm>
+            <a:off x="2888351" y="701195"/>
+            <a:ext cx="5755226" cy="4932934"/>
+            <a:chOff x="2876159" y="676811"/>
+            <a:chExt cx="5755226" cy="4932934"/>
+          </a:xfrm>
+        </p:grpSpPr>
+        <p:sp>
+          <p:nvSpPr>
+            <p:cNvPr id="44" name="Data 43">
+              <a:extLst>
+                <a:ext uri="{FF2B5EF4-FFF2-40B4-BE49-F238E27FC236}">
+                  <a16:creationId xmlns:a16="http://schemas.microsoft.com/office/drawing/2014/main" id="{983ACC7E-309E-85C7-C1B2-BFB5C6B45EA6}"/>
+                </a:ext>
+              </a:extLst>
+            </p:cNvPr>
+            <p:cNvSpPr/>
+            <p:nvPr/>
+          </p:nvSpPr>
+          <p:spPr>
+            <a:xfrm>
+              <a:off x="3675844" y="676811"/>
+              <a:ext cx="3883195" cy="980058"/>
+            </a:xfrm>
+            <a:prstGeom prst="flowChartInputOutput">
+              <a:avLst/>
+            </a:prstGeom>
+            <a:solidFill>
+              <a:schemeClr val="accent6">
+                <a:lumMod val="20000"/>
+                <a:lumOff val="80000"/>
+              </a:schemeClr>
+            </a:solidFill>
+            <a:ln>
+              <a:noFill/>
+            </a:ln>
+            <a:effectLst>
+              <a:softEdge rad="25400"/>
+            </a:effectLst>
+          </p:spPr>
+          <p:style>
+            <a:lnRef idx="2">
+              <a:schemeClr val="accent1">
+                <a:shade val="15000"/>
+              </a:schemeClr>
+            </a:lnRef>
+            <a:fillRef idx="1">
+              <a:schemeClr val="accent1"/>
+            </a:fillRef>
+            <a:effectRef idx="0">
+              <a:schemeClr val="accent1"/>
+            </a:effectRef>
+            <a:fontRef idx="minor">
+              <a:schemeClr val="lt1"/>
+            </a:fontRef>
+          </p:style>
+          <p:txBody>
+            <a:bodyPr rtlCol="0" anchor="ctr"/>
+            <a:lstStyle/>
+            <a:p>
+              <a:pPr algn="ctr"/>
+              <a:endParaRPr lang="en-US"/>
+            </a:p>
+          </p:txBody>
+        </p:sp>
+        <p:grpSp>
+          <p:nvGrpSpPr>
+            <p:cNvPr id="43" name="Group 42">
+              <a:extLst>
+                <a:ext uri="{FF2B5EF4-FFF2-40B4-BE49-F238E27FC236}">
+                  <a16:creationId xmlns:a16="http://schemas.microsoft.com/office/drawing/2014/main" id="{97E3EACF-DE7D-1014-D91C-DD3B2528F1D2}"/>
+                </a:ext>
+              </a:extLst>
+            </p:cNvPr>
+            <p:cNvGrpSpPr/>
+            <p:nvPr/>
+          </p:nvGrpSpPr>
+          <p:grpSpPr>
+            <a:xfrm>
+              <a:off x="2876159" y="815431"/>
+              <a:ext cx="5755226" cy="4794314"/>
+              <a:chOff x="2876159" y="815431"/>
+              <a:chExt cx="5755226" cy="4794314"/>
+            </a:xfrm>
+          </p:grpSpPr>
+          <p:grpSp>
+            <p:nvGrpSpPr>
+              <p:cNvPr id="40" name="Group 39">
+                <a:extLst>
+                  <a:ext uri="{FF2B5EF4-FFF2-40B4-BE49-F238E27FC236}">
+                    <a16:creationId xmlns:a16="http://schemas.microsoft.com/office/drawing/2014/main" id="{FF086F43-9A2E-4D7A-E9BA-5C539DC98FBC}"/>
+                  </a:ext>
+                </a:extLst>
+              </p:cNvPr>
+              <p:cNvGrpSpPr/>
+              <p:nvPr/>
+            </p:nvGrpSpPr>
+            <p:grpSpPr>
+              <a:xfrm>
+                <a:off x="2876159" y="815431"/>
+                <a:ext cx="5755226" cy="4794314"/>
+                <a:chOff x="2876159" y="815431"/>
+                <a:chExt cx="5755226" cy="4794314"/>
+              </a:xfrm>
+            </p:grpSpPr>
+            <p:grpSp>
+              <p:nvGrpSpPr>
+                <p:cNvPr id="34" name="Group 33">
+                  <a:extLst>
+                    <a:ext uri="{FF2B5EF4-FFF2-40B4-BE49-F238E27FC236}">
+                      <a16:creationId xmlns:a16="http://schemas.microsoft.com/office/drawing/2014/main" id="{2C45B52C-89AB-312A-39F0-EDFE1A71370F}"/>
+                    </a:ext>
+                  </a:extLst>
+                </p:cNvPr>
+                <p:cNvGrpSpPr/>
+                <p:nvPr/>
+              </p:nvGrpSpPr>
+              <p:grpSpPr>
+                <a:xfrm>
+                  <a:off x="2876159" y="815431"/>
+                  <a:ext cx="5755226" cy="4794314"/>
+                  <a:chOff x="2876159" y="815431"/>
+                  <a:chExt cx="5755226" cy="4794314"/>
+                </a:xfrm>
+              </p:grpSpPr>
+              <p:grpSp>
+                <p:nvGrpSpPr>
+                  <p:cNvPr id="9" name="Group 8">
+                    <a:extLst>
+                      <a:ext uri="{FF2B5EF4-FFF2-40B4-BE49-F238E27FC236}">
+                        <a16:creationId xmlns:a16="http://schemas.microsoft.com/office/drawing/2014/main" id="{AF8DD381-5F3F-933B-E840-BBA4C368E76A}"/>
+                      </a:ext>
+                    </a:extLst>
+                  </p:cNvPr>
+                  <p:cNvGrpSpPr/>
+                  <p:nvPr/>
+                </p:nvGrpSpPr>
+                <p:grpSpPr>
+                  <a:xfrm>
+                    <a:off x="2876159" y="815431"/>
+                    <a:ext cx="4578502" cy="4120520"/>
+                    <a:chOff x="2923660" y="827306"/>
+                    <a:chExt cx="4578502" cy="4120520"/>
+                  </a:xfrm>
+                </p:grpSpPr>
+                <p:sp>
+                  <p:nvSpPr>
+                    <p:cNvPr id="4" name="Explosion 1 3">
+                      <a:extLst>
+                        <a:ext uri="{FF2B5EF4-FFF2-40B4-BE49-F238E27FC236}">
+                          <a16:creationId xmlns:a16="http://schemas.microsoft.com/office/drawing/2014/main" id="{3B09513B-648F-9C77-E3E8-870B4D876F8A}"/>
+                        </a:ext>
+                      </a:extLst>
+                    </p:cNvPr>
+                    <p:cNvSpPr/>
+                    <p:nvPr/>
+                  </p:nvSpPr>
+                  <p:spPr>
+                    <a:xfrm>
+                      <a:off x="5211538" y="827306"/>
+                      <a:ext cx="917724" cy="789767"/>
+                    </a:xfrm>
+                    <a:prstGeom prst="irregularSeal1">
+                      <a:avLst/>
+                    </a:prstGeom>
+                    <a:solidFill>
+                      <a:srgbClr val="D39F10"/>
+                    </a:solidFill>
+                  </p:spPr>
+                  <p:style>
+                    <a:lnRef idx="2">
+                      <a:schemeClr val="accent1">
+                        <a:shade val="15000"/>
+                      </a:schemeClr>
+                    </a:lnRef>
+                    <a:fillRef idx="1">
+                      <a:schemeClr val="accent1"/>
+                    </a:fillRef>
+                    <a:effectRef idx="0">
+                      <a:schemeClr val="accent1"/>
+                    </a:effectRef>
+                    <a:fontRef idx="minor">
+                      <a:schemeClr val="lt1"/>
+                    </a:fontRef>
+                  </p:style>
+                  <p:txBody>
+                    <a:bodyPr rtlCol="0" anchor="ctr"/>
+                    <a:lstStyle/>
+                    <a:p>
+                      <a:pPr algn="ctr"/>
+                      <a:endParaRPr lang="en-US" dirty="0">
+                        <a:highlight>
+                          <a:srgbClr val="0C2140"/>
+                        </a:highlight>
+                      </a:endParaRPr>
+                    </a:p>
+                  </p:txBody>
+                </p:sp>
+                <mc:AlternateContent xmlns:mc="http://schemas.openxmlformats.org/markup-compatibility/2006">
+                  <mc:Choice xmlns:a14="http://schemas.microsoft.com/office/drawing/2010/main" Requires="a14">
+                    <p:sp>
+                      <p:nvSpPr>
+                        <p:cNvPr id="2" name="TextBox 1">
+                          <a:extLst>
+                            <a:ext uri="{FF2B5EF4-FFF2-40B4-BE49-F238E27FC236}">
+                              <a16:creationId xmlns:a16="http://schemas.microsoft.com/office/drawing/2014/main" id="{12360B00-68E5-3ED8-C268-9E19D15FE250}"/>
+                            </a:ext>
+                          </a:extLst>
+                        </p:cNvPr>
+                        <p:cNvSpPr txBox="1"/>
+                        <p:nvPr/>
+                      </p:nvSpPr>
+                      <p:spPr>
+                        <a:xfrm>
+                          <a:off x="2923660" y="3875293"/>
+                          <a:ext cx="724395" cy="461665"/>
+                        </a:xfrm>
+                        <a:prstGeom prst="rect">
+                          <a:avLst/>
+                        </a:prstGeom>
+                        <a:noFill/>
+                      </p:spPr>
+                      <p:txBody>
+                        <a:bodyPr wrap="square" rtlCol="0">
+                          <a:spAutoFit/>
+                        </a:bodyPr>
+                        <a:lstStyle/>
+                        <a:p>
+                          <a14:m>
+                            <m:oMathPara xmlns:m="http://schemas.openxmlformats.org/officeDocument/2006/math">
+                              <m:oMathParaPr>
+                                <m:jc m:val="centerGroup"/>
+                              </m:oMathParaPr>
+                              <m:oMath xmlns:m="http://schemas.openxmlformats.org/officeDocument/2006/math">
+                                <m:r>
+                                  <a:rPr lang="en-US" sz="2400" b="0" i="1" smtClean="0">
+                                    <a:solidFill>
+                                      <a:srgbClr val="0C2240"/>
+                                    </a:solidFill>
+                                    <a:latin typeface="Cambria Math" panose="02040503050406030204" pitchFamily="18" charset="0"/>
+                                  </a:rPr>
+                                  <m:t>𝜂</m:t>
+                                </m:r>
+                              </m:oMath>
+                            </m:oMathPara>
+                          </a14:m>
+                          <a:endParaRPr lang="en-US" sz="2400" b="0" dirty="0">
+                            <a:solidFill>
+                              <a:srgbClr val="0C2240"/>
+                            </a:solidFill>
+                          </a:endParaRPr>
+                        </a:p>
+                      </p:txBody>
+                    </p:sp>
+                  </mc:Choice>
+                  <mc:Fallback>
+                    <p:sp>
+                      <p:nvSpPr>
+                        <p:cNvPr id="2" name="TextBox 1">
+                          <a:extLst>
+                            <a:ext uri="{FF2B5EF4-FFF2-40B4-BE49-F238E27FC236}">
+                              <a16:creationId xmlns:a16="http://schemas.microsoft.com/office/drawing/2014/main" id="{12360B00-68E5-3ED8-C268-9E19D15FE250}"/>
+                            </a:ext>
+                          </a:extLst>
+                        </p:cNvPr>
+                        <p:cNvSpPr txBox="1">
+                          <a:spLocks noRot="1" noChangeAspect="1" noMove="1" noResize="1" noEditPoints="1" noAdjustHandles="1" noChangeArrowheads="1" noChangeShapeType="1" noTextEdit="1"/>
+                        </p:cNvSpPr>
+                        <p:nvPr/>
+                      </p:nvSpPr>
+                      <p:spPr>
+                        <a:xfrm>
+                          <a:off x="2923660" y="3875293"/>
+                          <a:ext cx="724395" cy="461665"/>
+                        </a:xfrm>
+                        <a:prstGeom prst="rect">
+                          <a:avLst/>
+                        </a:prstGeom>
+                        <a:blipFill>
+                          <a:blip r:embed="rId2"/>
+                          <a:stretch>
+                            <a:fillRect b="-10811"/>
+                          </a:stretch>
+                        </a:blipFill>
+                      </p:spPr>
+                      <p:txBody>
+                        <a:bodyPr/>
+                        <a:lstStyle/>
+                        <a:p>
+                          <a:r>
+                            <a:rPr lang="en-US">
+                              <a:noFill/>
+                            </a:rPr>
+                            <a:t> </a:t>
+                          </a:r>
+                        </a:p>
+                      </p:txBody>
+                    </p:sp>
+                  </mc:Fallback>
+                </mc:AlternateContent>
+                <p:cxnSp>
+                  <p:nvCxnSpPr>
+                    <p:cNvPr id="3" name="Straight Arrow Connector 2">
+                      <a:extLst>
+                        <a:ext uri="{FF2B5EF4-FFF2-40B4-BE49-F238E27FC236}">
+                          <a16:creationId xmlns:a16="http://schemas.microsoft.com/office/drawing/2014/main" id="{3087120F-408D-5698-5869-B25253488781}"/>
+                        </a:ext>
+                      </a:extLst>
+                    </p:cNvPr>
+                    <p:cNvCxnSpPr>
+                      <a:cxnSpLocks/>
+                    </p:cNvCxnSpPr>
+                    <p:nvPr/>
+                  </p:nvCxnSpPr>
+                  <p:spPr>
+                    <a:xfrm flipV="1">
+                      <a:off x="3285857" y="2102273"/>
+                      <a:ext cx="0" cy="1773020"/>
+                    </a:xfrm>
+                    <a:prstGeom prst="straightConnector1">
+                      <a:avLst/>
+                    </a:prstGeom>
+                    <a:ln w="25400">
+                      <a:solidFill>
+                        <a:srgbClr val="0C2140"/>
+                      </a:solidFill>
+                      <a:tailEnd type="triangle"/>
+                    </a:ln>
+                  </p:spPr>
+                  <p:style>
+                    <a:lnRef idx="1">
+                      <a:schemeClr val="accent1"/>
+                    </a:lnRef>
+                    <a:fillRef idx="0">
+                      <a:schemeClr val="accent1"/>
+                    </a:fillRef>
+                    <a:effectRef idx="0">
+                      <a:schemeClr val="accent1"/>
+                    </a:effectRef>
+                    <a:fontRef idx="minor">
+                      <a:schemeClr val="tx1"/>
+                    </a:fontRef>
+                  </p:style>
+                </p:cxnSp>
+                <mc:AlternateContent xmlns:mc="http://schemas.openxmlformats.org/markup-compatibility/2006">
+                  <mc:Choice xmlns:a14="http://schemas.microsoft.com/office/drawing/2010/main" Requires="a14">
+                    <p:sp>
+                      <p:nvSpPr>
+                        <p:cNvPr id="5" name="TextBox 4">
+                          <a:extLst>
+                            <a:ext uri="{FF2B5EF4-FFF2-40B4-BE49-F238E27FC236}">
+                              <a16:creationId xmlns:a16="http://schemas.microsoft.com/office/drawing/2014/main" id="{E0118863-CC5C-BDB2-FD64-5857628668E2}"/>
+                            </a:ext>
+                          </a:extLst>
+                        </p:cNvPr>
+                        <p:cNvSpPr txBox="1"/>
+                        <p:nvPr/>
+                      </p:nvSpPr>
+                      <p:spPr>
+                        <a:xfrm>
+                          <a:off x="3260189" y="4486161"/>
+                          <a:ext cx="724395" cy="461665"/>
+                        </a:xfrm>
+                        <a:prstGeom prst="rect">
+                          <a:avLst/>
+                        </a:prstGeom>
+                        <a:noFill/>
+                      </p:spPr>
+                      <p:txBody>
+                        <a:bodyPr wrap="square" rtlCol="0">
+                          <a:spAutoFit/>
+                        </a:bodyPr>
+                        <a:lstStyle/>
+                        <a:p>
+                          <a14:m>
+                            <m:oMathPara xmlns:m="http://schemas.openxmlformats.org/officeDocument/2006/math">
+                              <m:oMathParaPr>
+                                <m:jc m:val="centerGroup"/>
+                              </m:oMathParaPr>
+                              <m:oMath xmlns:m="http://schemas.openxmlformats.org/officeDocument/2006/math">
+                                <m:r>
+                                  <m:rPr>
+                                    <m:sty m:val="p"/>
+                                  </m:rPr>
+                                  <a:rPr lang="en-US" sz="2400" b="0" i="1" smtClean="0">
+                                    <a:solidFill>
+                                      <a:srgbClr val="0C2240"/>
+                                    </a:solidFill>
+                                    <a:latin typeface="Cambria Math" panose="02040503050406030204" pitchFamily="18" charset="0"/>
+                                  </a:rPr>
+                                  <m:t>ϕ</m:t>
+                                </m:r>
+                              </m:oMath>
+                            </m:oMathPara>
+                          </a14:m>
+                          <a:endParaRPr lang="en-US" sz="2400" b="0" dirty="0">
+                            <a:solidFill>
+                              <a:srgbClr val="0C2240"/>
+                            </a:solidFill>
+                          </a:endParaRPr>
+                        </a:p>
+                      </p:txBody>
+                    </p:sp>
+                  </mc:Choice>
+                  <mc:Fallback>
+                    <p:sp>
+                      <p:nvSpPr>
+                        <p:cNvPr id="5" name="TextBox 4">
+                          <a:extLst>
+                            <a:ext uri="{FF2B5EF4-FFF2-40B4-BE49-F238E27FC236}">
+                              <a16:creationId xmlns:a16="http://schemas.microsoft.com/office/drawing/2014/main" id="{E0118863-CC5C-BDB2-FD64-5857628668E2}"/>
+                            </a:ext>
+                          </a:extLst>
+                        </p:cNvPr>
+                        <p:cNvSpPr txBox="1">
+                          <a:spLocks noRot="1" noChangeAspect="1" noMove="1" noResize="1" noEditPoints="1" noAdjustHandles="1" noChangeArrowheads="1" noChangeShapeType="1" noTextEdit="1"/>
+                        </p:cNvSpPr>
+                        <p:nvPr/>
+                      </p:nvSpPr>
+                      <p:spPr>
+                        <a:xfrm>
+                          <a:off x="3260189" y="4486161"/>
+                          <a:ext cx="724395" cy="461665"/>
+                        </a:xfrm>
+                        <a:prstGeom prst="rect">
+                          <a:avLst/>
+                        </a:prstGeom>
+                        <a:blipFill>
+                          <a:blip r:embed="rId3"/>
+                          <a:stretch>
+                            <a:fillRect b="-16216"/>
+                          </a:stretch>
+                        </a:blipFill>
+                      </p:spPr>
+                      <p:txBody>
+                        <a:bodyPr/>
+                        <a:lstStyle/>
+                        <a:p>
+                          <a:r>
+                            <a:rPr lang="en-US">
+                              <a:noFill/>
+                            </a:rPr>
+                            <a:t> </a:t>
+                          </a:r>
+                        </a:p>
+                      </p:txBody>
+                    </p:sp>
+                  </mc:Fallback>
+                </mc:AlternateContent>
+                <p:cxnSp>
+                  <p:nvCxnSpPr>
+                    <p:cNvPr id="8" name="Straight Arrow Connector 7">
+                      <a:extLst>
+                        <a:ext uri="{FF2B5EF4-FFF2-40B4-BE49-F238E27FC236}">
+                          <a16:creationId xmlns:a16="http://schemas.microsoft.com/office/drawing/2014/main" id="{182142B5-2C37-EBC3-8A9D-C9C5A112B98F}"/>
+                        </a:ext>
+                      </a:extLst>
+                    </p:cNvPr>
+                    <p:cNvCxnSpPr>
+                      <a:cxnSpLocks/>
+                    </p:cNvCxnSpPr>
+                    <p:nvPr/>
+                  </p:nvCxnSpPr>
+                  <p:spPr>
+                    <a:xfrm flipV="1">
+                      <a:off x="3868313" y="4738105"/>
+                      <a:ext cx="3633849" cy="6536"/>
+                    </a:xfrm>
+                    <a:prstGeom prst="straightConnector1">
+                      <a:avLst/>
+                    </a:prstGeom>
+                    <a:ln w="25400">
+                      <a:solidFill>
+                        <a:srgbClr val="0C2140"/>
+                      </a:solidFill>
+                      <a:tailEnd type="triangle"/>
+                    </a:ln>
+                  </p:spPr>
+                  <p:style>
+                    <a:lnRef idx="1">
+                      <a:schemeClr val="accent1"/>
+                    </a:lnRef>
+                    <a:fillRef idx="0">
+                      <a:schemeClr val="accent1"/>
+                    </a:fillRef>
+                    <a:effectRef idx="0">
+                      <a:schemeClr val="accent1"/>
+                    </a:effectRef>
+                    <a:fontRef idx="minor">
+                      <a:schemeClr val="tx1"/>
+                    </a:fontRef>
+                  </p:style>
+                </p:cxnSp>
+              </p:grpSp>
+              <p:sp>
+                <p:nvSpPr>
+                  <p:cNvPr id="14" name="Can 13">
+                    <a:extLst>
+                      <a:ext uri="{FF2B5EF4-FFF2-40B4-BE49-F238E27FC236}">
+                        <a16:creationId xmlns:a16="http://schemas.microsoft.com/office/drawing/2014/main" id="{84B954A8-97C7-B24C-E0FD-E67143DA52D7}"/>
+                      </a:ext>
+                    </a:extLst>
+                  </p:cNvPr>
+                  <p:cNvSpPr/>
+                  <p:nvPr/>
+                </p:nvSpPr>
+                <p:spPr>
+                  <a:xfrm rot="5400000">
+                    <a:off x="4809423" y="2215770"/>
+                    <a:ext cx="1488821" cy="3511718"/>
+                  </a:xfrm>
+                  <a:prstGeom prst="can">
+                    <a:avLst>
+                      <a:gd name="adj" fmla="val 7036"/>
+                    </a:avLst>
+                  </a:prstGeom>
+                  <a:gradFill flip="none" rotWithShape="1">
+                    <a:gsLst>
+                      <a:gs pos="0">
+                        <a:srgbClr val="0C2140"/>
+                      </a:gs>
+                      <a:gs pos="100000">
+                        <a:schemeClr val="bg1"/>
+                      </a:gs>
+                    </a:gsLst>
+                    <a:lin ang="0" scaled="1"/>
+                    <a:tileRect/>
+                  </a:gradFill>
+                  <a:ln>
+                    <a:noFill/>
+                  </a:ln>
+                  <a:effectLst>
+                    <a:softEdge rad="0"/>
+                  </a:effectLst>
+                </p:spPr>
+                <p:style>
+                  <a:lnRef idx="2">
+                    <a:schemeClr val="accent1">
+                      <a:shade val="15000"/>
+                    </a:schemeClr>
+                  </a:lnRef>
+                  <a:fillRef idx="1">
+                    <a:schemeClr val="accent1"/>
+                  </a:fillRef>
+                  <a:effectRef idx="0">
+                    <a:schemeClr val="accent1"/>
+                  </a:effectRef>
+                  <a:fontRef idx="minor">
+                    <a:schemeClr val="lt1"/>
+                  </a:fontRef>
+                </p:style>
+                <p:txBody>
+                  <a:bodyPr rtlCol="0" anchor="ctr"/>
+                  <a:lstStyle/>
+                  <a:p>
+                    <a:pPr algn="ctr"/>
+                    <a:endParaRPr lang="en-US"/>
+                  </a:p>
+                </p:txBody>
+              </p:sp>
+              <p:sp>
+                <p:nvSpPr>
+                  <p:cNvPr id="11" name="Trapezoid 10">
+                    <a:extLst>
+                      <a:ext uri="{FF2B5EF4-FFF2-40B4-BE49-F238E27FC236}">
+                        <a16:creationId xmlns:a16="http://schemas.microsoft.com/office/drawing/2014/main" id="{BF2D465E-21CF-E629-73BF-0F7404BDD5F4}"/>
+                      </a:ext>
+                    </a:extLst>
+                  </p:cNvPr>
+                  <p:cNvSpPr/>
+                  <p:nvPr/>
+                </p:nvSpPr>
+                <p:spPr>
+                  <a:xfrm rot="10800000">
+                    <a:off x="4837673" y="1717644"/>
+                    <a:ext cx="1600126" cy="2145774"/>
+                  </a:xfrm>
+                  <a:prstGeom prst="trapezoid">
+                    <a:avLst>
+                      <a:gd name="adj" fmla="val 39287"/>
+                    </a:avLst>
+                  </a:prstGeom>
+                  <a:solidFill>
+                    <a:srgbClr val="D39F10">
+                      <a:alpha val="20000"/>
+                    </a:srgbClr>
+                  </a:solidFill>
+                  <a:effectLst>
+                    <a:softEdge rad="25400"/>
+                  </a:effectLst>
+                </p:spPr>
+                <p:style>
+                  <a:lnRef idx="2">
+                    <a:schemeClr val="accent1">
+                      <a:shade val="15000"/>
+                    </a:schemeClr>
+                  </a:lnRef>
+                  <a:fillRef idx="1">
+                    <a:schemeClr val="accent1"/>
+                  </a:fillRef>
+                  <a:effectRef idx="0">
+                    <a:schemeClr val="accent1"/>
+                  </a:effectRef>
+                  <a:fontRef idx="minor">
+                    <a:schemeClr val="lt1"/>
+                  </a:fontRef>
+                </p:style>
+                <p:txBody>
+                  <a:bodyPr rtlCol="0" anchor="ctr"/>
+                  <a:lstStyle/>
+                  <a:p>
+                    <a:pPr algn="ctr"/>
+                    <a:endParaRPr lang="en-US"/>
+                  </a:p>
+                </p:txBody>
+              </p:sp>
+              <p:sp>
+                <p:nvSpPr>
+                  <p:cNvPr id="16" name="Arc 15">
+                    <a:extLst>
+                      <a:ext uri="{FF2B5EF4-FFF2-40B4-BE49-F238E27FC236}">
+                        <a16:creationId xmlns:a16="http://schemas.microsoft.com/office/drawing/2014/main" id="{AD6F3EBD-0DA1-0E2D-3C68-50CC15A73E77}"/>
+                      </a:ext>
+                    </a:extLst>
+                  </p:cNvPr>
+                  <p:cNvSpPr/>
+                  <p:nvPr/>
+                </p:nvSpPr>
+                <p:spPr>
+                  <a:xfrm rot="20196628">
+                    <a:off x="3321157" y="1524612"/>
+                    <a:ext cx="2193288" cy="4085133"/>
+                  </a:xfrm>
+                  <a:custGeom>
+                    <a:avLst/>
+                    <a:gdLst>
+                      <a:gd name="connsiteX0" fmla="*/ 1947380 w 2193288"/>
+                      <a:gd name="connsiteY0" fmla="*/ 753657 h 4085133"/>
+                      <a:gd name="connsiteX1" fmla="*/ 2148859 w 2193288"/>
+                      <a:gd name="connsiteY1" fmla="*/ 2618071 h 4085133"/>
+                      <a:gd name="connsiteX2" fmla="*/ 1096644 w 2193288"/>
+                      <a:gd name="connsiteY2" fmla="*/ 2042567 h 4085133"/>
+                      <a:gd name="connsiteX3" fmla="*/ 1947380 w 2193288"/>
+                      <a:gd name="connsiteY3" fmla="*/ 753657 h 4085133"/>
+                      <a:gd name="connsiteX0" fmla="*/ 1947380 w 2193288"/>
+                      <a:gd name="connsiteY0" fmla="*/ 753657 h 4085133"/>
+                      <a:gd name="connsiteX1" fmla="*/ 2148859 w 2193288"/>
+                      <a:gd name="connsiteY1" fmla="*/ 2618071 h 4085133"/>
+                    </a:gdLst>
+                    <a:ahLst/>
+                    <a:cxnLst>
+                      <a:cxn ang="0">
+                        <a:pos x="connsiteX0" y="connsiteY0"/>
+                      </a:cxn>
+                      <a:cxn ang="0">
+                        <a:pos x="connsiteX1" y="connsiteY1"/>
+                      </a:cxn>
+                    </a:cxnLst>
+                    <a:rect l="l" t="t" r="r" b="b"/>
+                    <a:pathLst>
+                      <a:path w="2193288" h="4085133" stroke="0" extrusionOk="0">
+                        <a:moveTo>
+                          <a:pt x="1947380" y="753657"/>
+                        </a:moveTo>
+                        <a:cubicBezTo>
+                          <a:pt x="2079169" y="1216170"/>
+                          <a:pt x="2198973" y="1992097"/>
+                          <a:pt x="2148859" y="2618071"/>
+                        </a:cubicBezTo>
+                        <a:cubicBezTo>
+                          <a:pt x="2008864" y="2485156"/>
+                          <a:pt x="1535042" y="2241300"/>
+                          <a:pt x="1096644" y="2042567"/>
+                        </a:cubicBezTo>
+                        <a:cubicBezTo>
+                          <a:pt x="1310065" y="1709004"/>
+                          <a:pt x="1718387" y="980534"/>
+                          <a:pt x="1947380" y="753657"/>
+                        </a:cubicBezTo>
+                        <a:close/>
+                      </a:path>
+                      <a:path w="2193288" h="4085133" fill="none" extrusionOk="0">
+                        <a:moveTo>
+                          <a:pt x="1947380" y="753657"/>
+                        </a:moveTo>
+                        <a:cubicBezTo>
+                          <a:pt x="2084347" y="1225699"/>
+                          <a:pt x="2352316" y="2021318"/>
+                          <a:pt x="2148859" y="2618071"/>
+                        </a:cubicBezTo>
+                      </a:path>
+                    </a:pathLst>
+                  </a:custGeom>
+                  <a:noFill/>
+                  <a:ln w="25400">
+                    <a:solidFill>
+                      <a:srgbClr val="FF0000"/>
+                    </a:solidFill>
+                    <a:prstDash val="lgDash"/>
+                    <a:extLst>
+                      <a:ext uri="{C807C97D-BFC1-408E-A445-0C87EB9F89A2}">
+                        <ask:lineSketchStyleProps xmlns:ask="http://schemas.microsoft.com/office/drawing/2018/sketchyshapes" sd="1219033472">
+                          <a:prstGeom prst="arc">
+                            <a:avLst>
+                              <a:gd name="adj1" fmla="val 18205592"/>
+                              <a:gd name="adj2" fmla="val 1720576"/>
+                            </a:avLst>
+                          </a:prstGeom>
+                          <ask:type>
+                            <ask:lineSketchCurved/>
+                          </ask:type>
+                        </ask:lineSketchStyleProps>
+                      </a:ext>
+                    </a:extLst>
+                  </a:ln>
+                </p:spPr>
+                <p:style>
+                  <a:lnRef idx="1">
+                    <a:schemeClr val="accent1"/>
+                  </a:lnRef>
+                  <a:fillRef idx="0">
+                    <a:schemeClr val="accent1"/>
+                  </a:fillRef>
+                  <a:effectRef idx="0">
+                    <a:schemeClr val="accent1"/>
+                  </a:effectRef>
+                  <a:fontRef idx="minor">
+                    <a:schemeClr val="tx1"/>
+                  </a:fontRef>
+                </p:style>
+                <p:txBody>
+                  <a:bodyPr rtlCol="0" anchor="ctr"/>
+                  <a:lstStyle/>
+                  <a:p>
+                    <a:pPr algn="ctr"/>
+                    <a:endParaRPr lang="en-US"/>
+                  </a:p>
+                </p:txBody>
+              </p:sp>
+              <p:sp>
+                <p:nvSpPr>
+                  <p:cNvPr id="20" name="Arc 19">
+                    <a:extLst>
+                      <a:ext uri="{FF2B5EF4-FFF2-40B4-BE49-F238E27FC236}">
+                        <a16:creationId xmlns:a16="http://schemas.microsoft.com/office/drawing/2014/main" id="{1186B8BB-3AD0-8B74-B8E1-A50C12B9E193}"/>
+                      </a:ext>
+                    </a:extLst>
+                  </p:cNvPr>
+                  <p:cNvSpPr/>
+                  <p:nvPr/>
+                </p:nvSpPr>
+                <p:spPr>
+                  <a:xfrm flipH="1">
+                    <a:off x="5837814" y="2164341"/>
+                    <a:ext cx="2793571" cy="3025588"/>
+                  </a:xfrm>
+                  <a:prstGeom prst="arc">
+                    <a:avLst>
+                      <a:gd name="adj1" fmla="val 17246804"/>
+                      <a:gd name="adj2" fmla="val 0"/>
+                    </a:avLst>
+                  </a:prstGeom>
+                  <a:ln w="25400">
+                    <a:solidFill>
+                      <a:srgbClr val="FF0000"/>
+                    </a:solidFill>
+                    <a:prstDash val="lgDash"/>
+                  </a:ln>
+                </p:spPr>
+                <p:style>
+                  <a:lnRef idx="1">
+                    <a:schemeClr val="accent1"/>
+                  </a:lnRef>
+                  <a:fillRef idx="0">
+                    <a:schemeClr val="accent1"/>
+                  </a:fillRef>
+                  <a:effectRef idx="0">
+                    <a:schemeClr val="accent1"/>
+                  </a:effectRef>
+                  <a:fontRef idx="minor">
+                    <a:schemeClr val="tx1"/>
+                  </a:fontRef>
+                </p:style>
+                <p:txBody>
+                  <a:bodyPr rtlCol="0" anchor="ctr"/>
+                  <a:lstStyle/>
+                  <a:p>
+                    <a:pPr algn="ctr"/>
+                    <a:endParaRPr lang="en-US"/>
+                  </a:p>
+                </p:txBody>
+              </p:sp>
+              <p:sp>
+                <p:nvSpPr>
+                  <p:cNvPr id="23" name="Data 22">
+                    <a:extLst>
+                      <a:ext uri="{FF2B5EF4-FFF2-40B4-BE49-F238E27FC236}">
+                        <a16:creationId xmlns:a16="http://schemas.microsoft.com/office/drawing/2014/main" id="{E3858FD5-AA65-0D91-9867-89B58F2D1CB9}"/>
+                      </a:ext>
+                    </a:extLst>
+                  </p:cNvPr>
+                  <p:cNvSpPr/>
+                  <p:nvPr/>
+                </p:nvSpPr>
+                <p:spPr>
+                  <a:xfrm>
+                    <a:off x="5475617" y="3544514"/>
+                    <a:ext cx="216000" cy="216000"/>
+                  </a:xfrm>
+                  <a:prstGeom prst="flowChartInputOutput">
+                    <a:avLst/>
+                  </a:prstGeom>
+                  <a:solidFill>
+                    <a:schemeClr val="accent6">
+                      <a:lumMod val="40000"/>
+                      <a:lumOff val="60000"/>
+                      <a:alpha val="50000"/>
+                    </a:schemeClr>
+                  </a:solidFill>
+                  <a:ln>
+                    <a:noFill/>
+                  </a:ln>
+                </p:spPr>
+                <p:style>
+                  <a:lnRef idx="2">
+                    <a:schemeClr val="accent1">
+                      <a:shade val="15000"/>
+                    </a:schemeClr>
+                  </a:lnRef>
+                  <a:fillRef idx="1">
+                    <a:schemeClr val="accent1"/>
+                  </a:fillRef>
+                  <a:effectRef idx="0">
+                    <a:schemeClr val="accent1"/>
+                  </a:effectRef>
+                  <a:fontRef idx="minor">
+                    <a:schemeClr val="lt1"/>
+                  </a:fontRef>
+                </p:style>
+                <p:txBody>
+                  <a:bodyPr rtlCol="0" anchor="ctr"/>
+                  <a:lstStyle/>
+                  <a:p>
+                    <a:pPr algn="ctr"/>
+                    <a:endParaRPr lang="en-US"/>
+                  </a:p>
+                </p:txBody>
+              </p:sp>
+              <p:sp>
+                <p:nvSpPr>
+                  <p:cNvPr id="32" name="Data 31">
+                    <a:extLst>
+                      <a:ext uri="{FF2B5EF4-FFF2-40B4-BE49-F238E27FC236}">
+                        <a16:creationId xmlns:a16="http://schemas.microsoft.com/office/drawing/2014/main" id="{082CE7B6-CE03-5D77-860E-8BBF31AD0D01}"/>
+                      </a:ext>
+                    </a:extLst>
+                  </p:cNvPr>
+                  <p:cNvSpPr/>
+                  <p:nvPr/>
+                </p:nvSpPr>
+                <p:spPr>
+                  <a:xfrm>
+                    <a:off x="5729814" y="3562190"/>
+                    <a:ext cx="216000" cy="216000"/>
+                  </a:xfrm>
+                  <a:prstGeom prst="flowChartInputOutput">
+                    <a:avLst/>
+                  </a:prstGeom>
+                  <a:solidFill>
+                    <a:schemeClr val="accent6">
+                      <a:lumMod val="40000"/>
+                      <a:lumOff val="60000"/>
+                      <a:alpha val="50000"/>
+                    </a:schemeClr>
+                  </a:solidFill>
+                  <a:ln>
+                    <a:noFill/>
+                  </a:ln>
+                </p:spPr>
+                <p:style>
+                  <a:lnRef idx="2">
+                    <a:schemeClr val="accent1">
+                      <a:shade val="15000"/>
+                    </a:schemeClr>
+                  </a:lnRef>
+                  <a:fillRef idx="1">
+                    <a:schemeClr val="accent1"/>
+                  </a:fillRef>
+                  <a:effectRef idx="0">
+                    <a:schemeClr val="accent1"/>
+                  </a:effectRef>
+                  <a:fontRef idx="minor">
+                    <a:schemeClr val="lt1"/>
+                  </a:fontRef>
+                </p:style>
+                <p:txBody>
+                  <a:bodyPr rtlCol="0" anchor="ctr"/>
+                  <a:lstStyle/>
+                  <a:p>
+                    <a:pPr algn="ctr"/>
+                    <a:endParaRPr lang="en-US"/>
+                  </a:p>
+                </p:txBody>
+              </p:sp>
+              <p:sp>
+                <p:nvSpPr>
+                  <p:cNvPr id="31" name="Data 30">
+                    <a:extLst>
+                      <a:ext uri="{FF2B5EF4-FFF2-40B4-BE49-F238E27FC236}">
+                        <a16:creationId xmlns:a16="http://schemas.microsoft.com/office/drawing/2014/main" id="{4B154BE1-39A6-D270-BEC4-8EE99A917D07}"/>
+                      </a:ext>
+                    </a:extLst>
+                  </p:cNvPr>
+                  <p:cNvSpPr/>
+                  <p:nvPr/>
+                </p:nvSpPr>
+                <p:spPr>
+                  <a:xfrm>
+                    <a:off x="5475617" y="3441609"/>
+                    <a:ext cx="216000" cy="216000"/>
+                  </a:xfrm>
+                  <a:prstGeom prst="flowChartInputOutput">
+                    <a:avLst/>
+                  </a:prstGeom>
+                  <a:solidFill>
+                    <a:schemeClr val="accent6">
+                      <a:lumMod val="40000"/>
+                      <a:lumOff val="60000"/>
+                      <a:alpha val="50000"/>
+                    </a:schemeClr>
+                  </a:solidFill>
+                  <a:ln>
+                    <a:noFill/>
+                  </a:ln>
+                </p:spPr>
+                <p:style>
+                  <a:lnRef idx="2">
+                    <a:schemeClr val="accent1">
+                      <a:shade val="15000"/>
+                    </a:schemeClr>
+                  </a:lnRef>
+                  <a:fillRef idx="1">
+                    <a:schemeClr val="accent1"/>
+                  </a:fillRef>
+                  <a:effectRef idx="0">
+                    <a:schemeClr val="accent1"/>
+                  </a:effectRef>
+                  <a:fontRef idx="minor">
+                    <a:schemeClr val="lt1"/>
+                  </a:fontRef>
+                </p:style>
+                <p:txBody>
+                  <a:bodyPr rtlCol="0" anchor="ctr"/>
+                  <a:lstStyle/>
+                  <a:p>
+                    <a:pPr algn="ctr"/>
+                    <a:endParaRPr lang="en-US"/>
+                  </a:p>
+                </p:txBody>
+              </p:sp>
+              <p:sp>
+                <p:nvSpPr>
+                  <p:cNvPr id="33" name="Data 32">
+                    <a:extLst>
+                      <a:ext uri="{FF2B5EF4-FFF2-40B4-BE49-F238E27FC236}">
+                        <a16:creationId xmlns:a16="http://schemas.microsoft.com/office/drawing/2014/main" id="{69E96E1F-5CAE-8C7D-36F2-B8CB0B52B59F}"/>
+                      </a:ext>
+                    </a:extLst>
+                  </p:cNvPr>
+                  <p:cNvSpPr/>
+                  <p:nvPr/>
+                </p:nvSpPr>
+                <p:spPr>
+                  <a:xfrm>
+                    <a:off x="5736294" y="3441609"/>
+                    <a:ext cx="216000" cy="216000"/>
+                  </a:xfrm>
+                  <a:prstGeom prst="flowChartInputOutput">
+                    <a:avLst/>
+                  </a:prstGeom>
+                  <a:solidFill>
+                    <a:schemeClr val="accent6">
+                      <a:lumMod val="40000"/>
+                      <a:lumOff val="60000"/>
+                      <a:alpha val="50000"/>
+                    </a:schemeClr>
+                  </a:solidFill>
+                  <a:ln>
+                    <a:noFill/>
+                  </a:ln>
+                </p:spPr>
+                <p:style>
+                  <a:lnRef idx="2">
+                    <a:schemeClr val="accent1">
+                      <a:shade val="15000"/>
+                    </a:schemeClr>
+                  </a:lnRef>
+                  <a:fillRef idx="1">
+                    <a:schemeClr val="accent1"/>
+                  </a:fillRef>
+                  <a:effectRef idx="0">
+                    <a:schemeClr val="accent1"/>
+                  </a:effectRef>
+                  <a:fontRef idx="minor">
+                    <a:schemeClr val="lt1"/>
+                  </a:fontRef>
+                </p:style>
+                <p:txBody>
+                  <a:bodyPr rtlCol="0" anchor="ctr"/>
+                  <a:lstStyle/>
+                  <a:p>
+                    <a:pPr algn="ctr"/>
+                    <a:endParaRPr lang="en-US"/>
+                  </a:p>
+                </p:txBody>
+              </p:sp>
+            </p:grpSp>
+            <p:cxnSp>
+              <p:nvCxnSpPr>
+                <p:cNvPr id="36" name="Straight Arrow Connector 35">
+                  <a:extLst>
+                    <a:ext uri="{FF2B5EF4-FFF2-40B4-BE49-F238E27FC236}">
+                      <a16:creationId xmlns:a16="http://schemas.microsoft.com/office/drawing/2014/main" id="{AF426326-EAA6-3368-E732-23053E0D94CA}"/>
+                    </a:ext>
+                  </a:extLst>
+                </p:cNvPr>
+                <p:cNvCxnSpPr>
+                  <a:stCxn id="11" idx="2"/>
+                </p:cNvCxnSpPr>
+                <p:nvPr/>
+              </p:nvCxnSpPr>
+              <p:spPr>
+                <a:xfrm>
+                  <a:off x="5637736" y="1717644"/>
+                  <a:ext cx="800063" cy="0"/>
+                </a:xfrm>
+                <a:prstGeom prst="straightConnector1">
+                  <a:avLst/>
+                </a:prstGeom>
+                <a:ln w="19050">
+                  <a:solidFill>
+                    <a:srgbClr val="0C2240"/>
+                  </a:solidFill>
+                  <a:tailEnd type="triangle"/>
+                </a:ln>
+              </p:spPr>
+              <p:style>
+                <a:lnRef idx="1">
+                  <a:schemeClr val="accent1"/>
+                </a:lnRef>
+                <a:fillRef idx="0">
+                  <a:schemeClr val="accent1"/>
+                </a:fillRef>
+                <a:effectRef idx="0">
+                  <a:schemeClr val="accent1"/>
+                </a:effectRef>
+                <a:fontRef idx="minor">
+                  <a:schemeClr val="tx1"/>
+                </a:fontRef>
+              </p:style>
+            </p:cxnSp>
             <p:sp>
               <p:nvSpPr>
-                <p:cNvPr id="21" name="TextBox 20">
+                <p:cNvPr id="39" name="TextBox 38">
                   <a:extLst>
                     <a:ext uri="{FF2B5EF4-FFF2-40B4-BE49-F238E27FC236}">
-                      <a16:creationId xmlns:a16="http://schemas.microsoft.com/office/drawing/2014/main" id="{37B45525-F66A-C952-C4FD-C9D55118FE45}"/>
+                      <a16:creationId xmlns:a16="http://schemas.microsoft.com/office/drawing/2014/main" id="{E9BE662C-6E21-FAB2-CDB7-DC7D817542D0}"/>
                     </a:ext>
                   </a:extLst>
                 </p:cNvPr>
@@ -5593,8 +7497,8 @@
               </p:nvSpPr>
               <p:spPr>
                 <a:xfrm>
-                  <a:off x="2589832" y="3950637"/>
-                  <a:ext cx="724395" cy="369332"/>
+                  <a:off x="5341745" y="1734333"/>
+                  <a:ext cx="1208137" cy="338554"/>
                 </a:xfrm>
                 <a:prstGeom prst="rect">
                   <a:avLst/>
@@ -5602,89 +7506,313 @@
                 <a:noFill/>
               </p:spPr>
               <p:txBody>
-                <a:bodyPr wrap="square" rtlCol="0">
+                <a:bodyPr wrap="square">
                   <a:spAutoFit/>
                 </a:bodyPr>
                 <a:lstStyle/>
                 <a:p>
-                  <a14:m>
-                    <m:oMathPara xmlns:m="http://schemas.openxmlformats.org/officeDocument/2006/math">
-                      <m:oMathParaPr>
-                        <m:jc m:val="centerGroup"/>
-                      </m:oMathParaPr>
-                      <m:oMath xmlns:m="http://schemas.openxmlformats.org/officeDocument/2006/math">
-                        <m:r>
-                          <a:rPr lang="en-US" b="0" i="1" smtClean="0">
-                            <a:solidFill>
-                              <a:srgbClr val="0C2240"/>
-                            </a:solidFill>
-                            <a:latin typeface="Cambria Math" panose="02040503050406030204" pitchFamily="18" charset="0"/>
-                          </a:rPr>
-                          <m:t>𝜂</m:t>
-                        </m:r>
-                      </m:oMath>
-                    </m:oMathPara>
-                  </a14:m>
-                  <a:endParaRPr lang="en-US" b="0" dirty="0">
-                    <a:solidFill>
-                      <a:srgbClr val="0C2240"/>
-                    </a:solidFill>
-                  </a:endParaRPr>
+                  <a:r>
+                    <a:rPr lang="en-US" sz="1600" dirty="0">
+                      <a:solidFill>
+                        <a:srgbClr val="0C2340"/>
+                      </a:solidFill>
+                      <a:latin typeface="CMU Serif Roman" panose="02000603000000000000" pitchFamily="2" charset="0"/>
+                      <a:ea typeface="CMU Serif Roman" panose="02000603000000000000" pitchFamily="2" charset="0"/>
+                      <a:cs typeface="CMU Serif Roman" panose="02000603000000000000" pitchFamily="2" charset="0"/>
+                    </a:rPr>
+                    <a:t>ΔR = 0.3</a:t>
+                  </a:r>
+                  <a:endParaRPr lang="en-US" sz="1600" dirty="0"/>
                 </a:p>
               </p:txBody>
             </p:sp>
-          </mc:Choice>
-          <mc:Fallback>
-            <p:sp>
-              <p:nvSpPr>
-                <p:cNvPr id="21" name="TextBox 20">
-                  <a:extLst>
-                    <a:ext uri="{FF2B5EF4-FFF2-40B4-BE49-F238E27FC236}">
-                      <a16:creationId xmlns:a16="http://schemas.microsoft.com/office/drawing/2014/main" id="{37B45525-F66A-C952-C4FD-C9D55118FE45}"/>
-                    </a:ext>
-                  </a:extLst>
-                </p:cNvPr>
-                <p:cNvSpPr txBox="1">
-                  <a:spLocks noRot="1" noChangeAspect="1" noMove="1" noResize="1" noEditPoints="1" noAdjustHandles="1" noChangeArrowheads="1" noChangeShapeType="1" noTextEdit="1"/>
-                </p:cNvSpPr>
-                <p:nvPr/>
-              </p:nvSpPr>
-              <p:spPr>
-                <a:xfrm>
-                  <a:off x="2589832" y="3950637"/>
-                  <a:ext cx="724395" cy="369332"/>
-                </a:xfrm>
-                <a:prstGeom prst="rect">
-                  <a:avLst/>
-                </a:prstGeom>
-                <a:blipFill>
-                  <a:blip r:embed="rId3"/>
-                  <a:stretch>
-                    <a:fillRect b="-6667"/>
-                  </a:stretch>
-                </a:blipFill>
-              </p:spPr>
-              <p:txBody>
-                <a:bodyPr/>
-                <a:lstStyle/>
-                <a:p>
-                  <a:r>
-                    <a:rPr lang="en-US">
-                      <a:noFill/>
-                    </a:rPr>
-                    <a:t> </a:t>
-                  </a:r>
-                </a:p>
-              </p:txBody>
-            </p:sp>
-          </mc:Fallback>
-        </mc:AlternateContent>
+          </p:grpSp>
+          <mc:AlternateContent xmlns:mc="http://schemas.openxmlformats.org/markup-compatibility/2006">
+            <mc:Choice xmlns:a14="http://schemas.microsoft.com/office/drawing/2010/main" Requires="a14">
+              <p:sp>
+                <p:nvSpPr>
+                  <p:cNvPr id="41" name="TextBox 40">
+                    <a:extLst>
+                      <a:ext uri="{FF2B5EF4-FFF2-40B4-BE49-F238E27FC236}">
+                        <a16:creationId xmlns:a16="http://schemas.microsoft.com/office/drawing/2014/main" id="{BC85D4AB-452D-9AC5-F54D-B067E00C9B01}"/>
+                      </a:ext>
+                    </a:extLst>
+                  </p:cNvPr>
+                  <p:cNvSpPr txBox="1"/>
+                  <p:nvPr/>
+                </p:nvSpPr>
+                <p:spPr>
+                  <a:xfrm>
+                    <a:off x="4417801" y="1759908"/>
+                    <a:ext cx="522835" cy="372731"/>
+                  </a:xfrm>
+                  <a:prstGeom prst="rect">
+                    <a:avLst/>
+                  </a:prstGeom>
+                  <a:noFill/>
+                </p:spPr>
+                <p:txBody>
+                  <a:bodyPr wrap="none" rtlCol="0">
+                    <a:spAutoFit/>
+                  </a:bodyPr>
+                  <a:lstStyle/>
+                  <a:p>
+                    <a14:m>
+                      <m:oMathPara xmlns:m="http://schemas.openxmlformats.org/officeDocument/2006/math">
+                        <m:oMathParaPr>
+                          <m:jc m:val="centerGroup"/>
+                        </m:oMathParaPr>
+                        <m:oMath xmlns:m="http://schemas.openxmlformats.org/officeDocument/2006/math">
+                          <m:sSup>
+                            <m:sSupPr>
+                              <m:ctrlPr>
+                                <a:rPr lang="en-US" b="0" i="1" smtClean="0">
+                                  <a:latin typeface="Cambria Math" panose="02040503050406030204" pitchFamily="18" charset="0"/>
+                                </a:rPr>
+                              </m:ctrlPr>
+                            </m:sSupPr>
+                            <m:e>
+                              <m:r>
+                                <a:rPr lang="en-US" b="0" i="1" smtClean="0">
+                                  <a:latin typeface="Cambria Math" panose="02040503050406030204" pitchFamily="18" charset="0"/>
+                                </a:rPr>
+                                <m:t>𝜋</m:t>
+                              </m:r>
+                            </m:e>
+                            <m:sup>
+                              <m:r>
+                                <a:rPr lang="en-US" b="0" i="1" smtClean="0">
+                                  <a:latin typeface="Cambria Math" panose="02040503050406030204" pitchFamily="18" charset="0"/>
+                                </a:rPr>
+                                <m:t>±</m:t>
+                              </m:r>
+                            </m:sup>
+                          </m:sSup>
+                        </m:oMath>
+                      </m:oMathPara>
+                    </a14:m>
+                    <a:endParaRPr lang="en-US" dirty="0"/>
+                  </a:p>
+                </p:txBody>
+              </p:sp>
+            </mc:Choice>
+            <mc:Fallback>
+              <p:sp>
+                <p:nvSpPr>
+                  <p:cNvPr id="41" name="TextBox 40">
+                    <a:extLst>
+                      <a:ext uri="{FF2B5EF4-FFF2-40B4-BE49-F238E27FC236}">
+                        <a16:creationId xmlns:a16="http://schemas.microsoft.com/office/drawing/2014/main" id="{BC85D4AB-452D-9AC5-F54D-B067E00C9B01}"/>
+                      </a:ext>
+                    </a:extLst>
+                  </p:cNvPr>
+                  <p:cNvSpPr txBox="1">
+                    <a:spLocks noRot="1" noChangeAspect="1" noMove="1" noResize="1" noEditPoints="1" noAdjustHandles="1" noChangeArrowheads="1" noChangeShapeType="1" noTextEdit="1"/>
+                  </p:cNvSpPr>
+                  <p:nvPr/>
+                </p:nvSpPr>
+                <p:spPr>
+                  <a:xfrm>
+                    <a:off x="4417801" y="1759908"/>
+                    <a:ext cx="522835" cy="372731"/>
+                  </a:xfrm>
+                  <a:prstGeom prst="rect">
+                    <a:avLst/>
+                  </a:prstGeom>
+                  <a:blipFill>
+                    <a:blip r:embed="rId4"/>
+                    <a:stretch>
+                      <a:fillRect/>
+                    </a:stretch>
+                  </a:blipFill>
+                </p:spPr>
+                <p:txBody>
+                  <a:bodyPr/>
+                  <a:lstStyle/>
+                  <a:p>
+                    <a:r>
+                      <a:rPr lang="en-US">
+                        <a:noFill/>
+                      </a:rPr>
+                      <a:t> </a:t>
+                    </a:r>
+                  </a:p>
+                </p:txBody>
+              </p:sp>
+            </mc:Fallback>
+          </mc:AlternateContent>
+          <mc:AlternateContent xmlns:mc="http://schemas.openxmlformats.org/markup-compatibility/2006">
+            <mc:Choice xmlns:a14="http://schemas.microsoft.com/office/drawing/2010/main" Requires="a14">
+              <p:sp>
+                <p:nvSpPr>
+                  <p:cNvPr id="42" name="TextBox 41">
+                    <a:extLst>
+                      <a:ext uri="{FF2B5EF4-FFF2-40B4-BE49-F238E27FC236}">
+                        <a16:creationId xmlns:a16="http://schemas.microsoft.com/office/drawing/2014/main" id="{DC49D66E-D8D3-B8B3-8244-50C17188688F}"/>
+                      </a:ext>
+                    </a:extLst>
+                  </p:cNvPr>
+                  <p:cNvSpPr txBox="1"/>
+                  <p:nvPr/>
+                </p:nvSpPr>
+                <p:spPr>
+                  <a:xfrm>
+                    <a:off x="6729947" y="1966210"/>
+                    <a:ext cx="522835" cy="372731"/>
+                  </a:xfrm>
+                  <a:prstGeom prst="rect">
+                    <a:avLst/>
+                  </a:prstGeom>
+                  <a:noFill/>
+                </p:spPr>
+                <p:txBody>
+                  <a:bodyPr wrap="none" rtlCol="0">
+                    <a:spAutoFit/>
+                  </a:bodyPr>
+                  <a:lstStyle/>
+                  <a:p>
+                    <a14:m>
+                      <m:oMathPara xmlns:m="http://schemas.openxmlformats.org/officeDocument/2006/math">
+                        <m:oMathParaPr>
+                          <m:jc m:val="centerGroup"/>
+                        </m:oMathParaPr>
+                        <m:oMath xmlns:m="http://schemas.openxmlformats.org/officeDocument/2006/math">
+                          <m:sSup>
+                            <m:sSupPr>
+                              <m:ctrlPr>
+                                <a:rPr lang="en-US" b="0" i="1" smtClean="0">
+                                  <a:latin typeface="Cambria Math" panose="02040503050406030204" pitchFamily="18" charset="0"/>
+                                </a:rPr>
+                              </m:ctrlPr>
+                            </m:sSupPr>
+                            <m:e>
+                              <m:r>
+                                <a:rPr lang="en-US" b="0" i="1" smtClean="0">
+                                  <a:latin typeface="Cambria Math" panose="02040503050406030204" pitchFamily="18" charset="0"/>
+                                </a:rPr>
+                                <m:t>𝜋</m:t>
+                              </m:r>
+                            </m:e>
+                            <m:sup>
+                              <m:r>
+                                <a:rPr lang="en-US" b="0" i="1" smtClean="0">
+                                  <a:latin typeface="Cambria Math" panose="02040503050406030204" pitchFamily="18" charset="0"/>
+                                </a:rPr>
+                                <m:t>±</m:t>
+                              </m:r>
+                            </m:sup>
+                          </m:sSup>
+                        </m:oMath>
+                      </m:oMathPara>
+                    </a14:m>
+                    <a:endParaRPr lang="en-US" dirty="0"/>
+                  </a:p>
+                </p:txBody>
+              </p:sp>
+            </mc:Choice>
+            <mc:Fallback>
+              <p:sp>
+                <p:nvSpPr>
+                  <p:cNvPr id="42" name="TextBox 41">
+                    <a:extLst>
+                      <a:ext uri="{FF2B5EF4-FFF2-40B4-BE49-F238E27FC236}">
+                        <a16:creationId xmlns:a16="http://schemas.microsoft.com/office/drawing/2014/main" id="{DC49D66E-D8D3-B8B3-8244-50C17188688F}"/>
+                      </a:ext>
+                    </a:extLst>
+                  </p:cNvPr>
+                  <p:cNvSpPr txBox="1">
+                    <a:spLocks noRot="1" noChangeAspect="1" noMove="1" noResize="1" noEditPoints="1" noAdjustHandles="1" noChangeArrowheads="1" noChangeShapeType="1" noTextEdit="1"/>
+                  </p:cNvSpPr>
+                  <p:nvPr/>
+                </p:nvSpPr>
+                <p:spPr>
+                  <a:xfrm>
+                    <a:off x="6729947" y="1966210"/>
+                    <a:ext cx="522835" cy="372731"/>
+                  </a:xfrm>
+                  <a:prstGeom prst="rect">
+                    <a:avLst/>
+                  </a:prstGeom>
+                  <a:blipFill>
+                    <a:blip r:embed="rId5"/>
+                    <a:stretch>
+                      <a:fillRect/>
+                    </a:stretch>
+                  </a:blipFill>
+                </p:spPr>
+                <p:txBody>
+                  <a:bodyPr/>
+                  <a:lstStyle/>
+                  <a:p>
+                    <a:r>
+                      <a:rPr lang="en-US">
+                        <a:noFill/>
+                      </a:rPr>
+                      <a:t> </a:t>
+                    </a:r>
+                  </a:p>
+                </p:txBody>
+              </p:sp>
+            </mc:Fallback>
+          </mc:AlternateContent>
+        </p:grpSp>
+      </p:grpSp>
+    </p:spTree>
+    <p:extLst>
+      <p:ext uri="{BB962C8B-B14F-4D97-AF65-F5344CB8AC3E}">
+        <p14:creationId xmlns:p14="http://schemas.microsoft.com/office/powerpoint/2010/main" val="3393436074"/>
+      </p:ext>
+    </p:extLst>
+  </p:cSld>
+  <p:clrMapOvr>
+    <a:masterClrMapping/>
+  </p:clrMapOvr>
+</p:sld>
+</file>
+
+<file path=ppt/slides/slide6.xml><?xml version="1.0" encoding="utf-8"?>
+<p:sld xmlns:a="http://schemas.openxmlformats.org/drawingml/2006/main" xmlns:r="http://schemas.openxmlformats.org/officeDocument/2006/relationships" xmlns:p="http://schemas.openxmlformats.org/presentationml/2006/main">
+  <p:cSld>
+    <p:spTree>
+      <p:nvGrpSpPr>
+        <p:cNvPr id="1" name=""/>
+        <p:cNvGrpSpPr/>
+        <p:nvPr/>
+      </p:nvGrpSpPr>
+      <p:grpSpPr>
+        <a:xfrm>
+          <a:off x="0" y="0"/>
+          <a:ext cx="0" cy="0"/>
+          <a:chOff x="0" y="0"/>
+          <a:chExt cx="0" cy="0"/>
+        </a:xfrm>
+      </p:grpSpPr>
+      <p:grpSp>
+        <p:nvGrpSpPr>
+          <p:cNvPr id="46" name="Group 45">
+            <a:extLst>
+              <a:ext uri="{FF2B5EF4-FFF2-40B4-BE49-F238E27FC236}">
+                <a16:creationId xmlns:a16="http://schemas.microsoft.com/office/drawing/2014/main" id="{1DFE4A9E-C440-F292-2FE6-B8E1494B7A58}"/>
+              </a:ext>
+            </a:extLst>
+          </p:cNvPr>
+          <p:cNvGrpSpPr/>
+          <p:nvPr/>
+        </p:nvGrpSpPr>
+        <p:grpSpPr>
+          <a:xfrm>
+            <a:off x="2876159" y="687720"/>
+            <a:ext cx="4688337" cy="4248231"/>
+            <a:chOff x="2876159" y="687720"/>
+            <a:chExt cx="4688337" cy="4248231"/>
+          </a:xfrm>
+        </p:grpSpPr>
         <p:sp>
           <p:nvSpPr>
-            <p:cNvPr id="22" name="Circular Arrow 21">
+            <p:cNvPr id="45" name="Data 44">
               <a:extLst>
                 <a:ext uri="{FF2B5EF4-FFF2-40B4-BE49-F238E27FC236}">
-                  <a16:creationId xmlns:a16="http://schemas.microsoft.com/office/drawing/2014/main" id="{08B6A07C-BB48-BBEA-B59A-66CF28671B1A}"/>
+                  <a16:creationId xmlns:a16="http://schemas.microsoft.com/office/drawing/2014/main" id="{67C7D482-FC08-B82E-2788-6617B65ADB8D}"/>
                 </a:ext>
               </a:extLst>
             </p:cNvPr>
@@ -5692,21 +7820,1711 @@
             <p:nvPr/>
           </p:nvSpPr>
           <p:spPr>
-            <a:xfrm rot="16399594">
-              <a:off x="2417071" y="2664087"/>
-              <a:ext cx="1183917" cy="890649"/>
+            <a:xfrm>
+              <a:off x="3681301" y="687720"/>
+              <a:ext cx="3883195" cy="980058"/>
             </a:xfrm>
-            <a:prstGeom prst="circularArrow">
-              <a:avLst>
-                <a:gd name="adj1" fmla="val 12500"/>
-                <a:gd name="adj2" fmla="val 1022270"/>
-                <a:gd name="adj3" fmla="val 20457681"/>
-                <a:gd name="adj4" fmla="val 11560992"/>
-                <a:gd name="adj5" fmla="val 16363"/>
-              </a:avLst>
+            <a:prstGeom prst="flowChartInputOutput">
+              <a:avLst/>
             </a:prstGeom>
             <a:solidFill>
-              <a:srgbClr val="0C2140"/>
+              <a:schemeClr val="accent6">
+                <a:lumMod val="20000"/>
+                <a:lumOff val="80000"/>
+              </a:schemeClr>
+            </a:solidFill>
+            <a:ln>
+              <a:noFill/>
+            </a:ln>
+            <a:effectLst>
+              <a:softEdge rad="25400"/>
+            </a:effectLst>
+          </p:spPr>
+          <p:style>
+            <a:lnRef idx="2">
+              <a:schemeClr val="accent1">
+                <a:shade val="15000"/>
+              </a:schemeClr>
+            </a:lnRef>
+            <a:fillRef idx="1">
+              <a:schemeClr val="accent1"/>
+            </a:fillRef>
+            <a:effectRef idx="0">
+              <a:schemeClr val="accent1"/>
+            </a:effectRef>
+            <a:fontRef idx="minor">
+              <a:schemeClr val="lt1"/>
+            </a:fontRef>
+          </p:style>
+          <p:txBody>
+            <a:bodyPr rtlCol="0" anchor="ctr"/>
+            <a:lstStyle/>
+            <a:p>
+              <a:pPr algn="ctr"/>
+              <a:endParaRPr lang="en-US"/>
+            </a:p>
+          </p:txBody>
+        </p:sp>
+        <p:grpSp>
+          <p:nvGrpSpPr>
+            <p:cNvPr id="44" name="Group 43">
+              <a:extLst>
+                <a:ext uri="{FF2B5EF4-FFF2-40B4-BE49-F238E27FC236}">
+                  <a16:creationId xmlns:a16="http://schemas.microsoft.com/office/drawing/2014/main" id="{C5CE69F9-9525-D2F1-29BA-1DE9421C5F4D}"/>
+                </a:ext>
+              </a:extLst>
+            </p:cNvPr>
+            <p:cNvGrpSpPr/>
+            <p:nvPr/>
+          </p:nvGrpSpPr>
+          <p:grpSpPr>
+            <a:xfrm>
+              <a:off x="2876159" y="815431"/>
+              <a:ext cx="4578502" cy="4120520"/>
+              <a:chOff x="2876159" y="815431"/>
+              <a:chExt cx="4578502" cy="4120520"/>
+            </a:xfrm>
+          </p:grpSpPr>
+          <p:grpSp>
+            <p:nvGrpSpPr>
+              <p:cNvPr id="40" name="Group 39">
+                <a:extLst>
+                  <a:ext uri="{FF2B5EF4-FFF2-40B4-BE49-F238E27FC236}">
+                    <a16:creationId xmlns:a16="http://schemas.microsoft.com/office/drawing/2014/main" id="{FF086F43-9A2E-4D7A-E9BA-5C539DC98FBC}"/>
+                  </a:ext>
+                </a:extLst>
+              </p:cNvPr>
+              <p:cNvGrpSpPr/>
+              <p:nvPr/>
+            </p:nvGrpSpPr>
+            <p:grpSpPr>
+              <a:xfrm>
+                <a:off x="2876159" y="815431"/>
+                <a:ext cx="4578502" cy="4120520"/>
+                <a:chOff x="2876159" y="815431"/>
+                <a:chExt cx="4578502" cy="4120520"/>
+              </a:xfrm>
+            </p:grpSpPr>
+            <p:grpSp>
+              <p:nvGrpSpPr>
+                <p:cNvPr id="34" name="Group 33">
+                  <a:extLst>
+                    <a:ext uri="{FF2B5EF4-FFF2-40B4-BE49-F238E27FC236}">
+                      <a16:creationId xmlns:a16="http://schemas.microsoft.com/office/drawing/2014/main" id="{2C45B52C-89AB-312A-39F0-EDFE1A71370F}"/>
+                    </a:ext>
+                  </a:extLst>
+                </p:cNvPr>
+                <p:cNvGrpSpPr/>
+                <p:nvPr/>
+              </p:nvGrpSpPr>
+              <p:grpSpPr>
+                <a:xfrm>
+                  <a:off x="2876159" y="815431"/>
+                  <a:ext cx="4578502" cy="4120520"/>
+                  <a:chOff x="2876159" y="815431"/>
+                  <a:chExt cx="4578502" cy="4120520"/>
+                </a:xfrm>
+              </p:grpSpPr>
+              <p:grpSp>
+                <p:nvGrpSpPr>
+                  <p:cNvPr id="9" name="Group 8">
+                    <a:extLst>
+                      <a:ext uri="{FF2B5EF4-FFF2-40B4-BE49-F238E27FC236}">
+                        <a16:creationId xmlns:a16="http://schemas.microsoft.com/office/drawing/2014/main" id="{AF8DD381-5F3F-933B-E840-BBA4C368E76A}"/>
+                      </a:ext>
+                    </a:extLst>
+                  </p:cNvPr>
+                  <p:cNvGrpSpPr/>
+                  <p:nvPr/>
+                </p:nvGrpSpPr>
+                <p:grpSpPr>
+                  <a:xfrm>
+                    <a:off x="2876159" y="815431"/>
+                    <a:ext cx="4578502" cy="4120520"/>
+                    <a:chOff x="2923660" y="827306"/>
+                    <a:chExt cx="4578502" cy="4120520"/>
+                  </a:xfrm>
+                </p:grpSpPr>
+                <p:sp>
+                  <p:nvSpPr>
+                    <p:cNvPr id="4" name="Explosion 1 3">
+                      <a:extLst>
+                        <a:ext uri="{FF2B5EF4-FFF2-40B4-BE49-F238E27FC236}">
+                          <a16:creationId xmlns:a16="http://schemas.microsoft.com/office/drawing/2014/main" id="{3B09513B-648F-9C77-E3E8-870B4D876F8A}"/>
+                        </a:ext>
+                      </a:extLst>
+                    </p:cNvPr>
+                    <p:cNvSpPr/>
+                    <p:nvPr/>
+                  </p:nvSpPr>
+                  <p:spPr>
+                    <a:xfrm>
+                      <a:off x="5211538" y="827306"/>
+                      <a:ext cx="917724" cy="789767"/>
+                    </a:xfrm>
+                    <a:prstGeom prst="irregularSeal1">
+                      <a:avLst/>
+                    </a:prstGeom>
+                    <a:solidFill>
+                      <a:srgbClr val="D39F10"/>
+                    </a:solidFill>
+                  </p:spPr>
+                  <p:style>
+                    <a:lnRef idx="2">
+                      <a:schemeClr val="accent1">
+                        <a:shade val="15000"/>
+                      </a:schemeClr>
+                    </a:lnRef>
+                    <a:fillRef idx="1">
+                      <a:schemeClr val="accent1"/>
+                    </a:fillRef>
+                    <a:effectRef idx="0">
+                      <a:schemeClr val="accent1"/>
+                    </a:effectRef>
+                    <a:fontRef idx="minor">
+                      <a:schemeClr val="lt1"/>
+                    </a:fontRef>
+                  </p:style>
+                  <p:txBody>
+                    <a:bodyPr rtlCol="0" anchor="ctr"/>
+                    <a:lstStyle/>
+                    <a:p>
+                      <a:pPr algn="ctr"/>
+                      <a:endParaRPr lang="en-US" dirty="0">
+                        <a:highlight>
+                          <a:srgbClr val="0C2140"/>
+                        </a:highlight>
+                      </a:endParaRPr>
+                    </a:p>
+                  </p:txBody>
+                </p:sp>
+                <mc:AlternateContent xmlns:mc="http://schemas.openxmlformats.org/markup-compatibility/2006">
+                  <mc:Choice xmlns:a14="http://schemas.microsoft.com/office/drawing/2010/main" Requires="a14">
+                    <p:sp>
+                      <p:nvSpPr>
+                        <p:cNvPr id="2" name="TextBox 1">
+                          <a:extLst>
+                            <a:ext uri="{FF2B5EF4-FFF2-40B4-BE49-F238E27FC236}">
+                              <a16:creationId xmlns:a16="http://schemas.microsoft.com/office/drawing/2014/main" id="{12360B00-68E5-3ED8-C268-9E19D15FE250}"/>
+                            </a:ext>
+                          </a:extLst>
+                        </p:cNvPr>
+                        <p:cNvSpPr txBox="1"/>
+                        <p:nvPr/>
+                      </p:nvSpPr>
+                      <p:spPr>
+                        <a:xfrm>
+                          <a:off x="2923660" y="3875293"/>
+                          <a:ext cx="724395" cy="461665"/>
+                        </a:xfrm>
+                        <a:prstGeom prst="rect">
+                          <a:avLst/>
+                        </a:prstGeom>
+                        <a:noFill/>
+                      </p:spPr>
+                      <p:txBody>
+                        <a:bodyPr wrap="square" rtlCol="0">
+                          <a:spAutoFit/>
+                        </a:bodyPr>
+                        <a:lstStyle/>
+                        <a:p>
+                          <a14:m>
+                            <m:oMathPara xmlns:m="http://schemas.openxmlformats.org/officeDocument/2006/math">
+                              <m:oMathParaPr>
+                                <m:jc m:val="centerGroup"/>
+                              </m:oMathParaPr>
+                              <m:oMath xmlns:m="http://schemas.openxmlformats.org/officeDocument/2006/math">
+                                <m:r>
+                                  <a:rPr lang="en-US" sz="2400" b="0" i="1" smtClean="0">
+                                    <a:solidFill>
+                                      <a:srgbClr val="0C2240"/>
+                                    </a:solidFill>
+                                    <a:latin typeface="Cambria Math" panose="02040503050406030204" pitchFamily="18" charset="0"/>
+                                  </a:rPr>
+                                  <m:t>𝜂</m:t>
+                                </m:r>
+                              </m:oMath>
+                            </m:oMathPara>
+                          </a14:m>
+                          <a:endParaRPr lang="en-US" sz="2400" b="0" dirty="0">
+                            <a:solidFill>
+                              <a:srgbClr val="0C2240"/>
+                            </a:solidFill>
+                          </a:endParaRPr>
+                        </a:p>
+                      </p:txBody>
+                    </p:sp>
+                  </mc:Choice>
+                  <mc:Fallback>
+                    <p:sp>
+                      <p:nvSpPr>
+                        <p:cNvPr id="2" name="TextBox 1">
+                          <a:extLst>
+                            <a:ext uri="{FF2B5EF4-FFF2-40B4-BE49-F238E27FC236}">
+                              <a16:creationId xmlns:a16="http://schemas.microsoft.com/office/drawing/2014/main" id="{12360B00-68E5-3ED8-C268-9E19D15FE250}"/>
+                            </a:ext>
+                          </a:extLst>
+                        </p:cNvPr>
+                        <p:cNvSpPr txBox="1">
+                          <a:spLocks noRot="1" noChangeAspect="1" noMove="1" noResize="1" noEditPoints="1" noAdjustHandles="1" noChangeArrowheads="1" noChangeShapeType="1" noTextEdit="1"/>
+                        </p:cNvSpPr>
+                        <p:nvPr/>
+                      </p:nvSpPr>
+                      <p:spPr>
+                        <a:xfrm>
+                          <a:off x="2923660" y="3875293"/>
+                          <a:ext cx="724395" cy="461665"/>
+                        </a:xfrm>
+                        <a:prstGeom prst="rect">
+                          <a:avLst/>
+                        </a:prstGeom>
+                        <a:blipFill>
+                          <a:blip r:embed="rId2"/>
+                          <a:stretch>
+                            <a:fillRect b="-10811"/>
+                          </a:stretch>
+                        </a:blipFill>
+                      </p:spPr>
+                      <p:txBody>
+                        <a:bodyPr/>
+                        <a:lstStyle/>
+                        <a:p>
+                          <a:r>
+                            <a:rPr lang="en-US">
+                              <a:noFill/>
+                            </a:rPr>
+                            <a:t> </a:t>
+                          </a:r>
+                        </a:p>
+                      </p:txBody>
+                    </p:sp>
+                  </mc:Fallback>
+                </mc:AlternateContent>
+                <p:cxnSp>
+                  <p:nvCxnSpPr>
+                    <p:cNvPr id="3" name="Straight Arrow Connector 2">
+                      <a:extLst>
+                        <a:ext uri="{FF2B5EF4-FFF2-40B4-BE49-F238E27FC236}">
+                          <a16:creationId xmlns:a16="http://schemas.microsoft.com/office/drawing/2014/main" id="{3087120F-408D-5698-5869-B25253488781}"/>
+                        </a:ext>
+                      </a:extLst>
+                    </p:cNvPr>
+                    <p:cNvCxnSpPr>
+                      <a:cxnSpLocks/>
+                    </p:cNvCxnSpPr>
+                    <p:nvPr/>
+                  </p:nvCxnSpPr>
+                  <p:spPr>
+                    <a:xfrm flipV="1">
+                      <a:off x="3285857" y="2102273"/>
+                      <a:ext cx="0" cy="1773020"/>
+                    </a:xfrm>
+                    <a:prstGeom prst="straightConnector1">
+                      <a:avLst/>
+                    </a:prstGeom>
+                    <a:ln w="25400">
+                      <a:solidFill>
+                        <a:srgbClr val="0C2140"/>
+                      </a:solidFill>
+                      <a:tailEnd type="triangle"/>
+                    </a:ln>
+                  </p:spPr>
+                  <p:style>
+                    <a:lnRef idx="1">
+                      <a:schemeClr val="accent1"/>
+                    </a:lnRef>
+                    <a:fillRef idx="0">
+                      <a:schemeClr val="accent1"/>
+                    </a:fillRef>
+                    <a:effectRef idx="0">
+                      <a:schemeClr val="accent1"/>
+                    </a:effectRef>
+                    <a:fontRef idx="minor">
+                      <a:schemeClr val="tx1"/>
+                    </a:fontRef>
+                  </p:style>
+                </p:cxnSp>
+                <mc:AlternateContent xmlns:mc="http://schemas.openxmlformats.org/markup-compatibility/2006">
+                  <mc:Choice xmlns:a14="http://schemas.microsoft.com/office/drawing/2010/main" Requires="a14">
+                    <p:sp>
+                      <p:nvSpPr>
+                        <p:cNvPr id="5" name="TextBox 4">
+                          <a:extLst>
+                            <a:ext uri="{FF2B5EF4-FFF2-40B4-BE49-F238E27FC236}">
+                              <a16:creationId xmlns:a16="http://schemas.microsoft.com/office/drawing/2014/main" id="{E0118863-CC5C-BDB2-FD64-5857628668E2}"/>
+                            </a:ext>
+                          </a:extLst>
+                        </p:cNvPr>
+                        <p:cNvSpPr txBox="1"/>
+                        <p:nvPr/>
+                      </p:nvSpPr>
+                      <p:spPr>
+                        <a:xfrm>
+                          <a:off x="3260189" y="4486161"/>
+                          <a:ext cx="724395" cy="461665"/>
+                        </a:xfrm>
+                        <a:prstGeom prst="rect">
+                          <a:avLst/>
+                        </a:prstGeom>
+                        <a:noFill/>
+                      </p:spPr>
+                      <p:txBody>
+                        <a:bodyPr wrap="square" rtlCol="0">
+                          <a:spAutoFit/>
+                        </a:bodyPr>
+                        <a:lstStyle/>
+                        <a:p>
+                          <a14:m>
+                            <m:oMathPara xmlns:m="http://schemas.openxmlformats.org/officeDocument/2006/math">
+                              <m:oMathParaPr>
+                                <m:jc m:val="centerGroup"/>
+                              </m:oMathParaPr>
+                              <m:oMath xmlns:m="http://schemas.openxmlformats.org/officeDocument/2006/math">
+                                <m:r>
+                                  <m:rPr>
+                                    <m:sty m:val="p"/>
+                                  </m:rPr>
+                                  <a:rPr lang="en-US" sz="2400" b="0" i="1" smtClean="0">
+                                    <a:solidFill>
+                                      <a:srgbClr val="0C2240"/>
+                                    </a:solidFill>
+                                    <a:latin typeface="Cambria Math" panose="02040503050406030204" pitchFamily="18" charset="0"/>
+                                  </a:rPr>
+                                  <m:t>ϕ</m:t>
+                                </m:r>
+                              </m:oMath>
+                            </m:oMathPara>
+                          </a14:m>
+                          <a:endParaRPr lang="en-US" sz="2400" b="0" dirty="0">
+                            <a:solidFill>
+                              <a:srgbClr val="0C2240"/>
+                            </a:solidFill>
+                          </a:endParaRPr>
+                        </a:p>
+                      </p:txBody>
+                    </p:sp>
+                  </mc:Choice>
+                  <mc:Fallback>
+                    <p:sp>
+                      <p:nvSpPr>
+                        <p:cNvPr id="5" name="TextBox 4">
+                          <a:extLst>
+                            <a:ext uri="{FF2B5EF4-FFF2-40B4-BE49-F238E27FC236}">
+                              <a16:creationId xmlns:a16="http://schemas.microsoft.com/office/drawing/2014/main" id="{E0118863-CC5C-BDB2-FD64-5857628668E2}"/>
+                            </a:ext>
+                          </a:extLst>
+                        </p:cNvPr>
+                        <p:cNvSpPr txBox="1">
+                          <a:spLocks noRot="1" noChangeAspect="1" noMove="1" noResize="1" noEditPoints="1" noAdjustHandles="1" noChangeArrowheads="1" noChangeShapeType="1" noTextEdit="1"/>
+                        </p:cNvSpPr>
+                        <p:nvPr/>
+                      </p:nvSpPr>
+                      <p:spPr>
+                        <a:xfrm>
+                          <a:off x="3260189" y="4486161"/>
+                          <a:ext cx="724395" cy="461665"/>
+                        </a:xfrm>
+                        <a:prstGeom prst="rect">
+                          <a:avLst/>
+                        </a:prstGeom>
+                        <a:blipFill>
+                          <a:blip r:embed="rId3"/>
+                          <a:stretch>
+                            <a:fillRect b="-16216"/>
+                          </a:stretch>
+                        </a:blipFill>
+                      </p:spPr>
+                      <p:txBody>
+                        <a:bodyPr/>
+                        <a:lstStyle/>
+                        <a:p>
+                          <a:r>
+                            <a:rPr lang="en-US">
+                              <a:noFill/>
+                            </a:rPr>
+                            <a:t> </a:t>
+                          </a:r>
+                        </a:p>
+                      </p:txBody>
+                    </p:sp>
+                  </mc:Fallback>
+                </mc:AlternateContent>
+                <p:cxnSp>
+                  <p:nvCxnSpPr>
+                    <p:cNvPr id="8" name="Straight Arrow Connector 7">
+                      <a:extLst>
+                        <a:ext uri="{FF2B5EF4-FFF2-40B4-BE49-F238E27FC236}">
+                          <a16:creationId xmlns:a16="http://schemas.microsoft.com/office/drawing/2014/main" id="{182142B5-2C37-EBC3-8A9D-C9C5A112B98F}"/>
+                        </a:ext>
+                      </a:extLst>
+                    </p:cNvPr>
+                    <p:cNvCxnSpPr>
+                      <a:cxnSpLocks/>
+                    </p:cNvCxnSpPr>
+                    <p:nvPr/>
+                  </p:nvCxnSpPr>
+                  <p:spPr>
+                    <a:xfrm flipV="1">
+                      <a:off x="3868313" y="4738105"/>
+                      <a:ext cx="3633849" cy="6536"/>
+                    </a:xfrm>
+                    <a:prstGeom prst="straightConnector1">
+                      <a:avLst/>
+                    </a:prstGeom>
+                    <a:ln w="25400">
+                      <a:solidFill>
+                        <a:srgbClr val="0C2140"/>
+                      </a:solidFill>
+                      <a:tailEnd type="triangle"/>
+                    </a:ln>
+                  </p:spPr>
+                  <p:style>
+                    <a:lnRef idx="1">
+                      <a:schemeClr val="accent1"/>
+                    </a:lnRef>
+                    <a:fillRef idx="0">
+                      <a:schemeClr val="accent1"/>
+                    </a:fillRef>
+                    <a:effectRef idx="0">
+                      <a:schemeClr val="accent1"/>
+                    </a:effectRef>
+                    <a:fontRef idx="minor">
+                      <a:schemeClr val="tx1"/>
+                    </a:fontRef>
+                  </p:style>
+                </p:cxnSp>
+              </p:grpSp>
+              <p:sp>
+                <p:nvSpPr>
+                  <p:cNvPr id="14" name="Can 13">
+                    <a:extLst>
+                      <a:ext uri="{FF2B5EF4-FFF2-40B4-BE49-F238E27FC236}">
+                        <a16:creationId xmlns:a16="http://schemas.microsoft.com/office/drawing/2014/main" id="{84B954A8-97C7-B24C-E0FD-E67143DA52D7}"/>
+                      </a:ext>
+                    </a:extLst>
+                  </p:cNvPr>
+                  <p:cNvSpPr/>
+                  <p:nvPr/>
+                </p:nvSpPr>
+                <p:spPr>
+                  <a:xfrm rot="5400000">
+                    <a:off x="4809423" y="2215770"/>
+                    <a:ext cx="1488821" cy="3511718"/>
+                  </a:xfrm>
+                  <a:prstGeom prst="can">
+                    <a:avLst>
+                      <a:gd name="adj" fmla="val 7036"/>
+                    </a:avLst>
+                  </a:prstGeom>
+                  <a:gradFill flip="none" rotWithShape="1">
+                    <a:gsLst>
+                      <a:gs pos="0">
+                        <a:srgbClr val="0C2140"/>
+                      </a:gs>
+                      <a:gs pos="100000">
+                        <a:schemeClr val="bg1"/>
+                      </a:gs>
+                    </a:gsLst>
+                    <a:lin ang="0" scaled="1"/>
+                    <a:tileRect/>
+                  </a:gradFill>
+                  <a:ln>
+                    <a:noFill/>
+                  </a:ln>
+                  <a:effectLst>
+                    <a:softEdge rad="0"/>
+                  </a:effectLst>
+                </p:spPr>
+                <p:style>
+                  <a:lnRef idx="2">
+                    <a:schemeClr val="accent1">
+                      <a:shade val="15000"/>
+                    </a:schemeClr>
+                  </a:lnRef>
+                  <a:fillRef idx="1">
+                    <a:schemeClr val="accent1"/>
+                  </a:fillRef>
+                  <a:effectRef idx="0">
+                    <a:schemeClr val="accent1"/>
+                  </a:effectRef>
+                  <a:fontRef idx="minor">
+                    <a:schemeClr val="lt1"/>
+                  </a:fontRef>
+                </p:style>
+                <p:txBody>
+                  <a:bodyPr rtlCol="0" anchor="ctr"/>
+                  <a:lstStyle/>
+                  <a:p>
+                    <a:pPr algn="ctr"/>
+                    <a:endParaRPr lang="en-US"/>
+                  </a:p>
+                </p:txBody>
+              </p:sp>
+              <p:sp>
+                <p:nvSpPr>
+                  <p:cNvPr id="11" name="Trapezoid 10">
+                    <a:extLst>
+                      <a:ext uri="{FF2B5EF4-FFF2-40B4-BE49-F238E27FC236}">
+                        <a16:creationId xmlns:a16="http://schemas.microsoft.com/office/drawing/2014/main" id="{BF2D465E-21CF-E629-73BF-0F7404BDD5F4}"/>
+                      </a:ext>
+                    </a:extLst>
+                  </p:cNvPr>
+                  <p:cNvSpPr/>
+                  <p:nvPr/>
+                </p:nvSpPr>
+                <p:spPr>
+                  <a:xfrm rot="10800000">
+                    <a:off x="4813289" y="1717644"/>
+                    <a:ext cx="1600126" cy="2145774"/>
+                  </a:xfrm>
+                  <a:prstGeom prst="trapezoid">
+                    <a:avLst>
+                      <a:gd name="adj" fmla="val 39287"/>
+                    </a:avLst>
+                  </a:prstGeom>
+                  <a:solidFill>
+                    <a:srgbClr val="D39F10">
+                      <a:alpha val="20000"/>
+                    </a:srgbClr>
+                  </a:solidFill>
+                  <a:effectLst>
+                    <a:softEdge rad="25400"/>
+                  </a:effectLst>
+                </p:spPr>
+                <p:style>
+                  <a:lnRef idx="2">
+                    <a:schemeClr val="accent1">
+                      <a:shade val="15000"/>
+                    </a:schemeClr>
+                  </a:lnRef>
+                  <a:fillRef idx="1">
+                    <a:schemeClr val="accent1"/>
+                  </a:fillRef>
+                  <a:effectRef idx="0">
+                    <a:schemeClr val="accent1"/>
+                  </a:effectRef>
+                  <a:fontRef idx="minor">
+                    <a:schemeClr val="lt1"/>
+                  </a:fontRef>
+                </p:style>
+                <p:txBody>
+                  <a:bodyPr rtlCol="0" anchor="ctr"/>
+                  <a:lstStyle/>
+                  <a:p>
+                    <a:pPr algn="ctr"/>
+                    <a:endParaRPr lang="en-US"/>
+                  </a:p>
+                </p:txBody>
+              </p:sp>
+            </p:grpSp>
+            <p:cxnSp>
+              <p:nvCxnSpPr>
+                <p:cNvPr id="36" name="Straight Arrow Connector 35">
+                  <a:extLst>
+                    <a:ext uri="{FF2B5EF4-FFF2-40B4-BE49-F238E27FC236}">
+                      <a16:creationId xmlns:a16="http://schemas.microsoft.com/office/drawing/2014/main" id="{AF426326-EAA6-3368-E732-23053E0D94CA}"/>
+                    </a:ext>
+                  </a:extLst>
+                </p:cNvPr>
+                <p:cNvCxnSpPr>
+                  <a:stCxn id="11" idx="2"/>
+                </p:cNvCxnSpPr>
+                <p:nvPr/>
+              </p:nvCxnSpPr>
+              <p:spPr>
+                <a:xfrm>
+                  <a:off x="5613352" y="1717644"/>
+                  <a:ext cx="800063" cy="0"/>
+                </a:xfrm>
+                <a:prstGeom prst="straightConnector1">
+                  <a:avLst/>
+                </a:prstGeom>
+                <a:ln w="19050">
+                  <a:solidFill>
+                    <a:srgbClr val="0C2240"/>
+                  </a:solidFill>
+                  <a:tailEnd type="triangle"/>
+                </a:ln>
+              </p:spPr>
+              <p:style>
+                <a:lnRef idx="1">
+                  <a:schemeClr val="accent1"/>
+                </a:lnRef>
+                <a:fillRef idx="0">
+                  <a:schemeClr val="accent1"/>
+                </a:fillRef>
+                <a:effectRef idx="0">
+                  <a:schemeClr val="accent1"/>
+                </a:effectRef>
+                <a:fontRef idx="minor">
+                  <a:schemeClr val="tx1"/>
+                </a:fontRef>
+              </p:style>
+            </p:cxnSp>
+            <p:sp>
+              <p:nvSpPr>
+                <p:cNvPr id="39" name="TextBox 38">
+                  <a:extLst>
+                    <a:ext uri="{FF2B5EF4-FFF2-40B4-BE49-F238E27FC236}">
+                      <a16:creationId xmlns:a16="http://schemas.microsoft.com/office/drawing/2014/main" id="{E9BE662C-6E21-FAB2-CDB7-DC7D817542D0}"/>
+                    </a:ext>
+                  </a:extLst>
+                </p:cNvPr>
+                <p:cNvSpPr txBox="1"/>
+                <p:nvPr/>
+              </p:nvSpPr>
+              <p:spPr>
+                <a:xfrm>
+                  <a:off x="5341745" y="1734333"/>
+                  <a:ext cx="1208137" cy="338554"/>
+                </a:xfrm>
+                <a:prstGeom prst="rect">
+                  <a:avLst/>
+                </a:prstGeom>
+                <a:noFill/>
+              </p:spPr>
+              <p:txBody>
+                <a:bodyPr wrap="square">
+                  <a:spAutoFit/>
+                </a:bodyPr>
+                <a:lstStyle/>
+                <a:p>
+                  <a:r>
+                    <a:rPr lang="en-US" sz="1600" dirty="0">
+                      <a:solidFill>
+                        <a:srgbClr val="0C2340"/>
+                      </a:solidFill>
+                      <a:latin typeface="CMU Serif Roman" panose="02000603000000000000" pitchFamily="2" charset="0"/>
+                      <a:ea typeface="CMU Serif Roman" panose="02000603000000000000" pitchFamily="2" charset="0"/>
+                      <a:cs typeface="CMU Serif Roman" panose="02000603000000000000" pitchFamily="2" charset="0"/>
+                    </a:rPr>
+                    <a:t>ΔR = 0.3</a:t>
+                  </a:r>
+                  <a:endParaRPr lang="en-US" sz="1600" dirty="0"/>
+                </a:p>
+              </p:txBody>
+            </p:sp>
+          </p:grpSp>
+          <p:cxnSp>
+            <p:nvCxnSpPr>
+              <p:cNvPr id="7" name="Straight Connector 6">
+                <a:extLst>
+                  <a:ext uri="{FF2B5EF4-FFF2-40B4-BE49-F238E27FC236}">
+                    <a16:creationId xmlns:a16="http://schemas.microsoft.com/office/drawing/2014/main" id="{A054E44B-13CF-E026-BA43-92EADE0F0153}"/>
+                  </a:ext>
+                </a:extLst>
+              </p:cNvPr>
+              <p:cNvCxnSpPr>
+                <a:cxnSpLocks/>
+              </p:cNvCxnSpPr>
+              <p:nvPr/>
+            </p:nvCxnSpPr>
+            <p:spPr>
+              <a:xfrm flipH="1" flipV="1">
+                <a:off x="4949952" y="1605198"/>
+                <a:ext cx="687784" cy="2540082"/>
+              </a:xfrm>
+              <a:prstGeom prst="line">
+                <a:avLst/>
+              </a:prstGeom>
+              <a:ln w="25400">
+                <a:solidFill>
+                  <a:srgbClr val="FF0000"/>
+                </a:solidFill>
+                <a:prstDash val="lgDash"/>
+              </a:ln>
+            </p:spPr>
+            <p:style>
+              <a:lnRef idx="1">
+                <a:schemeClr val="accent1"/>
+              </a:lnRef>
+              <a:fillRef idx="0">
+                <a:schemeClr val="accent1"/>
+              </a:fillRef>
+              <a:effectRef idx="0">
+                <a:schemeClr val="accent1"/>
+              </a:effectRef>
+              <a:fontRef idx="minor">
+                <a:schemeClr val="tx1"/>
+              </a:fontRef>
+            </p:style>
+          </p:cxnSp>
+          <p:cxnSp>
+            <p:nvCxnSpPr>
+              <p:cNvPr id="18" name="Straight Connector 17">
+                <a:extLst>
+                  <a:ext uri="{FF2B5EF4-FFF2-40B4-BE49-F238E27FC236}">
+                    <a16:creationId xmlns:a16="http://schemas.microsoft.com/office/drawing/2014/main" id="{9D87C3B0-9CCA-FF22-213C-1136BC189A08}"/>
+                  </a:ext>
+                </a:extLst>
+              </p:cNvPr>
+              <p:cNvCxnSpPr>
+                <a:cxnSpLocks/>
+              </p:cNvCxnSpPr>
+              <p:nvPr/>
+            </p:nvCxnSpPr>
+            <p:spPr>
+              <a:xfrm flipH="1" flipV="1">
+                <a:off x="5164037" y="1499616"/>
+                <a:ext cx="473699" cy="2645664"/>
+              </a:xfrm>
+              <a:prstGeom prst="line">
+                <a:avLst/>
+              </a:prstGeom>
+              <a:ln w="25400">
+                <a:solidFill>
+                  <a:srgbClr val="FF0000"/>
+                </a:solidFill>
+                <a:prstDash val="lgDash"/>
+              </a:ln>
+            </p:spPr>
+            <p:style>
+              <a:lnRef idx="1">
+                <a:schemeClr val="accent1"/>
+              </a:lnRef>
+              <a:fillRef idx="0">
+                <a:schemeClr val="accent1"/>
+              </a:fillRef>
+              <a:effectRef idx="0">
+                <a:schemeClr val="accent1"/>
+              </a:effectRef>
+              <a:fontRef idx="minor">
+                <a:schemeClr val="tx1"/>
+              </a:fontRef>
+            </p:style>
+          </p:cxnSp>
+          <p:cxnSp>
+            <p:nvCxnSpPr>
+              <p:cNvPr id="13" name="Straight Connector 12">
+                <a:extLst>
+                  <a:ext uri="{FF2B5EF4-FFF2-40B4-BE49-F238E27FC236}">
+                    <a16:creationId xmlns:a16="http://schemas.microsoft.com/office/drawing/2014/main" id="{F07DDF95-F51C-CDCD-F533-E762BDC80394}"/>
+                  </a:ext>
+                </a:extLst>
+              </p:cNvPr>
+              <p:cNvCxnSpPr>
+                <a:cxnSpLocks/>
+              </p:cNvCxnSpPr>
+              <p:nvPr/>
+            </p:nvCxnSpPr>
+            <p:spPr>
+              <a:xfrm flipV="1">
+                <a:off x="5637736" y="1207008"/>
+                <a:ext cx="472505" cy="2938272"/>
+              </a:xfrm>
+              <a:prstGeom prst="line">
+                <a:avLst/>
+              </a:prstGeom>
+              <a:ln w="25400">
+                <a:solidFill>
+                  <a:srgbClr val="FF0000"/>
+                </a:solidFill>
+                <a:prstDash val="lgDash"/>
+              </a:ln>
+            </p:spPr>
+            <p:style>
+              <a:lnRef idx="1">
+                <a:schemeClr val="accent1"/>
+              </a:lnRef>
+              <a:fillRef idx="0">
+                <a:schemeClr val="accent1"/>
+              </a:fillRef>
+              <a:effectRef idx="0">
+                <a:schemeClr val="accent1"/>
+              </a:effectRef>
+              <a:fontRef idx="minor">
+                <a:schemeClr val="tx1"/>
+              </a:fontRef>
+            </p:style>
+          </p:cxnSp>
+          <p:sp>
+            <p:nvSpPr>
+              <p:cNvPr id="35" name="Explosion 1 34">
+                <a:extLst>
+                  <a:ext uri="{FF2B5EF4-FFF2-40B4-BE49-F238E27FC236}">
+                    <a16:creationId xmlns:a16="http://schemas.microsoft.com/office/drawing/2014/main" id="{1755CB7D-32DB-CA74-AD4F-64999E27A04C}"/>
+                  </a:ext>
+                </a:extLst>
+              </p:cNvPr>
+              <p:cNvSpPr/>
+              <p:nvPr/>
+            </p:nvSpPr>
+            <p:spPr>
+              <a:xfrm>
+                <a:off x="6002513" y="1073897"/>
+                <a:ext cx="207264" cy="256032"/>
+              </a:xfrm>
+              <a:prstGeom prst="irregularSeal1">
+                <a:avLst/>
+              </a:prstGeom>
+              <a:solidFill>
+                <a:srgbClr val="FF0000"/>
+              </a:solidFill>
+              <a:ln>
+                <a:noFill/>
+              </a:ln>
+            </p:spPr>
+            <p:style>
+              <a:lnRef idx="2">
+                <a:schemeClr val="accent1">
+                  <a:shade val="15000"/>
+                </a:schemeClr>
+              </a:lnRef>
+              <a:fillRef idx="1">
+                <a:schemeClr val="accent1"/>
+              </a:fillRef>
+              <a:effectRef idx="0">
+                <a:schemeClr val="accent1"/>
+              </a:effectRef>
+              <a:fontRef idx="minor">
+                <a:schemeClr val="lt1"/>
+              </a:fontRef>
+            </p:style>
+            <p:txBody>
+              <a:bodyPr rtlCol="0" anchor="ctr"/>
+              <a:lstStyle/>
+              <a:p>
+                <a:pPr algn="ctr"/>
+                <a:endParaRPr lang="en-US"/>
+              </a:p>
+            </p:txBody>
+          </p:sp>
+          <p:sp>
+            <p:nvSpPr>
+              <p:cNvPr id="37" name="Explosion 1 36">
+                <a:extLst>
+                  <a:ext uri="{FF2B5EF4-FFF2-40B4-BE49-F238E27FC236}">
+                    <a16:creationId xmlns:a16="http://schemas.microsoft.com/office/drawing/2014/main" id="{45D555AA-EEEC-436F-F9B3-754EA3BB0308}"/>
+                  </a:ext>
+                </a:extLst>
+              </p:cNvPr>
+              <p:cNvSpPr/>
+              <p:nvPr/>
+            </p:nvSpPr>
+            <p:spPr>
+              <a:xfrm>
+                <a:off x="5055034" y="1345422"/>
+                <a:ext cx="207264" cy="256032"/>
+              </a:xfrm>
+              <a:prstGeom prst="irregularSeal1">
+                <a:avLst/>
+              </a:prstGeom>
+              <a:solidFill>
+                <a:srgbClr val="FF0000"/>
+              </a:solidFill>
+              <a:ln>
+                <a:noFill/>
+              </a:ln>
+            </p:spPr>
+            <p:style>
+              <a:lnRef idx="2">
+                <a:schemeClr val="accent1">
+                  <a:shade val="15000"/>
+                </a:schemeClr>
+              </a:lnRef>
+              <a:fillRef idx="1">
+                <a:schemeClr val="accent1"/>
+              </a:fillRef>
+              <a:effectRef idx="0">
+                <a:schemeClr val="accent1"/>
+              </a:effectRef>
+              <a:fontRef idx="minor">
+                <a:schemeClr val="lt1"/>
+              </a:fontRef>
+            </p:style>
+            <p:txBody>
+              <a:bodyPr rtlCol="0" anchor="ctr"/>
+              <a:lstStyle/>
+              <a:p>
+                <a:pPr algn="ctr"/>
+                <a:endParaRPr lang="en-US"/>
+              </a:p>
+            </p:txBody>
+          </p:sp>
+          <p:sp>
+            <p:nvSpPr>
+              <p:cNvPr id="38" name="Explosion 1 37">
+                <a:extLst>
+                  <a:ext uri="{FF2B5EF4-FFF2-40B4-BE49-F238E27FC236}">
+                    <a16:creationId xmlns:a16="http://schemas.microsoft.com/office/drawing/2014/main" id="{43197A15-F2D9-B3BB-C82A-D57DC4FD825F}"/>
+                  </a:ext>
+                </a:extLst>
+              </p:cNvPr>
+              <p:cNvSpPr/>
+              <p:nvPr/>
+            </p:nvSpPr>
+            <p:spPr>
+              <a:xfrm>
+                <a:off x="4846320" y="1444752"/>
+                <a:ext cx="207264" cy="256032"/>
+              </a:xfrm>
+              <a:prstGeom prst="irregularSeal1">
+                <a:avLst/>
+              </a:prstGeom>
+              <a:solidFill>
+                <a:srgbClr val="FF0000"/>
+              </a:solidFill>
+              <a:ln>
+                <a:noFill/>
+              </a:ln>
+            </p:spPr>
+            <p:style>
+              <a:lnRef idx="2">
+                <a:schemeClr val="accent1">
+                  <a:shade val="15000"/>
+                </a:schemeClr>
+              </a:lnRef>
+              <a:fillRef idx="1">
+                <a:schemeClr val="accent1"/>
+              </a:fillRef>
+              <a:effectRef idx="0">
+                <a:schemeClr val="accent1"/>
+              </a:effectRef>
+              <a:fontRef idx="minor">
+                <a:schemeClr val="lt1"/>
+              </a:fontRef>
+            </p:style>
+            <p:txBody>
+              <a:bodyPr rtlCol="0" anchor="ctr"/>
+              <a:lstStyle/>
+              <a:p>
+                <a:pPr algn="ctr"/>
+                <a:endParaRPr lang="en-US"/>
+              </a:p>
+            </p:txBody>
+          </p:sp>
+        </p:grpSp>
+      </p:grpSp>
+    </p:spTree>
+    <p:extLst>
+      <p:ext uri="{BB962C8B-B14F-4D97-AF65-F5344CB8AC3E}">
+        <p14:creationId xmlns:p14="http://schemas.microsoft.com/office/powerpoint/2010/main" val="4069234595"/>
+      </p:ext>
+    </p:extLst>
+  </p:cSld>
+  <p:clrMapOvr>
+    <a:masterClrMapping/>
+  </p:clrMapOvr>
+</p:sld>
+</file>
+
+<file path=ppt/slides/slide7.xml><?xml version="1.0" encoding="utf-8"?>
+<p:sld xmlns:a="http://schemas.openxmlformats.org/drawingml/2006/main" xmlns:r="http://schemas.openxmlformats.org/officeDocument/2006/relationships" xmlns:p="http://schemas.openxmlformats.org/presentationml/2006/main">
+  <p:cSld>
+    <p:spTree>
+      <p:nvGrpSpPr>
+        <p:cNvPr id="1" name=""/>
+        <p:cNvGrpSpPr/>
+        <p:nvPr/>
+      </p:nvGrpSpPr>
+      <p:grpSpPr>
+        <a:xfrm>
+          <a:off x="0" y="0"/>
+          <a:ext cx="0" cy="0"/>
+          <a:chOff x="0" y="0"/>
+          <a:chExt cx="0" cy="0"/>
+        </a:xfrm>
+      </p:grpSpPr>
+      <p:grpSp>
+        <p:nvGrpSpPr>
+          <p:cNvPr id="17" name="Group 16">
+            <a:extLst>
+              <a:ext uri="{FF2B5EF4-FFF2-40B4-BE49-F238E27FC236}">
+                <a16:creationId xmlns:a16="http://schemas.microsoft.com/office/drawing/2014/main" id="{77998FE7-1919-361E-086D-E6E211FC2D24}"/>
+              </a:ext>
+            </a:extLst>
+          </p:cNvPr>
+          <p:cNvGrpSpPr/>
+          <p:nvPr/>
+        </p:nvGrpSpPr>
+        <p:grpSpPr>
+          <a:xfrm>
+            <a:off x="2876159" y="713387"/>
+            <a:ext cx="4682880" cy="4542790"/>
+            <a:chOff x="2876159" y="713387"/>
+            <a:chExt cx="4682880" cy="4542790"/>
+          </a:xfrm>
+        </p:grpSpPr>
+        <p:sp>
+          <p:nvSpPr>
+            <p:cNvPr id="16" name="Data 15">
+              <a:extLst>
+                <a:ext uri="{FF2B5EF4-FFF2-40B4-BE49-F238E27FC236}">
+                  <a16:creationId xmlns:a16="http://schemas.microsoft.com/office/drawing/2014/main" id="{7E4766B4-FAE4-547E-1385-D9E51FB387D7}"/>
+                </a:ext>
+              </a:extLst>
+            </p:cNvPr>
+            <p:cNvSpPr/>
+            <p:nvPr/>
+          </p:nvSpPr>
+          <p:spPr>
+            <a:xfrm>
+              <a:off x="3675844" y="713387"/>
+              <a:ext cx="3883195" cy="980058"/>
+            </a:xfrm>
+            <a:prstGeom prst="flowChartInputOutput">
+              <a:avLst/>
+            </a:prstGeom>
+            <a:solidFill>
+              <a:schemeClr val="accent6">
+                <a:lumMod val="20000"/>
+                <a:lumOff val="80000"/>
+              </a:schemeClr>
+            </a:solidFill>
+            <a:ln>
+              <a:noFill/>
+            </a:ln>
+            <a:effectLst>
+              <a:softEdge rad="25400"/>
+            </a:effectLst>
+          </p:spPr>
+          <p:style>
+            <a:lnRef idx="2">
+              <a:schemeClr val="accent1">
+                <a:shade val="15000"/>
+              </a:schemeClr>
+            </a:lnRef>
+            <a:fillRef idx="1">
+              <a:schemeClr val="accent1"/>
+            </a:fillRef>
+            <a:effectRef idx="0">
+              <a:schemeClr val="accent1"/>
+            </a:effectRef>
+            <a:fontRef idx="minor">
+              <a:schemeClr val="lt1"/>
+            </a:fontRef>
+          </p:style>
+          <p:txBody>
+            <a:bodyPr rtlCol="0" anchor="ctr"/>
+            <a:lstStyle/>
+            <a:p>
+              <a:pPr algn="ctr"/>
+              <a:endParaRPr lang="en-US"/>
+            </a:p>
+          </p:txBody>
+        </p:sp>
+        <p:grpSp>
+          <p:nvGrpSpPr>
+            <p:cNvPr id="34" name="Group 33">
+              <a:extLst>
+                <a:ext uri="{FF2B5EF4-FFF2-40B4-BE49-F238E27FC236}">
+                  <a16:creationId xmlns:a16="http://schemas.microsoft.com/office/drawing/2014/main" id="{2C45B52C-89AB-312A-39F0-EDFE1A71370F}"/>
+                </a:ext>
+              </a:extLst>
+            </p:cNvPr>
+            <p:cNvGrpSpPr/>
+            <p:nvPr/>
+          </p:nvGrpSpPr>
+          <p:grpSpPr>
+            <a:xfrm>
+              <a:off x="2876159" y="815431"/>
+              <a:ext cx="4578502" cy="4120520"/>
+              <a:chOff x="2876159" y="815431"/>
+              <a:chExt cx="4578502" cy="4120520"/>
+            </a:xfrm>
+          </p:grpSpPr>
+          <p:grpSp>
+            <p:nvGrpSpPr>
+              <p:cNvPr id="9" name="Group 8">
+                <a:extLst>
+                  <a:ext uri="{FF2B5EF4-FFF2-40B4-BE49-F238E27FC236}">
+                    <a16:creationId xmlns:a16="http://schemas.microsoft.com/office/drawing/2014/main" id="{AF8DD381-5F3F-933B-E840-BBA4C368E76A}"/>
+                  </a:ext>
+                </a:extLst>
+              </p:cNvPr>
+              <p:cNvGrpSpPr/>
+              <p:nvPr/>
+            </p:nvGrpSpPr>
+            <p:grpSpPr>
+              <a:xfrm>
+                <a:off x="2876159" y="815431"/>
+                <a:ext cx="4578502" cy="4120520"/>
+                <a:chOff x="2923660" y="827306"/>
+                <a:chExt cx="4578502" cy="4120520"/>
+              </a:xfrm>
+            </p:grpSpPr>
+            <p:sp>
+              <p:nvSpPr>
+                <p:cNvPr id="4" name="Explosion 1 3">
+                  <a:extLst>
+                    <a:ext uri="{FF2B5EF4-FFF2-40B4-BE49-F238E27FC236}">
+                      <a16:creationId xmlns:a16="http://schemas.microsoft.com/office/drawing/2014/main" id="{3B09513B-648F-9C77-E3E8-870B4D876F8A}"/>
+                    </a:ext>
+                  </a:extLst>
+                </p:cNvPr>
+                <p:cNvSpPr/>
+                <p:nvPr/>
+              </p:nvSpPr>
+              <p:spPr>
+                <a:xfrm>
+                  <a:off x="5211538" y="827306"/>
+                  <a:ext cx="917724" cy="789767"/>
+                </a:xfrm>
+                <a:prstGeom prst="irregularSeal1">
+                  <a:avLst/>
+                </a:prstGeom>
+                <a:solidFill>
+                  <a:srgbClr val="D39F10"/>
+                </a:solidFill>
+              </p:spPr>
+              <p:style>
+                <a:lnRef idx="2">
+                  <a:schemeClr val="accent1">
+                    <a:shade val="15000"/>
+                  </a:schemeClr>
+                </a:lnRef>
+                <a:fillRef idx="1">
+                  <a:schemeClr val="accent1"/>
+                </a:fillRef>
+                <a:effectRef idx="0">
+                  <a:schemeClr val="accent1"/>
+                </a:effectRef>
+                <a:fontRef idx="minor">
+                  <a:schemeClr val="lt1"/>
+                </a:fontRef>
+              </p:style>
+              <p:txBody>
+                <a:bodyPr rtlCol="0" anchor="ctr"/>
+                <a:lstStyle/>
+                <a:p>
+                  <a:pPr algn="ctr"/>
+                  <a:endParaRPr lang="en-US" dirty="0">
+                    <a:highlight>
+                      <a:srgbClr val="0C2140"/>
+                    </a:highlight>
+                  </a:endParaRPr>
+                </a:p>
+              </p:txBody>
+            </p:sp>
+            <mc:AlternateContent xmlns:mc="http://schemas.openxmlformats.org/markup-compatibility/2006">
+              <mc:Choice xmlns:a14="http://schemas.microsoft.com/office/drawing/2010/main" Requires="a14">
+                <p:sp>
+                  <p:nvSpPr>
+                    <p:cNvPr id="2" name="TextBox 1">
+                      <a:extLst>
+                        <a:ext uri="{FF2B5EF4-FFF2-40B4-BE49-F238E27FC236}">
+                          <a16:creationId xmlns:a16="http://schemas.microsoft.com/office/drawing/2014/main" id="{12360B00-68E5-3ED8-C268-9E19D15FE250}"/>
+                        </a:ext>
+                      </a:extLst>
+                    </p:cNvPr>
+                    <p:cNvSpPr txBox="1"/>
+                    <p:nvPr/>
+                  </p:nvSpPr>
+                  <p:spPr>
+                    <a:xfrm>
+                      <a:off x="2923660" y="3875293"/>
+                      <a:ext cx="724395" cy="461665"/>
+                    </a:xfrm>
+                    <a:prstGeom prst="rect">
+                      <a:avLst/>
+                    </a:prstGeom>
+                    <a:noFill/>
+                  </p:spPr>
+                  <p:txBody>
+                    <a:bodyPr wrap="square" rtlCol="0">
+                      <a:spAutoFit/>
+                    </a:bodyPr>
+                    <a:lstStyle/>
+                    <a:p>
+                      <a14:m>
+                        <m:oMathPara xmlns:m="http://schemas.openxmlformats.org/officeDocument/2006/math">
+                          <m:oMathParaPr>
+                            <m:jc m:val="centerGroup"/>
+                          </m:oMathParaPr>
+                          <m:oMath xmlns:m="http://schemas.openxmlformats.org/officeDocument/2006/math">
+                            <m:r>
+                              <a:rPr lang="en-US" sz="2400" b="0" i="1" smtClean="0">
+                                <a:solidFill>
+                                  <a:srgbClr val="0C2240"/>
+                                </a:solidFill>
+                                <a:latin typeface="Cambria Math" panose="02040503050406030204" pitchFamily="18" charset="0"/>
+                              </a:rPr>
+                              <m:t>𝜂</m:t>
+                            </m:r>
+                          </m:oMath>
+                        </m:oMathPara>
+                      </a14:m>
+                      <a:endParaRPr lang="en-US" sz="2400" b="0" dirty="0">
+                        <a:solidFill>
+                          <a:srgbClr val="0C2240"/>
+                        </a:solidFill>
+                      </a:endParaRPr>
+                    </a:p>
+                  </p:txBody>
+                </p:sp>
+              </mc:Choice>
+              <mc:Fallback>
+                <p:sp>
+                  <p:nvSpPr>
+                    <p:cNvPr id="2" name="TextBox 1">
+                      <a:extLst>
+                        <a:ext uri="{FF2B5EF4-FFF2-40B4-BE49-F238E27FC236}">
+                          <a16:creationId xmlns:a16="http://schemas.microsoft.com/office/drawing/2014/main" id="{12360B00-68E5-3ED8-C268-9E19D15FE250}"/>
+                        </a:ext>
+                      </a:extLst>
+                    </p:cNvPr>
+                    <p:cNvSpPr txBox="1">
+                      <a:spLocks noRot="1" noChangeAspect="1" noMove="1" noResize="1" noEditPoints="1" noAdjustHandles="1" noChangeArrowheads="1" noChangeShapeType="1" noTextEdit="1"/>
+                    </p:cNvSpPr>
+                    <p:nvPr/>
+                  </p:nvSpPr>
+                  <p:spPr>
+                    <a:xfrm>
+                      <a:off x="2923660" y="3875293"/>
+                      <a:ext cx="724395" cy="461665"/>
+                    </a:xfrm>
+                    <a:prstGeom prst="rect">
+                      <a:avLst/>
+                    </a:prstGeom>
+                    <a:blipFill>
+                      <a:blip r:embed="rId2"/>
+                      <a:stretch>
+                        <a:fillRect b="-10811"/>
+                      </a:stretch>
+                    </a:blipFill>
+                  </p:spPr>
+                  <p:txBody>
+                    <a:bodyPr/>
+                    <a:lstStyle/>
+                    <a:p>
+                      <a:r>
+                        <a:rPr lang="en-US">
+                          <a:noFill/>
+                        </a:rPr>
+                        <a:t> </a:t>
+                      </a:r>
+                    </a:p>
+                  </p:txBody>
+                </p:sp>
+              </mc:Fallback>
+            </mc:AlternateContent>
+            <p:cxnSp>
+              <p:nvCxnSpPr>
+                <p:cNvPr id="3" name="Straight Arrow Connector 2">
+                  <a:extLst>
+                    <a:ext uri="{FF2B5EF4-FFF2-40B4-BE49-F238E27FC236}">
+                      <a16:creationId xmlns:a16="http://schemas.microsoft.com/office/drawing/2014/main" id="{3087120F-408D-5698-5869-B25253488781}"/>
+                    </a:ext>
+                  </a:extLst>
+                </p:cNvPr>
+                <p:cNvCxnSpPr>
+                  <a:cxnSpLocks/>
+                </p:cNvCxnSpPr>
+                <p:nvPr/>
+              </p:nvCxnSpPr>
+              <p:spPr>
+                <a:xfrm flipV="1">
+                  <a:off x="3285857" y="2102273"/>
+                  <a:ext cx="0" cy="1773020"/>
+                </a:xfrm>
+                <a:prstGeom prst="straightConnector1">
+                  <a:avLst/>
+                </a:prstGeom>
+                <a:ln w="25400">
+                  <a:solidFill>
+                    <a:srgbClr val="0C2140"/>
+                  </a:solidFill>
+                  <a:tailEnd type="triangle"/>
+                </a:ln>
+              </p:spPr>
+              <p:style>
+                <a:lnRef idx="1">
+                  <a:schemeClr val="accent1"/>
+                </a:lnRef>
+                <a:fillRef idx="0">
+                  <a:schemeClr val="accent1"/>
+                </a:fillRef>
+                <a:effectRef idx="0">
+                  <a:schemeClr val="accent1"/>
+                </a:effectRef>
+                <a:fontRef idx="minor">
+                  <a:schemeClr val="tx1"/>
+                </a:fontRef>
+              </p:style>
+            </p:cxnSp>
+            <mc:AlternateContent xmlns:mc="http://schemas.openxmlformats.org/markup-compatibility/2006">
+              <mc:Choice xmlns:a14="http://schemas.microsoft.com/office/drawing/2010/main" Requires="a14">
+                <p:sp>
+                  <p:nvSpPr>
+                    <p:cNvPr id="5" name="TextBox 4">
+                      <a:extLst>
+                        <a:ext uri="{FF2B5EF4-FFF2-40B4-BE49-F238E27FC236}">
+                          <a16:creationId xmlns:a16="http://schemas.microsoft.com/office/drawing/2014/main" id="{E0118863-CC5C-BDB2-FD64-5857628668E2}"/>
+                        </a:ext>
+                      </a:extLst>
+                    </p:cNvPr>
+                    <p:cNvSpPr txBox="1"/>
+                    <p:nvPr/>
+                  </p:nvSpPr>
+                  <p:spPr>
+                    <a:xfrm>
+                      <a:off x="3260189" y="4486161"/>
+                      <a:ext cx="724395" cy="461665"/>
+                    </a:xfrm>
+                    <a:prstGeom prst="rect">
+                      <a:avLst/>
+                    </a:prstGeom>
+                    <a:noFill/>
+                  </p:spPr>
+                  <p:txBody>
+                    <a:bodyPr wrap="square" rtlCol="0">
+                      <a:spAutoFit/>
+                    </a:bodyPr>
+                    <a:lstStyle/>
+                    <a:p>
+                      <a14:m>
+                        <m:oMathPara xmlns:m="http://schemas.openxmlformats.org/officeDocument/2006/math">
+                          <m:oMathParaPr>
+                            <m:jc m:val="centerGroup"/>
+                          </m:oMathParaPr>
+                          <m:oMath xmlns:m="http://schemas.openxmlformats.org/officeDocument/2006/math">
+                            <m:r>
+                              <m:rPr>
+                                <m:sty m:val="p"/>
+                              </m:rPr>
+                              <a:rPr lang="en-US" sz="2400" b="0" i="1" smtClean="0">
+                                <a:solidFill>
+                                  <a:srgbClr val="0C2240"/>
+                                </a:solidFill>
+                                <a:latin typeface="Cambria Math" panose="02040503050406030204" pitchFamily="18" charset="0"/>
+                              </a:rPr>
+                              <m:t>ϕ</m:t>
+                            </m:r>
+                          </m:oMath>
+                        </m:oMathPara>
+                      </a14:m>
+                      <a:endParaRPr lang="en-US" sz="2400" b="0" dirty="0">
+                        <a:solidFill>
+                          <a:srgbClr val="0C2240"/>
+                        </a:solidFill>
+                      </a:endParaRPr>
+                    </a:p>
+                  </p:txBody>
+                </p:sp>
+              </mc:Choice>
+              <mc:Fallback>
+                <p:sp>
+                  <p:nvSpPr>
+                    <p:cNvPr id="5" name="TextBox 4">
+                      <a:extLst>
+                        <a:ext uri="{FF2B5EF4-FFF2-40B4-BE49-F238E27FC236}">
+                          <a16:creationId xmlns:a16="http://schemas.microsoft.com/office/drawing/2014/main" id="{E0118863-CC5C-BDB2-FD64-5857628668E2}"/>
+                        </a:ext>
+                      </a:extLst>
+                    </p:cNvPr>
+                    <p:cNvSpPr txBox="1">
+                      <a:spLocks noRot="1" noChangeAspect="1" noMove="1" noResize="1" noEditPoints="1" noAdjustHandles="1" noChangeArrowheads="1" noChangeShapeType="1" noTextEdit="1"/>
+                    </p:cNvSpPr>
+                    <p:nvPr/>
+                  </p:nvSpPr>
+                  <p:spPr>
+                    <a:xfrm>
+                      <a:off x="3260189" y="4486161"/>
+                      <a:ext cx="724395" cy="461665"/>
+                    </a:xfrm>
+                    <a:prstGeom prst="rect">
+                      <a:avLst/>
+                    </a:prstGeom>
+                    <a:blipFill>
+                      <a:blip r:embed="rId3"/>
+                      <a:stretch>
+                        <a:fillRect b="-16216"/>
+                      </a:stretch>
+                    </a:blipFill>
+                  </p:spPr>
+                  <p:txBody>
+                    <a:bodyPr/>
+                    <a:lstStyle/>
+                    <a:p>
+                      <a:r>
+                        <a:rPr lang="en-US">
+                          <a:noFill/>
+                        </a:rPr>
+                        <a:t> </a:t>
+                      </a:r>
+                    </a:p>
+                  </p:txBody>
+                </p:sp>
+              </mc:Fallback>
+            </mc:AlternateContent>
+            <p:cxnSp>
+              <p:nvCxnSpPr>
+                <p:cNvPr id="8" name="Straight Arrow Connector 7">
+                  <a:extLst>
+                    <a:ext uri="{FF2B5EF4-FFF2-40B4-BE49-F238E27FC236}">
+                      <a16:creationId xmlns:a16="http://schemas.microsoft.com/office/drawing/2014/main" id="{182142B5-2C37-EBC3-8A9D-C9C5A112B98F}"/>
+                    </a:ext>
+                  </a:extLst>
+                </p:cNvPr>
+                <p:cNvCxnSpPr>
+                  <a:cxnSpLocks/>
+                </p:cNvCxnSpPr>
+                <p:nvPr/>
+              </p:nvCxnSpPr>
+              <p:spPr>
+                <a:xfrm flipV="1">
+                  <a:off x="3868313" y="4738105"/>
+                  <a:ext cx="3633849" cy="6536"/>
+                </a:xfrm>
+                <a:prstGeom prst="straightConnector1">
+                  <a:avLst/>
+                </a:prstGeom>
+                <a:ln w="25400">
+                  <a:solidFill>
+                    <a:srgbClr val="0C2140"/>
+                  </a:solidFill>
+                  <a:tailEnd type="triangle"/>
+                </a:ln>
+              </p:spPr>
+              <p:style>
+                <a:lnRef idx="1">
+                  <a:schemeClr val="accent1"/>
+                </a:lnRef>
+                <a:fillRef idx="0">
+                  <a:schemeClr val="accent1"/>
+                </a:fillRef>
+                <a:effectRef idx="0">
+                  <a:schemeClr val="accent1"/>
+                </a:effectRef>
+                <a:fontRef idx="minor">
+                  <a:schemeClr val="tx1"/>
+                </a:fontRef>
+              </p:style>
+            </p:cxnSp>
+          </p:grpSp>
+          <p:sp>
+            <p:nvSpPr>
+              <p:cNvPr id="14" name="Can 13">
+                <a:extLst>
+                  <a:ext uri="{FF2B5EF4-FFF2-40B4-BE49-F238E27FC236}">
+                    <a16:creationId xmlns:a16="http://schemas.microsoft.com/office/drawing/2014/main" id="{84B954A8-97C7-B24C-E0FD-E67143DA52D7}"/>
+                  </a:ext>
+                </a:extLst>
+              </p:cNvPr>
+              <p:cNvSpPr/>
+              <p:nvPr/>
+            </p:nvSpPr>
+            <p:spPr>
+              <a:xfrm rot="5400000">
+                <a:off x="4809423" y="2215770"/>
+                <a:ext cx="1488821" cy="3511718"/>
+              </a:xfrm>
+              <a:prstGeom prst="can">
+                <a:avLst>
+                  <a:gd name="adj" fmla="val 7036"/>
+                </a:avLst>
+              </a:prstGeom>
+              <a:gradFill flip="none" rotWithShape="1">
+                <a:gsLst>
+                  <a:gs pos="0">
+                    <a:srgbClr val="0C2140"/>
+                  </a:gs>
+                  <a:gs pos="100000">
+                    <a:schemeClr val="bg1"/>
+                  </a:gs>
+                </a:gsLst>
+                <a:lin ang="0" scaled="1"/>
+                <a:tileRect/>
+              </a:gradFill>
+              <a:ln>
+                <a:noFill/>
+              </a:ln>
+              <a:effectLst>
+                <a:softEdge rad="0"/>
+              </a:effectLst>
+            </p:spPr>
+            <p:style>
+              <a:lnRef idx="2">
+                <a:schemeClr val="accent1">
+                  <a:shade val="15000"/>
+                </a:schemeClr>
+              </a:lnRef>
+              <a:fillRef idx="1">
+                <a:schemeClr val="accent1"/>
+              </a:fillRef>
+              <a:effectRef idx="0">
+                <a:schemeClr val="accent1"/>
+              </a:effectRef>
+              <a:fontRef idx="minor">
+                <a:schemeClr val="lt1"/>
+              </a:fontRef>
+            </p:style>
+            <p:txBody>
+              <a:bodyPr rtlCol="0" anchor="ctr"/>
+              <a:lstStyle/>
+              <a:p>
+                <a:pPr algn="ctr"/>
+                <a:endParaRPr lang="en-US"/>
+              </a:p>
+            </p:txBody>
+          </p:sp>
+        </p:grpSp>
+        <p:sp>
+          <p:nvSpPr>
+            <p:cNvPr id="6" name="Arc 5">
+              <a:extLst>
+                <a:ext uri="{FF2B5EF4-FFF2-40B4-BE49-F238E27FC236}">
+                  <a16:creationId xmlns:a16="http://schemas.microsoft.com/office/drawing/2014/main" id="{8DE4E01C-028C-F4CE-F2B8-37E75C535752}"/>
+                </a:ext>
+              </a:extLst>
+            </p:cNvPr>
+            <p:cNvSpPr/>
+            <p:nvPr/>
+          </p:nvSpPr>
+          <p:spPr>
+            <a:xfrm rot="21270595">
+              <a:off x="3498782" y="1171044"/>
+              <a:ext cx="2193288" cy="4085133"/>
+            </a:xfrm>
+            <a:custGeom>
+              <a:avLst/>
+              <a:gdLst>
+                <a:gd name="connsiteX0" fmla="*/ 1813798 w 2193288"/>
+                <a:gd name="connsiteY0" fmla="*/ 497294 h 4085133"/>
+                <a:gd name="connsiteX1" fmla="*/ 2176564 w 2193288"/>
+                <a:gd name="connsiteY1" fmla="*/ 1687215 h 4085133"/>
+                <a:gd name="connsiteX2" fmla="*/ 2148858 w 2193288"/>
+                <a:gd name="connsiteY2" fmla="*/ 2618071 h 4085133"/>
+                <a:gd name="connsiteX3" fmla="*/ 1096644 w 2193288"/>
+                <a:gd name="connsiteY3" fmla="*/ 2042567 h 4085133"/>
+                <a:gd name="connsiteX4" fmla="*/ 1813798 w 2193288"/>
+                <a:gd name="connsiteY4" fmla="*/ 497294 h 4085133"/>
+                <a:gd name="connsiteX0" fmla="*/ 1813798 w 2193288"/>
+                <a:gd name="connsiteY0" fmla="*/ 497294 h 4085133"/>
+                <a:gd name="connsiteX1" fmla="*/ 2176564 w 2193288"/>
+                <a:gd name="connsiteY1" fmla="*/ 1687215 h 4085133"/>
+                <a:gd name="connsiteX2" fmla="*/ 2148858 w 2193288"/>
+                <a:gd name="connsiteY2" fmla="*/ 2618071 h 4085133"/>
+              </a:gdLst>
+              <a:ahLst/>
+              <a:cxnLst>
+                <a:cxn ang="0">
+                  <a:pos x="connsiteX0" y="connsiteY0"/>
+                </a:cxn>
+                <a:cxn ang="0">
+                  <a:pos x="connsiteX1" y="connsiteY1"/>
+                </a:cxn>
+                <a:cxn ang="0">
+                  <a:pos x="connsiteX2" y="connsiteY2"/>
+                </a:cxn>
+              </a:cxnLst>
+              <a:rect l="l" t="t" r="r" b="b"/>
+              <a:pathLst>
+                <a:path w="2193288" h="4085133" stroke="0" extrusionOk="0">
+                  <a:moveTo>
+                    <a:pt x="1813798" y="497294"/>
+                  </a:moveTo>
+                  <a:cubicBezTo>
+                    <a:pt x="1949690" y="770596"/>
+                    <a:pt x="2123207" y="1228246"/>
+                    <a:pt x="2176564" y="1687215"/>
+                  </a:cubicBezTo>
+                  <a:cubicBezTo>
+                    <a:pt x="2248280" y="2006235"/>
+                    <a:pt x="2185623" y="2316259"/>
+                    <a:pt x="2148858" y="2618071"/>
+                  </a:cubicBezTo>
+                  <a:cubicBezTo>
+                    <a:pt x="1996922" y="2489117"/>
+                    <a:pt x="1313957" y="2042568"/>
+                    <a:pt x="1096644" y="2042567"/>
+                  </a:cubicBezTo>
+                  <a:cubicBezTo>
+                    <a:pt x="1515643" y="1402448"/>
+                    <a:pt x="1686405" y="1008047"/>
+                    <a:pt x="1813798" y="497294"/>
+                  </a:cubicBezTo>
+                  <a:close/>
+                </a:path>
+                <a:path w="2193288" h="4085133" fill="none" extrusionOk="0">
+                  <a:moveTo>
+                    <a:pt x="1813798" y="497294"/>
+                  </a:moveTo>
+                  <a:cubicBezTo>
+                    <a:pt x="2081606" y="813589"/>
+                    <a:pt x="2142692" y="1204108"/>
+                    <a:pt x="2176564" y="1687215"/>
+                  </a:cubicBezTo>
+                  <a:cubicBezTo>
+                    <a:pt x="2188228" y="1994612"/>
+                    <a:pt x="2178930" y="2332452"/>
+                    <a:pt x="2148858" y="2618071"/>
+                  </a:cubicBezTo>
+                </a:path>
+              </a:pathLst>
+            </a:custGeom>
+            <a:noFill/>
+            <a:ln w="25400">
+              <a:solidFill>
+                <a:srgbClr val="FF0000"/>
+              </a:solidFill>
+              <a:prstDash val="lgDash"/>
+              <a:extLst>
+                <a:ext uri="{C807C97D-BFC1-408E-A445-0C87EB9F89A2}">
+                  <ask:lineSketchStyleProps xmlns:ask="http://schemas.microsoft.com/office/drawing/2018/sketchyshapes" sd="1219033472">
+                    <a:prstGeom prst="arc">
+                      <a:avLst>
+                        <a:gd name="adj1" fmla="val 17693748"/>
+                        <a:gd name="adj2" fmla="val 1720576"/>
+                      </a:avLst>
+                    </a:prstGeom>
+                    <ask:type>
+                      <ask:lineSketchCurved/>
+                    </ask:type>
+                  </ask:lineSketchStyleProps>
+                </a:ext>
+              </a:extLst>
+            </a:ln>
+          </p:spPr>
+          <p:style>
+            <a:lnRef idx="1">
+              <a:schemeClr val="accent1"/>
+            </a:lnRef>
+            <a:fillRef idx="0">
+              <a:schemeClr val="accent1"/>
+            </a:fillRef>
+            <a:effectRef idx="0">
+              <a:schemeClr val="accent1"/>
+            </a:effectRef>
+            <a:fontRef idx="minor">
+              <a:schemeClr val="tx1"/>
+            </a:fontRef>
+          </p:style>
+          <p:txBody>
+            <a:bodyPr rtlCol="0" anchor="ctr"/>
+            <a:lstStyle/>
+            <a:p>
+              <a:pPr algn="ctr"/>
+              <a:endParaRPr lang="en-US"/>
+            </a:p>
+          </p:txBody>
+        </p:sp>
+        <p:sp>
+          <p:nvSpPr>
+            <p:cNvPr id="10" name="Data 9">
+              <a:extLst>
+                <a:ext uri="{FF2B5EF4-FFF2-40B4-BE49-F238E27FC236}">
+                  <a16:creationId xmlns:a16="http://schemas.microsoft.com/office/drawing/2014/main" id="{6F4F4173-83DD-9979-B6BF-152D5576FA96}"/>
+                </a:ext>
+              </a:extLst>
+            </p:cNvPr>
+            <p:cNvSpPr/>
+            <p:nvPr/>
+          </p:nvSpPr>
+          <p:spPr>
+            <a:xfrm>
+              <a:off x="5585345" y="3544514"/>
+              <a:ext cx="216000" cy="216000"/>
+            </a:xfrm>
+            <a:prstGeom prst="flowChartInputOutput">
+              <a:avLst/>
+            </a:prstGeom>
+            <a:solidFill>
+              <a:schemeClr val="accent6">
+                <a:lumMod val="40000"/>
+                <a:lumOff val="60000"/>
+                <a:alpha val="50000"/>
+              </a:schemeClr>
             </a:solidFill>
             <a:ln>
               <a:noFill/>
@@ -5733,20 +9551,16 @@
             <a:lstStyle/>
             <a:p>
               <a:pPr algn="ctr"/>
-              <a:endParaRPr lang="en-US">
-                <a:solidFill>
-                  <a:schemeClr val="tx1"/>
-                </a:solidFill>
-              </a:endParaRPr>
+              <a:endParaRPr lang="en-US"/>
             </a:p>
           </p:txBody>
         </p:sp>
         <p:sp>
           <p:nvSpPr>
-            <p:cNvPr id="4" name="Explosion 1 3">
+            <p:cNvPr id="12" name="Data 11">
               <a:extLst>
                 <a:ext uri="{FF2B5EF4-FFF2-40B4-BE49-F238E27FC236}">
-                  <a16:creationId xmlns:a16="http://schemas.microsoft.com/office/drawing/2014/main" id="{3B09513B-648F-9C77-E3E8-870B4D876F8A}"/>
+                  <a16:creationId xmlns:a16="http://schemas.microsoft.com/office/drawing/2014/main" id="{674E0989-B2F1-E4D2-B180-76D8EE023734}"/>
                 </a:ext>
               </a:extLst>
             </p:cNvPr>
@@ -5755,15 +9569,22 @@
           </p:nvSpPr>
           <p:spPr>
             <a:xfrm>
-              <a:off x="4767514" y="2282538"/>
-              <a:ext cx="917724" cy="789767"/>
+              <a:off x="5585345" y="3441609"/>
+              <a:ext cx="216000" cy="216000"/>
             </a:xfrm>
-            <a:prstGeom prst="irregularSeal1">
+            <a:prstGeom prst="flowChartInputOutput">
               <a:avLst/>
             </a:prstGeom>
             <a:solidFill>
-              <a:srgbClr val="D39F10"/>
+              <a:schemeClr val="accent6">
+                <a:lumMod val="40000"/>
+                <a:lumOff val="60000"/>
+                <a:alpha val="50000"/>
+              </a:schemeClr>
             </a:solidFill>
+            <a:ln>
+              <a:noFill/>
+            </a:ln>
           </p:spPr>
           <p:style>
             <a:lnRef idx="2">
@@ -5786,19 +9607,139 @@
             <a:lstStyle/>
             <a:p>
               <a:pPr algn="ctr"/>
-              <a:endParaRPr lang="en-US" dirty="0">
-                <a:highlight>
-                  <a:srgbClr val="0C2140"/>
-                </a:highlight>
-              </a:endParaRPr>
+              <a:endParaRPr lang="en-US"/>
             </a:p>
           </p:txBody>
         </p:sp>
+        <mc:AlternateContent xmlns:mc="http://schemas.openxmlformats.org/markup-compatibility/2006">
+          <mc:Choice xmlns:a14="http://schemas.microsoft.com/office/drawing/2010/main" Requires="a14">
+            <p:sp>
+              <p:nvSpPr>
+                <p:cNvPr id="15" name="TextBox 14">
+                  <a:extLst>
+                    <a:ext uri="{FF2B5EF4-FFF2-40B4-BE49-F238E27FC236}">
+                      <a16:creationId xmlns:a16="http://schemas.microsoft.com/office/drawing/2014/main" id="{651083FD-1006-885F-40E7-451B7F05416F}"/>
+                    </a:ext>
+                  </a:extLst>
+                </p:cNvPr>
+                <p:cNvSpPr txBox="1"/>
+                <p:nvPr/>
+              </p:nvSpPr>
+              <p:spPr>
+                <a:xfrm>
+                  <a:off x="5572010" y="2402622"/>
+                  <a:ext cx="523990" cy="372731"/>
+                </a:xfrm>
+                <a:prstGeom prst="rect">
+                  <a:avLst/>
+                </a:prstGeom>
+                <a:noFill/>
+              </p:spPr>
+              <p:txBody>
+                <a:bodyPr wrap="none" rtlCol="0">
+                  <a:spAutoFit/>
+                </a:bodyPr>
+                <a:lstStyle/>
+                <a:p>
+                  <a14:m>
+                    <m:oMathPara xmlns:m="http://schemas.openxmlformats.org/officeDocument/2006/math">
+                      <m:oMathParaPr>
+                        <m:jc m:val="centerGroup"/>
+                      </m:oMathParaPr>
+                      <m:oMath xmlns:m="http://schemas.openxmlformats.org/officeDocument/2006/math">
+                        <m:sSup>
+                          <m:sSupPr>
+                            <m:ctrlPr>
+                              <a:rPr lang="en-US" b="0" i="1" smtClean="0">
+                                <a:latin typeface="Cambria Math" panose="02040503050406030204" pitchFamily="18" charset="0"/>
+                                <a:ea typeface="CMU SERIF ROMAN" panose="02000603000000000000" pitchFamily="2" charset="0"/>
+                                <a:cs typeface="CMU SERIF ROMAN" panose="02000603000000000000" pitchFamily="2" charset="0"/>
+                              </a:rPr>
+                            </m:ctrlPr>
+                          </m:sSupPr>
+                          <m:e>
+                            <m:r>
+                              <a:rPr lang="en-US" b="0" i="1" smtClean="0">
+                                <a:latin typeface="Cambria Math" panose="02040503050406030204" pitchFamily="18" charset="0"/>
+                                <a:ea typeface="CMU SERIF ROMAN" panose="02000603000000000000" pitchFamily="2" charset="0"/>
+                                <a:cs typeface="CMU SERIF ROMAN" panose="02000603000000000000" pitchFamily="2" charset="0"/>
+                              </a:rPr>
+                              <m:t>𝑒</m:t>
+                            </m:r>
+                          </m:e>
+                          <m:sup>
+                            <m:r>
+                              <a:rPr lang="en-US" b="0" i="1" smtClean="0">
+                                <a:latin typeface="Cambria Math" panose="02040503050406030204" pitchFamily="18" charset="0"/>
+                                <a:ea typeface="CMU SERIF ROMAN" panose="02000603000000000000" pitchFamily="2" charset="0"/>
+                                <a:cs typeface="CMU SERIF ROMAN" panose="02000603000000000000" pitchFamily="2" charset="0"/>
+                              </a:rPr>
+                              <m:t>±</m:t>
+                            </m:r>
+                          </m:sup>
+                        </m:sSup>
+                      </m:oMath>
+                    </m:oMathPara>
+                  </a14:m>
+                  <a:endParaRPr lang="en-US" dirty="0">
+                    <a:latin typeface="CMU Serif Roman" panose="02000603000000000000" pitchFamily="2" charset="0"/>
+                    <a:ea typeface="CMU Serif Roman" panose="02000603000000000000" pitchFamily="2" charset="0"/>
+                    <a:cs typeface="CMU Serif Roman" panose="02000603000000000000" pitchFamily="2" charset="0"/>
+                  </a:endParaRPr>
+                </a:p>
+              </p:txBody>
+            </p:sp>
+          </mc:Choice>
+          <mc:Fallback>
+            <p:sp>
+              <p:nvSpPr>
+                <p:cNvPr id="15" name="TextBox 14">
+                  <a:extLst>
+                    <a:ext uri="{FF2B5EF4-FFF2-40B4-BE49-F238E27FC236}">
+                      <a16:creationId xmlns:a16="http://schemas.microsoft.com/office/drawing/2014/main" id="{651083FD-1006-885F-40E7-451B7F05416F}"/>
+                    </a:ext>
+                  </a:extLst>
+                </p:cNvPr>
+                <p:cNvSpPr txBox="1">
+                  <a:spLocks noRot="1" noChangeAspect="1" noMove="1" noResize="1" noEditPoints="1" noAdjustHandles="1" noChangeArrowheads="1" noChangeShapeType="1" noTextEdit="1"/>
+                </p:cNvSpPr>
+                <p:nvPr/>
+              </p:nvSpPr>
+              <p:spPr>
+                <a:xfrm>
+                  <a:off x="5572010" y="2402622"/>
+                  <a:ext cx="523990" cy="372731"/>
+                </a:xfrm>
+                <a:prstGeom prst="rect">
+                  <a:avLst/>
+                </a:prstGeom>
+                <a:blipFill>
+                  <a:blip r:embed="rId4"/>
+                  <a:stretch>
+                    <a:fillRect/>
+                  </a:stretch>
+                </a:blipFill>
+              </p:spPr>
+              <p:txBody>
+                <a:bodyPr/>
+                <a:lstStyle/>
+                <a:p>
+                  <a:r>
+                    <a:rPr lang="en-US">
+                      <a:noFill/>
+                    </a:rPr>
+                    <a:t> </a:t>
+                  </a:r>
+                </a:p>
+              </p:txBody>
+            </p:sp>
+          </mc:Fallback>
+        </mc:AlternateContent>
       </p:grpSp>
     </p:spTree>
     <p:extLst>
       <p:ext uri="{BB962C8B-B14F-4D97-AF65-F5344CB8AC3E}">
-        <p14:creationId xmlns:p14="http://schemas.microsoft.com/office/powerpoint/2010/main" val="1121923239"/>
+        <p14:creationId xmlns:p14="http://schemas.microsoft.com/office/powerpoint/2010/main" val="4007140239"/>
       </p:ext>
     </p:extLst>
   </p:cSld>
